--- a/Documentation/Ecng.Trading.pptx
+++ b/Documentation/Ecng.Trading.pptx
@@ -13,6 +13,7 @@
     <p:sldId id="261" r:id="rId7"/>
     <p:sldId id="262" r:id="rId8"/>
     <p:sldId id="263" r:id="rId9"/>
+    <p:sldId id="264" r:id="rId10"/>
   </p:sldIdLst>
   <p:sldSz cx="9144000" cy="6858000" type="screen4x3"/>
   <p:notesSz cx="6858000" cy="9144000"/>
@@ -114,6 +115,5645 @@
 </p:presentation>
 </file>
 
+<file path=ppt/diagrams/colors1.xml><?xml version="1.0" encoding="utf-8"?>
+<dgm:colorsDef xmlns:dgm="http://schemas.openxmlformats.org/drawingml/2006/diagram" xmlns:a="http://schemas.openxmlformats.org/drawingml/2006/main" uniqueId="urn:microsoft.com/office/officeart/2005/8/colors/accent1_2">
+  <dgm:title val=""/>
+  <dgm:desc val=""/>
+  <dgm:catLst>
+    <dgm:cat type="accent1" pri="11200"/>
+  </dgm:catLst>
+  <dgm:styleLbl name="node0">
+    <dgm:fillClrLst meth="repeat">
+      <a:schemeClr val="accent1"/>
+    </dgm:fillClrLst>
+    <dgm:linClrLst meth="repeat">
+      <a:schemeClr val="lt1"/>
+    </dgm:linClrLst>
+    <dgm:effectClrLst/>
+    <dgm:txLinClrLst/>
+    <dgm:txFillClrLst/>
+    <dgm:txEffectClrLst/>
+  </dgm:styleLbl>
+  <dgm:styleLbl name="alignNode1">
+    <dgm:fillClrLst meth="repeat">
+      <a:schemeClr val="accent1"/>
+    </dgm:fillClrLst>
+    <dgm:linClrLst meth="repeat">
+      <a:schemeClr val="accent1"/>
+    </dgm:linClrLst>
+    <dgm:effectClrLst/>
+    <dgm:txLinClrLst/>
+    <dgm:txFillClrLst/>
+    <dgm:txEffectClrLst/>
+  </dgm:styleLbl>
+  <dgm:styleLbl name="node1">
+    <dgm:fillClrLst meth="repeat">
+      <a:schemeClr val="accent1"/>
+    </dgm:fillClrLst>
+    <dgm:linClrLst meth="repeat">
+      <a:schemeClr val="lt1"/>
+    </dgm:linClrLst>
+    <dgm:effectClrLst/>
+    <dgm:txLinClrLst/>
+    <dgm:txFillClrLst/>
+    <dgm:txEffectClrLst/>
+  </dgm:styleLbl>
+  <dgm:styleLbl name="lnNode1">
+    <dgm:fillClrLst meth="repeat">
+      <a:schemeClr val="accent1"/>
+    </dgm:fillClrLst>
+    <dgm:linClrLst meth="repeat">
+      <a:schemeClr val="lt1"/>
+    </dgm:linClrLst>
+    <dgm:effectClrLst/>
+    <dgm:txLinClrLst/>
+    <dgm:txFillClrLst/>
+    <dgm:txEffectClrLst/>
+  </dgm:styleLbl>
+  <dgm:styleLbl name="vennNode1">
+    <dgm:fillClrLst meth="repeat">
+      <a:schemeClr val="accent1">
+        <a:alpha val="50000"/>
+      </a:schemeClr>
+    </dgm:fillClrLst>
+    <dgm:linClrLst meth="repeat">
+      <a:schemeClr val="lt1"/>
+    </dgm:linClrLst>
+    <dgm:effectClrLst/>
+    <dgm:txLinClrLst/>
+    <dgm:txFillClrLst/>
+    <dgm:txEffectClrLst/>
+  </dgm:styleLbl>
+  <dgm:styleLbl name="node2">
+    <dgm:fillClrLst meth="repeat">
+      <a:schemeClr val="accent1"/>
+    </dgm:fillClrLst>
+    <dgm:linClrLst meth="repeat">
+      <a:schemeClr val="lt1"/>
+    </dgm:linClrLst>
+    <dgm:effectClrLst/>
+    <dgm:txLinClrLst/>
+    <dgm:txFillClrLst/>
+    <dgm:txEffectClrLst/>
+  </dgm:styleLbl>
+  <dgm:styleLbl name="node3">
+    <dgm:fillClrLst meth="repeat">
+      <a:schemeClr val="accent1"/>
+    </dgm:fillClrLst>
+    <dgm:linClrLst meth="repeat">
+      <a:schemeClr val="lt1"/>
+    </dgm:linClrLst>
+    <dgm:effectClrLst/>
+    <dgm:txLinClrLst/>
+    <dgm:txFillClrLst/>
+    <dgm:txEffectClrLst/>
+  </dgm:styleLbl>
+  <dgm:styleLbl name="node4">
+    <dgm:fillClrLst meth="repeat">
+      <a:schemeClr val="accent1"/>
+    </dgm:fillClrLst>
+    <dgm:linClrLst meth="repeat">
+      <a:schemeClr val="lt1"/>
+    </dgm:linClrLst>
+    <dgm:effectClrLst/>
+    <dgm:txLinClrLst/>
+    <dgm:txFillClrLst/>
+    <dgm:txEffectClrLst/>
+  </dgm:styleLbl>
+  <dgm:styleLbl name="fgImgPlace1">
+    <dgm:fillClrLst meth="repeat">
+      <a:schemeClr val="accent1">
+        <a:tint val="50000"/>
+      </a:schemeClr>
+    </dgm:fillClrLst>
+    <dgm:linClrLst meth="repeat">
+      <a:schemeClr val="lt1"/>
+    </dgm:linClrLst>
+    <dgm:effectClrLst/>
+    <dgm:txLinClrLst/>
+    <dgm:txFillClrLst meth="repeat">
+      <a:schemeClr val="lt1"/>
+    </dgm:txFillClrLst>
+    <dgm:txEffectClrLst/>
+  </dgm:styleLbl>
+  <dgm:styleLbl name="alignImgPlace1">
+    <dgm:fillClrLst meth="repeat">
+      <a:schemeClr val="accent1">
+        <a:tint val="50000"/>
+      </a:schemeClr>
+    </dgm:fillClrLst>
+    <dgm:linClrLst meth="repeat">
+      <a:schemeClr val="lt1"/>
+    </dgm:linClrLst>
+    <dgm:effectClrLst/>
+    <dgm:txLinClrLst/>
+    <dgm:txFillClrLst meth="repeat">
+      <a:schemeClr val="lt1"/>
+    </dgm:txFillClrLst>
+    <dgm:txEffectClrLst/>
+  </dgm:styleLbl>
+  <dgm:styleLbl name="bgImgPlace1">
+    <dgm:fillClrLst meth="repeat">
+      <a:schemeClr val="accent1">
+        <a:tint val="50000"/>
+      </a:schemeClr>
+    </dgm:fillClrLst>
+    <dgm:linClrLst meth="repeat">
+      <a:schemeClr val="lt1"/>
+    </dgm:linClrLst>
+    <dgm:effectClrLst/>
+    <dgm:txLinClrLst/>
+    <dgm:txFillClrLst meth="repeat">
+      <a:schemeClr val="lt1"/>
+    </dgm:txFillClrLst>
+    <dgm:txEffectClrLst/>
+  </dgm:styleLbl>
+  <dgm:styleLbl name="sibTrans2D1">
+    <dgm:fillClrLst meth="repeat">
+      <a:schemeClr val="accent1">
+        <a:tint val="60000"/>
+      </a:schemeClr>
+    </dgm:fillClrLst>
+    <dgm:linClrLst meth="repeat">
+      <a:schemeClr val="accent1">
+        <a:tint val="60000"/>
+      </a:schemeClr>
+    </dgm:linClrLst>
+    <dgm:effectClrLst/>
+    <dgm:txLinClrLst/>
+    <dgm:txFillClrLst/>
+    <dgm:txEffectClrLst/>
+  </dgm:styleLbl>
+  <dgm:styleLbl name="fgSibTrans2D1">
+    <dgm:fillClrLst meth="repeat">
+      <a:schemeClr val="accent1">
+        <a:tint val="60000"/>
+      </a:schemeClr>
+    </dgm:fillClrLst>
+    <dgm:linClrLst meth="repeat">
+      <a:schemeClr val="accent1">
+        <a:tint val="60000"/>
+      </a:schemeClr>
+    </dgm:linClrLst>
+    <dgm:effectClrLst/>
+    <dgm:txLinClrLst/>
+    <dgm:txFillClrLst/>
+    <dgm:txEffectClrLst/>
+  </dgm:styleLbl>
+  <dgm:styleLbl name="bgSibTrans2D1">
+    <dgm:fillClrLst meth="repeat">
+      <a:schemeClr val="accent1">
+        <a:tint val="60000"/>
+      </a:schemeClr>
+    </dgm:fillClrLst>
+    <dgm:linClrLst meth="repeat">
+      <a:schemeClr val="accent1">
+        <a:tint val="60000"/>
+      </a:schemeClr>
+    </dgm:linClrLst>
+    <dgm:effectClrLst/>
+    <dgm:txLinClrLst/>
+    <dgm:txFillClrLst/>
+    <dgm:txEffectClrLst/>
+  </dgm:styleLbl>
+  <dgm:styleLbl name="sibTrans1D1">
+    <dgm:fillClrLst meth="repeat">
+      <a:schemeClr val="accent1"/>
+    </dgm:fillClrLst>
+    <dgm:linClrLst meth="repeat">
+      <a:schemeClr val="accent1"/>
+    </dgm:linClrLst>
+    <dgm:effectClrLst/>
+    <dgm:txLinClrLst/>
+    <dgm:txFillClrLst meth="repeat">
+      <a:schemeClr val="tx1"/>
+    </dgm:txFillClrLst>
+    <dgm:txEffectClrLst/>
+  </dgm:styleLbl>
+  <dgm:styleLbl name="callout">
+    <dgm:fillClrLst meth="repeat">
+      <a:schemeClr val="accent1"/>
+    </dgm:fillClrLst>
+    <dgm:linClrLst meth="repeat">
+      <a:schemeClr val="accent1">
+        <a:tint val="50000"/>
+      </a:schemeClr>
+    </dgm:linClrLst>
+    <dgm:effectClrLst/>
+    <dgm:txLinClrLst/>
+    <dgm:txFillClrLst meth="repeat">
+      <a:schemeClr val="tx1"/>
+    </dgm:txFillClrLst>
+    <dgm:txEffectClrLst/>
+  </dgm:styleLbl>
+  <dgm:styleLbl name="asst0">
+    <dgm:fillClrLst meth="repeat">
+      <a:schemeClr val="accent1"/>
+    </dgm:fillClrLst>
+    <dgm:linClrLst meth="repeat">
+      <a:schemeClr val="lt1"/>
+    </dgm:linClrLst>
+    <dgm:effectClrLst/>
+    <dgm:txLinClrLst/>
+    <dgm:txFillClrLst/>
+    <dgm:txEffectClrLst/>
+  </dgm:styleLbl>
+  <dgm:styleLbl name="asst1">
+    <dgm:fillClrLst meth="repeat">
+      <a:schemeClr val="accent1"/>
+    </dgm:fillClrLst>
+    <dgm:linClrLst meth="repeat">
+      <a:schemeClr val="lt1"/>
+    </dgm:linClrLst>
+    <dgm:effectClrLst/>
+    <dgm:txLinClrLst/>
+    <dgm:txFillClrLst/>
+    <dgm:txEffectClrLst/>
+  </dgm:styleLbl>
+  <dgm:styleLbl name="asst2">
+    <dgm:fillClrLst meth="repeat">
+      <a:schemeClr val="accent1"/>
+    </dgm:fillClrLst>
+    <dgm:linClrLst meth="repeat">
+      <a:schemeClr val="lt1"/>
+    </dgm:linClrLst>
+    <dgm:effectClrLst/>
+    <dgm:txLinClrLst/>
+    <dgm:txFillClrLst/>
+    <dgm:txEffectClrLst/>
+  </dgm:styleLbl>
+  <dgm:styleLbl name="asst3">
+    <dgm:fillClrLst meth="repeat">
+      <a:schemeClr val="accent1"/>
+    </dgm:fillClrLst>
+    <dgm:linClrLst meth="repeat">
+      <a:schemeClr val="lt1"/>
+    </dgm:linClrLst>
+    <dgm:effectClrLst/>
+    <dgm:txLinClrLst/>
+    <dgm:txFillClrLst/>
+    <dgm:txEffectClrLst/>
+  </dgm:styleLbl>
+  <dgm:styleLbl name="asst4">
+    <dgm:fillClrLst meth="repeat">
+      <a:schemeClr val="accent1"/>
+    </dgm:fillClrLst>
+    <dgm:linClrLst meth="repeat">
+      <a:schemeClr val="lt1"/>
+    </dgm:linClrLst>
+    <dgm:effectClrLst/>
+    <dgm:txLinClrLst/>
+    <dgm:txFillClrLst/>
+    <dgm:txEffectClrLst/>
+  </dgm:styleLbl>
+  <dgm:styleLbl name="parChTrans2D1">
+    <dgm:fillClrLst meth="repeat">
+      <a:schemeClr val="accent1">
+        <a:tint val="60000"/>
+      </a:schemeClr>
+    </dgm:fillClrLst>
+    <dgm:linClrLst meth="repeat">
+      <a:schemeClr val="accent1">
+        <a:tint val="60000"/>
+      </a:schemeClr>
+    </dgm:linClrLst>
+    <dgm:effectClrLst/>
+    <dgm:txLinClrLst/>
+    <dgm:txFillClrLst meth="repeat">
+      <a:schemeClr val="lt1"/>
+    </dgm:txFillClrLst>
+    <dgm:txEffectClrLst/>
+  </dgm:styleLbl>
+  <dgm:styleLbl name="parChTrans2D2">
+    <dgm:fillClrLst meth="repeat">
+      <a:schemeClr val="accent1"/>
+    </dgm:fillClrLst>
+    <dgm:linClrLst meth="repeat">
+      <a:schemeClr val="accent1"/>
+    </dgm:linClrLst>
+    <dgm:effectClrLst/>
+    <dgm:txLinClrLst/>
+    <dgm:txFillClrLst meth="repeat">
+      <a:schemeClr val="lt1"/>
+    </dgm:txFillClrLst>
+    <dgm:txEffectClrLst/>
+  </dgm:styleLbl>
+  <dgm:styleLbl name="parChTrans2D3">
+    <dgm:fillClrLst meth="repeat">
+      <a:schemeClr val="accent1"/>
+    </dgm:fillClrLst>
+    <dgm:linClrLst meth="repeat">
+      <a:schemeClr val="accent1"/>
+    </dgm:linClrLst>
+    <dgm:effectClrLst/>
+    <dgm:txLinClrLst/>
+    <dgm:txFillClrLst meth="repeat">
+      <a:schemeClr val="lt1"/>
+    </dgm:txFillClrLst>
+    <dgm:txEffectClrLst/>
+  </dgm:styleLbl>
+  <dgm:styleLbl name="parChTrans2D4">
+    <dgm:fillClrLst meth="repeat">
+      <a:schemeClr val="accent1"/>
+    </dgm:fillClrLst>
+    <dgm:linClrLst meth="repeat">
+      <a:schemeClr val="accent1"/>
+    </dgm:linClrLst>
+    <dgm:effectClrLst/>
+    <dgm:txLinClrLst/>
+    <dgm:txFillClrLst meth="repeat">
+      <a:schemeClr val="lt1"/>
+    </dgm:txFillClrLst>
+    <dgm:txEffectClrLst/>
+  </dgm:styleLbl>
+  <dgm:styleLbl name="parChTrans1D1">
+    <dgm:fillClrLst meth="repeat">
+      <a:schemeClr val="accent1"/>
+    </dgm:fillClrLst>
+    <dgm:linClrLst meth="repeat">
+      <a:schemeClr val="accent1">
+        <a:shade val="60000"/>
+      </a:schemeClr>
+    </dgm:linClrLst>
+    <dgm:effectClrLst/>
+    <dgm:txLinClrLst/>
+    <dgm:txFillClrLst meth="repeat">
+      <a:schemeClr val="tx1"/>
+    </dgm:txFillClrLst>
+    <dgm:txEffectClrLst/>
+  </dgm:styleLbl>
+  <dgm:styleLbl name="parChTrans1D2">
+    <dgm:fillClrLst meth="repeat">
+      <a:schemeClr val="accent1"/>
+    </dgm:fillClrLst>
+    <dgm:linClrLst meth="repeat">
+      <a:schemeClr val="accent1">
+        <a:shade val="60000"/>
+      </a:schemeClr>
+    </dgm:linClrLst>
+    <dgm:effectClrLst/>
+    <dgm:txLinClrLst/>
+    <dgm:txFillClrLst meth="repeat">
+      <a:schemeClr val="tx1"/>
+    </dgm:txFillClrLst>
+    <dgm:txEffectClrLst/>
+  </dgm:styleLbl>
+  <dgm:styleLbl name="parChTrans1D3">
+    <dgm:fillClrLst meth="repeat">
+      <a:schemeClr val="accent1"/>
+    </dgm:fillClrLst>
+    <dgm:linClrLst meth="repeat">
+      <a:schemeClr val="accent1">
+        <a:shade val="80000"/>
+      </a:schemeClr>
+    </dgm:linClrLst>
+    <dgm:effectClrLst/>
+    <dgm:txLinClrLst/>
+    <dgm:txFillClrLst meth="repeat">
+      <a:schemeClr val="tx1"/>
+    </dgm:txFillClrLst>
+    <dgm:txEffectClrLst/>
+  </dgm:styleLbl>
+  <dgm:styleLbl name="parChTrans1D4">
+    <dgm:fillClrLst meth="repeat">
+      <a:schemeClr val="accent1"/>
+    </dgm:fillClrLst>
+    <dgm:linClrLst meth="repeat">
+      <a:schemeClr val="accent1">
+        <a:shade val="80000"/>
+      </a:schemeClr>
+    </dgm:linClrLst>
+    <dgm:effectClrLst/>
+    <dgm:txLinClrLst/>
+    <dgm:txFillClrLst meth="repeat">
+      <a:schemeClr val="tx1"/>
+    </dgm:txFillClrLst>
+    <dgm:txEffectClrLst/>
+  </dgm:styleLbl>
+  <dgm:styleLbl name="fgAcc1">
+    <dgm:fillClrLst meth="repeat">
+      <a:schemeClr val="lt1">
+        <a:alpha val="90000"/>
+      </a:schemeClr>
+    </dgm:fillClrLst>
+    <dgm:linClrLst meth="repeat">
+      <a:schemeClr val="accent1"/>
+    </dgm:linClrLst>
+    <dgm:effectClrLst/>
+    <dgm:txLinClrLst/>
+    <dgm:txFillClrLst meth="repeat">
+      <a:schemeClr val="dk1"/>
+    </dgm:txFillClrLst>
+    <dgm:txEffectClrLst/>
+  </dgm:styleLbl>
+  <dgm:styleLbl name="conFgAcc1">
+    <dgm:fillClrLst meth="repeat">
+      <a:schemeClr val="lt1">
+        <a:alpha val="90000"/>
+      </a:schemeClr>
+    </dgm:fillClrLst>
+    <dgm:linClrLst meth="repeat">
+      <a:schemeClr val="accent1"/>
+    </dgm:linClrLst>
+    <dgm:effectClrLst/>
+    <dgm:txLinClrLst/>
+    <dgm:txFillClrLst meth="repeat">
+      <a:schemeClr val="dk1"/>
+    </dgm:txFillClrLst>
+    <dgm:txEffectClrLst/>
+  </dgm:styleLbl>
+  <dgm:styleLbl name="alignAcc1">
+    <dgm:fillClrLst meth="repeat">
+      <a:schemeClr val="lt1">
+        <a:alpha val="90000"/>
+      </a:schemeClr>
+    </dgm:fillClrLst>
+    <dgm:linClrLst meth="repeat">
+      <a:schemeClr val="accent1"/>
+    </dgm:linClrLst>
+    <dgm:effectClrLst/>
+    <dgm:txLinClrLst/>
+    <dgm:txFillClrLst meth="repeat">
+      <a:schemeClr val="dk1"/>
+    </dgm:txFillClrLst>
+    <dgm:txEffectClrLst/>
+  </dgm:styleLbl>
+  <dgm:styleLbl name="trAlignAcc1">
+    <dgm:fillClrLst meth="repeat">
+      <a:schemeClr val="lt1">
+        <a:alpha val="40000"/>
+      </a:schemeClr>
+    </dgm:fillClrLst>
+    <dgm:linClrLst meth="repeat">
+      <a:schemeClr val="accent1"/>
+    </dgm:linClrLst>
+    <dgm:effectClrLst/>
+    <dgm:txLinClrLst/>
+    <dgm:txFillClrLst meth="repeat">
+      <a:schemeClr val="dk1"/>
+    </dgm:txFillClrLst>
+    <dgm:txEffectClrLst/>
+  </dgm:styleLbl>
+  <dgm:styleLbl name="bgAcc1">
+    <dgm:fillClrLst meth="repeat">
+      <a:schemeClr val="lt1">
+        <a:alpha val="90000"/>
+      </a:schemeClr>
+    </dgm:fillClrLst>
+    <dgm:linClrLst meth="repeat">
+      <a:schemeClr val="accent1"/>
+    </dgm:linClrLst>
+    <dgm:effectClrLst/>
+    <dgm:txLinClrLst/>
+    <dgm:txFillClrLst meth="repeat">
+      <a:schemeClr val="dk1"/>
+    </dgm:txFillClrLst>
+    <dgm:txEffectClrLst/>
+  </dgm:styleLbl>
+  <dgm:styleLbl name="solidFgAcc1">
+    <dgm:fillClrLst meth="repeat">
+      <a:schemeClr val="lt1"/>
+    </dgm:fillClrLst>
+    <dgm:linClrLst meth="repeat">
+      <a:schemeClr val="accent1"/>
+    </dgm:linClrLst>
+    <dgm:effectClrLst/>
+    <dgm:txLinClrLst/>
+    <dgm:txFillClrLst meth="repeat">
+      <a:schemeClr val="dk1"/>
+    </dgm:txFillClrLst>
+    <dgm:txEffectClrLst/>
+  </dgm:styleLbl>
+  <dgm:styleLbl name="solidAlignAcc1">
+    <dgm:fillClrLst meth="repeat">
+      <a:schemeClr val="lt1"/>
+    </dgm:fillClrLst>
+    <dgm:linClrLst meth="repeat">
+      <a:schemeClr val="accent1"/>
+    </dgm:linClrLst>
+    <dgm:effectClrLst/>
+    <dgm:txLinClrLst/>
+    <dgm:txFillClrLst meth="repeat">
+      <a:schemeClr val="dk1"/>
+    </dgm:txFillClrLst>
+    <dgm:txEffectClrLst/>
+  </dgm:styleLbl>
+  <dgm:styleLbl name="solidBgAcc1">
+    <dgm:fillClrLst meth="repeat">
+      <a:schemeClr val="lt1"/>
+    </dgm:fillClrLst>
+    <dgm:linClrLst meth="repeat">
+      <a:schemeClr val="accent1"/>
+    </dgm:linClrLst>
+    <dgm:effectClrLst/>
+    <dgm:txLinClrLst/>
+    <dgm:txFillClrLst meth="repeat">
+      <a:schemeClr val="dk1"/>
+    </dgm:txFillClrLst>
+    <dgm:txEffectClrLst/>
+  </dgm:styleLbl>
+  <dgm:styleLbl name="fgAccFollowNode1">
+    <dgm:fillClrLst meth="repeat">
+      <a:schemeClr val="accent1">
+        <a:alpha val="90000"/>
+        <a:tint val="40000"/>
+      </a:schemeClr>
+    </dgm:fillClrLst>
+    <dgm:linClrLst meth="repeat">
+      <a:schemeClr val="accent1">
+        <a:alpha val="90000"/>
+        <a:tint val="40000"/>
+      </a:schemeClr>
+    </dgm:linClrLst>
+    <dgm:effectClrLst/>
+    <dgm:txLinClrLst/>
+    <dgm:txFillClrLst meth="repeat">
+      <a:schemeClr val="dk1"/>
+    </dgm:txFillClrLst>
+    <dgm:txEffectClrLst/>
+  </dgm:styleLbl>
+  <dgm:styleLbl name="alignAccFollowNode1">
+    <dgm:fillClrLst meth="repeat">
+      <a:schemeClr val="accent1">
+        <a:alpha val="90000"/>
+        <a:tint val="40000"/>
+      </a:schemeClr>
+    </dgm:fillClrLst>
+    <dgm:linClrLst meth="repeat">
+      <a:schemeClr val="accent1">
+        <a:alpha val="90000"/>
+        <a:tint val="40000"/>
+      </a:schemeClr>
+    </dgm:linClrLst>
+    <dgm:effectClrLst/>
+    <dgm:txLinClrLst/>
+    <dgm:txFillClrLst meth="repeat">
+      <a:schemeClr val="dk1"/>
+    </dgm:txFillClrLst>
+    <dgm:txEffectClrLst/>
+  </dgm:styleLbl>
+  <dgm:styleLbl name="bgAccFollowNode1">
+    <dgm:fillClrLst meth="repeat">
+      <a:schemeClr val="accent1">
+        <a:alpha val="90000"/>
+        <a:tint val="40000"/>
+      </a:schemeClr>
+    </dgm:fillClrLst>
+    <dgm:linClrLst meth="repeat">
+      <a:schemeClr val="accent1">
+        <a:alpha val="90000"/>
+        <a:tint val="40000"/>
+      </a:schemeClr>
+    </dgm:linClrLst>
+    <dgm:effectClrLst/>
+    <dgm:txLinClrLst/>
+    <dgm:txFillClrLst meth="repeat">
+      <a:schemeClr val="dk1"/>
+    </dgm:txFillClrLst>
+    <dgm:txEffectClrLst/>
+  </dgm:styleLbl>
+  <dgm:styleLbl name="fgAcc0">
+    <dgm:fillClrLst meth="repeat">
+      <a:schemeClr val="lt1">
+        <a:alpha val="90000"/>
+      </a:schemeClr>
+    </dgm:fillClrLst>
+    <dgm:linClrLst meth="repeat">
+      <a:schemeClr val="accent1"/>
+    </dgm:linClrLst>
+    <dgm:effectClrLst/>
+    <dgm:txLinClrLst/>
+    <dgm:txFillClrLst meth="repeat">
+      <a:schemeClr val="dk1"/>
+    </dgm:txFillClrLst>
+    <dgm:txEffectClrLst/>
+  </dgm:styleLbl>
+  <dgm:styleLbl name="fgAcc2">
+    <dgm:fillClrLst meth="repeat">
+      <a:schemeClr val="lt1">
+        <a:alpha val="90000"/>
+      </a:schemeClr>
+    </dgm:fillClrLst>
+    <dgm:linClrLst meth="repeat">
+      <a:schemeClr val="accent1"/>
+    </dgm:linClrLst>
+    <dgm:effectClrLst/>
+    <dgm:txLinClrLst/>
+    <dgm:txFillClrLst meth="repeat">
+      <a:schemeClr val="dk1"/>
+    </dgm:txFillClrLst>
+    <dgm:txEffectClrLst/>
+  </dgm:styleLbl>
+  <dgm:styleLbl name="fgAcc3">
+    <dgm:fillClrLst meth="repeat">
+      <a:schemeClr val="lt1">
+        <a:alpha val="90000"/>
+      </a:schemeClr>
+    </dgm:fillClrLst>
+    <dgm:linClrLst meth="repeat">
+      <a:schemeClr val="accent1"/>
+    </dgm:linClrLst>
+    <dgm:effectClrLst/>
+    <dgm:txLinClrLst/>
+    <dgm:txFillClrLst meth="repeat">
+      <a:schemeClr val="dk1"/>
+    </dgm:txFillClrLst>
+    <dgm:txEffectClrLst/>
+  </dgm:styleLbl>
+  <dgm:styleLbl name="fgAcc4">
+    <dgm:fillClrLst meth="repeat">
+      <a:schemeClr val="lt1">
+        <a:alpha val="90000"/>
+      </a:schemeClr>
+    </dgm:fillClrLst>
+    <dgm:linClrLst meth="repeat">
+      <a:schemeClr val="accent1"/>
+    </dgm:linClrLst>
+    <dgm:effectClrLst/>
+    <dgm:txLinClrLst/>
+    <dgm:txFillClrLst meth="repeat">
+      <a:schemeClr val="dk1"/>
+    </dgm:txFillClrLst>
+    <dgm:txEffectClrLst/>
+  </dgm:styleLbl>
+  <dgm:styleLbl name="bgShp">
+    <dgm:fillClrLst meth="repeat">
+      <a:schemeClr val="accent1">
+        <a:tint val="40000"/>
+      </a:schemeClr>
+    </dgm:fillClrLst>
+    <dgm:linClrLst meth="repeat">
+      <a:schemeClr val="accent1"/>
+    </dgm:linClrLst>
+    <dgm:effectClrLst/>
+    <dgm:txLinClrLst/>
+    <dgm:txFillClrLst meth="repeat">
+      <a:schemeClr val="dk1"/>
+    </dgm:txFillClrLst>
+    <dgm:txEffectClrLst/>
+  </dgm:styleLbl>
+  <dgm:styleLbl name="dkBgShp">
+    <dgm:fillClrLst meth="repeat">
+      <a:schemeClr val="accent1">
+        <a:shade val="80000"/>
+      </a:schemeClr>
+    </dgm:fillClrLst>
+    <dgm:linClrLst meth="repeat">
+      <a:schemeClr val="accent1"/>
+    </dgm:linClrLst>
+    <dgm:effectClrLst/>
+    <dgm:txLinClrLst/>
+    <dgm:txFillClrLst meth="repeat">
+      <a:schemeClr val="lt1"/>
+    </dgm:txFillClrLst>
+    <dgm:txEffectClrLst/>
+  </dgm:styleLbl>
+  <dgm:styleLbl name="trBgShp">
+    <dgm:fillClrLst meth="repeat">
+      <a:schemeClr val="accent1">
+        <a:tint val="50000"/>
+        <a:alpha val="40000"/>
+      </a:schemeClr>
+    </dgm:fillClrLst>
+    <dgm:linClrLst meth="repeat">
+      <a:schemeClr val="accent1"/>
+    </dgm:linClrLst>
+    <dgm:effectClrLst/>
+    <dgm:txLinClrLst/>
+    <dgm:txFillClrLst meth="repeat">
+      <a:schemeClr val="lt1"/>
+    </dgm:txFillClrLst>
+    <dgm:txEffectClrLst/>
+  </dgm:styleLbl>
+  <dgm:styleLbl name="fgShp">
+    <dgm:fillClrLst meth="repeat">
+      <a:schemeClr val="accent1">
+        <a:tint val="60000"/>
+      </a:schemeClr>
+    </dgm:fillClrLst>
+    <dgm:linClrLst meth="repeat">
+      <a:schemeClr val="lt1"/>
+    </dgm:linClrLst>
+    <dgm:effectClrLst/>
+    <dgm:txLinClrLst/>
+    <dgm:txFillClrLst meth="repeat">
+      <a:schemeClr val="dk1"/>
+    </dgm:txFillClrLst>
+    <dgm:txEffectClrLst/>
+  </dgm:styleLbl>
+  <dgm:styleLbl name="revTx">
+    <dgm:fillClrLst meth="repeat">
+      <a:schemeClr val="lt1">
+        <a:alpha val="0"/>
+      </a:schemeClr>
+    </dgm:fillClrLst>
+    <dgm:linClrLst meth="repeat">
+      <a:schemeClr val="dk1">
+        <a:alpha val="0"/>
+      </a:schemeClr>
+    </dgm:linClrLst>
+    <dgm:effectClrLst/>
+    <dgm:txLinClrLst/>
+    <dgm:txFillClrLst meth="repeat">
+      <a:schemeClr val="tx1"/>
+    </dgm:txFillClrLst>
+    <dgm:txEffectClrLst/>
+  </dgm:styleLbl>
+</dgm:colorsDef>
+</file>
+
+<file path=ppt/diagrams/data1.xml><?xml version="1.0" encoding="utf-8"?>
+<dgm:dataModel xmlns:dgm="http://schemas.openxmlformats.org/drawingml/2006/diagram" xmlns:a="http://schemas.openxmlformats.org/drawingml/2006/main">
+  <dgm:ptLst>
+    <dgm:pt modelId="{337CDB9D-C5FE-4269-96F1-4F62A0A7C3ED}" type="doc">
+      <dgm:prSet loTypeId="urn:microsoft.com/office/officeart/2005/8/layout/hierarchy4" loCatId="hierarchy" qsTypeId="urn:microsoft.com/office/officeart/2005/8/quickstyle/3d3" qsCatId="3D" csTypeId="urn:microsoft.com/office/officeart/2005/8/colors/accent1_2" csCatId="accent1" phldr="1"/>
+      <dgm:spPr/>
+      <dgm:t>
+        <a:bodyPr/>
+        <a:lstStyle/>
+        <a:p>
+          <a:endParaRPr lang="ru-RU"/>
+        </a:p>
+      </dgm:t>
+    </dgm:pt>
+    <dgm:pt modelId="{87551E00-F112-4588-9D34-5F331373A439}">
+      <dgm:prSet phldrT="[Текст]"/>
+      <dgm:spPr/>
+      <dgm:t>
+        <a:bodyPr/>
+        <a:lstStyle/>
+        <a:p>
+          <a:r>
+            <a:rPr lang="en-US" dirty="0" smtClean="0"/>
+            <a:t>S#.API</a:t>
+          </a:r>
+          <a:endParaRPr lang="ru-RU" dirty="0"/>
+        </a:p>
+      </dgm:t>
+    </dgm:pt>
+    <dgm:pt modelId="{B40A3014-DEB8-4651-8366-07BDB1C4ADCD}" type="parTrans" cxnId="{DD3568F7-898D-4765-811A-9C94875A6201}">
+      <dgm:prSet/>
+      <dgm:spPr/>
+      <dgm:t>
+        <a:bodyPr/>
+        <a:lstStyle/>
+        <a:p>
+          <a:endParaRPr lang="ru-RU"/>
+        </a:p>
+      </dgm:t>
+    </dgm:pt>
+    <dgm:pt modelId="{E4130B95-1154-43E2-962D-257B6F50A03E}" type="sibTrans" cxnId="{DD3568F7-898D-4765-811A-9C94875A6201}">
+      <dgm:prSet/>
+      <dgm:spPr/>
+      <dgm:t>
+        <a:bodyPr/>
+        <a:lstStyle/>
+        <a:p>
+          <a:endParaRPr lang="ru-RU"/>
+        </a:p>
+      </dgm:t>
+    </dgm:pt>
+    <dgm:pt modelId="{BF773FE7-E7A5-45F9-8E6C-62749678FEF5}">
+      <dgm:prSet phldrT="[Текст]"/>
+      <dgm:spPr/>
+      <dgm:t>
+        <a:bodyPr/>
+        <a:lstStyle/>
+        <a:p>
+          <a:r>
+            <a:rPr lang="en-US" dirty="0" err="1" smtClean="0"/>
+            <a:t>BusinessEntities</a:t>
+          </a:r>
+          <a:endParaRPr lang="ru-RU" dirty="0"/>
+        </a:p>
+      </dgm:t>
+    </dgm:pt>
+    <dgm:pt modelId="{583FC5FD-98C7-4EF0-91FD-5011A724CEC8}" type="parTrans" cxnId="{0093BF26-4217-4CFF-984E-C1F597550E99}">
+      <dgm:prSet/>
+      <dgm:spPr/>
+      <dgm:t>
+        <a:bodyPr/>
+        <a:lstStyle/>
+        <a:p>
+          <a:endParaRPr lang="ru-RU"/>
+        </a:p>
+      </dgm:t>
+    </dgm:pt>
+    <dgm:pt modelId="{4736C7A3-BD99-4BDD-AE73-D8B55AFF0F45}" type="sibTrans" cxnId="{0093BF26-4217-4CFF-984E-C1F597550E99}">
+      <dgm:prSet/>
+      <dgm:spPr/>
+      <dgm:t>
+        <a:bodyPr/>
+        <a:lstStyle/>
+        <a:p>
+          <a:endParaRPr lang="ru-RU"/>
+        </a:p>
+      </dgm:t>
+    </dgm:pt>
+    <dgm:pt modelId="{275C754B-CBCD-49A7-9408-AF9511CCB245}">
+      <dgm:prSet phldrT="[Текст]"/>
+      <dgm:spPr/>
+      <dgm:t>
+        <a:bodyPr/>
+        <a:lstStyle/>
+        <a:p>
+          <a:r>
+            <a:rPr lang="en-US" dirty="0" err="1" smtClean="0"/>
+            <a:t>Algo</a:t>
+          </a:r>
+          <a:endParaRPr lang="ru-RU" dirty="0"/>
+        </a:p>
+      </dgm:t>
+    </dgm:pt>
+    <dgm:pt modelId="{4D26F4E9-8DDA-42EC-902E-4533257622DC}" type="parTrans" cxnId="{1105F83E-FE55-47A5-9C99-C4122F839B65}">
+      <dgm:prSet/>
+      <dgm:spPr/>
+      <dgm:t>
+        <a:bodyPr/>
+        <a:lstStyle/>
+        <a:p>
+          <a:endParaRPr lang="ru-RU"/>
+        </a:p>
+      </dgm:t>
+    </dgm:pt>
+    <dgm:pt modelId="{FE01DFEA-4359-4373-BE72-4096645B3D15}" type="sibTrans" cxnId="{1105F83E-FE55-47A5-9C99-C4122F839B65}">
+      <dgm:prSet/>
+      <dgm:spPr/>
+      <dgm:t>
+        <a:bodyPr/>
+        <a:lstStyle/>
+        <a:p>
+          <a:endParaRPr lang="ru-RU"/>
+        </a:p>
+      </dgm:t>
+    </dgm:pt>
+    <dgm:pt modelId="{4541B1E3-4382-4655-95AE-E164B7B3CBC9}">
+      <dgm:prSet phldrT="[Текст]"/>
+      <dgm:spPr/>
+      <dgm:t>
+        <a:bodyPr/>
+        <a:lstStyle/>
+        <a:p>
+          <a:r>
+            <a:rPr lang="en-US" dirty="0" smtClean="0"/>
+            <a:t>Messages</a:t>
+          </a:r>
+          <a:endParaRPr lang="ru-RU" dirty="0"/>
+        </a:p>
+      </dgm:t>
+    </dgm:pt>
+    <dgm:pt modelId="{65AAC6AE-529A-4AF4-90C0-EEE710CEC78F}" type="parTrans" cxnId="{F87096FD-C359-449C-AE54-3EE4C8EE2AB0}">
+      <dgm:prSet/>
+      <dgm:spPr/>
+      <dgm:t>
+        <a:bodyPr/>
+        <a:lstStyle/>
+        <a:p>
+          <a:endParaRPr lang="ru-RU"/>
+        </a:p>
+      </dgm:t>
+    </dgm:pt>
+    <dgm:pt modelId="{87337E50-6310-41D0-B283-3E012008279D}" type="sibTrans" cxnId="{F87096FD-C359-449C-AE54-3EE4C8EE2AB0}">
+      <dgm:prSet/>
+      <dgm:spPr/>
+      <dgm:t>
+        <a:bodyPr/>
+        <a:lstStyle/>
+        <a:p>
+          <a:endParaRPr lang="ru-RU"/>
+        </a:p>
+      </dgm:t>
+    </dgm:pt>
+    <dgm:pt modelId="{06FE9DB2-851F-4E22-904D-E4B74A2A06C5}">
+      <dgm:prSet phldrT="[Текст]"/>
+      <dgm:spPr/>
+      <dgm:t>
+        <a:bodyPr/>
+        <a:lstStyle/>
+        <a:p>
+          <a:r>
+            <a:rPr lang="en-US" dirty="0" smtClean="0"/>
+            <a:t>Logging</a:t>
+          </a:r>
+          <a:endParaRPr lang="ru-RU" dirty="0"/>
+        </a:p>
+      </dgm:t>
+    </dgm:pt>
+    <dgm:pt modelId="{A4B9AA2A-91C6-4A6D-B816-7EF1AC753F5A}" type="parTrans" cxnId="{CFF1A2BB-79BA-48AD-B220-E6200C3D60C1}">
+      <dgm:prSet/>
+      <dgm:spPr/>
+      <dgm:t>
+        <a:bodyPr/>
+        <a:lstStyle/>
+        <a:p>
+          <a:endParaRPr lang="ru-RU"/>
+        </a:p>
+      </dgm:t>
+    </dgm:pt>
+    <dgm:pt modelId="{D090B800-10C8-4C01-82A2-DD7E0E9293D4}" type="sibTrans" cxnId="{CFF1A2BB-79BA-48AD-B220-E6200C3D60C1}">
+      <dgm:prSet/>
+      <dgm:spPr/>
+      <dgm:t>
+        <a:bodyPr/>
+        <a:lstStyle/>
+        <a:p>
+          <a:endParaRPr lang="ru-RU"/>
+        </a:p>
+      </dgm:t>
+    </dgm:pt>
+    <dgm:pt modelId="{A3F0027C-C8AB-43A8-AE27-B356A0AACE3B}">
+      <dgm:prSet phldrT="[Текст]"/>
+      <dgm:spPr/>
+      <dgm:t>
+        <a:bodyPr/>
+        <a:lstStyle/>
+        <a:p>
+          <a:r>
+            <a:rPr lang="en-US" dirty="0" smtClean="0"/>
+            <a:t>XAML</a:t>
+          </a:r>
+          <a:endParaRPr lang="ru-RU" dirty="0"/>
+        </a:p>
+      </dgm:t>
+    </dgm:pt>
+    <dgm:pt modelId="{5CCF4487-A65D-41BA-9EE2-CCA027580EC0}" type="parTrans" cxnId="{F661845D-6D28-4D38-8B0C-FECDEAE9BF7B}">
+      <dgm:prSet/>
+      <dgm:spPr/>
+      <dgm:t>
+        <a:bodyPr/>
+        <a:lstStyle/>
+        <a:p>
+          <a:endParaRPr lang="ru-RU"/>
+        </a:p>
+      </dgm:t>
+    </dgm:pt>
+    <dgm:pt modelId="{38983F4D-2411-4BA1-8A84-C133AD6B06AA}" type="sibTrans" cxnId="{F661845D-6D28-4D38-8B0C-FECDEAE9BF7B}">
+      <dgm:prSet/>
+      <dgm:spPr/>
+      <dgm:t>
+        <a:bodyPr/>
+        <a:lstStyle/>
+        <a:p>
+          <a:endParaRPr lang="ru-RU"/>
+        </a:p>
+      </dgm:t>
+    </dgm:pt>
+    <dgm:pt modelId="{DD6C028C-AA8C-4FC2-9811-EF7A81BFBB12}">
+      <dgm:prSet phldrT="[Текст]"/>
+      <dgm:spPr/>
+      <dgm:t>
+        <a:bodyPr/>
+        <a:lstStyle/>
+        <a:p>
+          <a:r>
+            <a:rPr lang="en-US" dirty="0" smtClean="0"/>
+            <a:t>Connectors</a:t>
+          </a:r>
+          <a:endParaRPr lang="ru-RU" dirty="0"/>
+        </a:p>
+      </dgm:t>
+    </dgm:pt>
+    <dgm:pt modelId="{9A0EA56D-6C60-41DD-8CEA-9B78C82EE53A}" type="parTrans" cxnId="{297FE9C7-EA6D-4F4D-B5E3-B8ACF7734FE4}">
+      <dgm:prSet/>
+      <dgm:spPr/>
+      <dgm:t>
+        <a:bodyPr/>
+        <a:lstStyle/>
+        <a:p>
+          <a:endParaRPr lang="ru-RU"/>
+        </a:p>
+      </dgm:t>
+    </dgm:pt>
+    <dgm:pt modelId="{1F37C403-C9F8-4340-B4C3-BDC52718D24A}" type="sibTrans" cxnId="{297FE9C7-EA6D-4F4D-B5E3-B8ACF7734FE4}">
+      <dgm:prSet/>
+      <dgm:spPr/>
+      <dgm:t>
+        <a:bodyPr/>
+        <a:lstStyle/>
+        <a:p>
+          <a:endParaRPr lang="ru-RU"/>
+        </a:p>
+      </dgm:t>
+    </dgm:pt>
+    <dgm:pt modelId="{CEC20BDE-8A25-4960-8793-E75A9C5A48C4}">
+      <dgm:prSet phldrT="[Текст]"/>
+      <dgm:spPr/>
+      <dgm:t>
+        <a:bodyPr vert="vert270"/>
+        <a:lstStyle/>
+        <a:p>
+          <a:r>
+            <a:rPr lang="en-US" dirty="0" smtClean="0"/>
+            <a:t>Strategies</a:t>
+          </a:r>
+          <a:endParaRPr lang="ru-RU" dirty="0"/>
+        </a:p>
+      </dgm:t>
+    </dgm:pt>
+    <dgm:pt modelId="{8695113A-03DF-46C8-8AD4-EA1E82EFA97E}" type="parTrans" cxnId="{B9579F59-3E53-4811-9B62-3BF9AF3ABF55}">
+      <dgm:prSet/>
+      <dgm:spPr/>
+      <dgm:t>
+        <a:bodyPr/>
+        <a:lstStyle/>
+        <a:p>
+          <a:endParaRPr lang="ru-RU"/>
+        </a:p>
+      </dgm:t>
+    </dgm:pt>
+    <dgm:pt modelId="{186C9C07-60BD-4248-9CE3-D3C9B79AFBD9}" type="sibTrans" cxnId="{B9579F59-3E53-4811-9B62-3BF9AF3ABF55}">
+      <dgm:prSet/>
+      <dgm:spPr/>
+      <dgm:t>
+        <a:bodyPr/>
+        <a:lstStyle/>
+        <a:p>
+          <a:endParaRPr lang="ru-RU"/>
+        </a:p>
+      </dgm:t>
+    </dgm:pt>
+    <dgm:pt modelId="{4BAFC4BD-5C9A-4B18-B06B-D80F0279C4BC}">
+      <dgm:prSet phldrT="[Текст]"/>
+      <dgm:spPr/>
+      <dgm:t>
+        <a:bodyPr vert="vert270"/>
+        <a:lstStyle/>
+        <a:p>
+          <a:r>
+            <a:rPr lang="en-US" dirty="0" smtClean="0"/>
+            <a:t>Candles</a:t>
+          </a:r>
+          <a:endParaRPr lang="ru-RU" dirty="0"/>
+        </a:p>
+      </dgm:t>
+    </dgm:pt>
+    <dgm:pt modelId="{28B88AA4-F583-4CD8-8151-324D62FAB9CE}" type="parTrans" cxnId="{79E629EA-8527-47DB-B53C-E4061F71AD56}">
+      <dgm:prSet/>
+      <dgm:spPr/>
+      <dgm:t>
+        <a:bodyPr/>
+        <a:lstStyle/>
+        <a:p>
+          <a:endParaRPr lang="ru-RU"/>
+        </a:p>
+      </dgm:t>
+    </dgm:pt>
+    <dgm:pt modelId="{6E92EF49-3162-431A-9400-53FC7FDC5914}" type="sibTrans" cxnId="{79E629EA-8527-47DB-B53C-E4061F71AD56}">
+      <dgm:prSet/>
+      <dgm:spPr/>
+      <dgm:t>
+        <a:bodyPr/>
+        <a:lstStyle/>
+        <a:p>
+          <a:endParaRPr lang="ru-RU"/>
+        </a:p>
+      </dgm:t>
+    </dgm:pt>
+    <dgm:pt modelId="{8A2776A7-0170-4CCC-8804-8B4A0F7FFCA7}">
+      <dgm:prSet phldrT="[Текст]"/>
+      <dgm:spPr/>
+      <dgm:t>
+        <a:bodyPr vert="vert270"/>
+        <a:lstStyle/>
+        <a:p>
+          <a:r>
+            <a:rPr lang="en-US" dirty="0" smtClean="0"/>
+            <a:t>Indicators</a:t>
+          </a:r>
+          <a:endParaRPr lang="ru-RU" dirty="0"/>
+        </a:p>
+      </dgm:t>
+    </dgm:pt>
+    <dgm:pt modelId="{8964C6E2-C0BE-4C01-BC17-D5A7DAE111B6}" type="parTrans" cxnId="{36E1A60A-BF1B-49B5-AB91-A71B3FAAA8D8}">
+      <dgm:prSet/>
+      <dgm:spPr/>
+      <dgm:t>
+        <a:bodyPr/>
+        <a:lstStyle/>
+        <a:p>
+          <a:endParaRPr lang="ru-RU"/>
+        </a:p>
+      </dgm:t>
+    </dgm:pt>
+    <dgm:pt modelId="{4E6B33BB-075F-4431-8467-C0B7791B89FE}" type="sibTrans" cxnId="{36E1A60A-BF1B-49B5-AB91-A71B3FAAA8D8}">
+      <dgm:prSet/>
+      <dgm:spPr/>
+      <dgm:t>
+        <a:bodyPr/>
+        <a:lstStyle/>
+        <a:p>
+          <a:endParaRPr lang="ru-RU"/>
+        </a:p>
+      </dgm:t>
+    </dgm:pt>
+    <dgm:pt modelId="{E6880B6E-FEEE-4428-9D06-C7A92BC4AC67}">
+      <dgm:prSet phldrT="[Текст]"/>
+      <dgm:spPr/>
+      <dgm:t>
+        <a:bodyPr vert="vert270"/>
+        <a:lstStyle/>
+        <a:p>
+          <a:r>
+            <a:rPr lang="en-US" dirty="0" smtClean="0"/>
+            <a:t>Derivatives</a:t>
+          </a:r>
+          <a:endParaRPr lang="ru-RU" dirty="0"/>
+        </a:p>
+      </dgm:t>
+    </dgm:pt>
+    <dgm:pt modelId="{E79B1EE6-EBA9-454D-B25A-95F00B9D67CF}" type="parTrans" cxnId="{C8B72A2A-D998-495B-93DF-910177FD8563}">
+      <dgm:prSet/>
+      <dgm:spPr/>
+      <dgm:t>
+        <a:bodyPr/>
+        <a:lstStyle/>
+        <a:p>
+          <a:endParaRPr lang="ru-RU"/>
+        </a:p>
+      </dgm:t>
+    </dgm:pt>
+    <dgm:pt modelId="{CC81D1A0-3095-48B4-83C9-4434D3463A6E}" type="sibTrans" cxnId="{C8B72A2A-D998-495B-93DF-910177FD8563}">
+      <dgm:prSet/>
+      <dgm:spPr/>
+      <dgm:t>
+        <a:bodyPr/>
+        <a:lstStyle/>
+        <a:p>
+          <a:endParaRPr lang="ru-RU"/>
+        </a:p>
+      </dgm:t>
+    </dgm:pt>
+    <dgm:pt modelId="{6C4D8C71-B090-4692-BF5D-E1D96FAFA133}">
+      <dgm:prSet phldrT="[Текст]"/>
+      <dgm:spPr/>
+      <dgm:t>
+        <a:bodyPr vert="vert270"/>
+        <a:lstStyle/>
+        <a:p>
+          <a:r>
+            <a:rPr lang="en-US" dirty="0" smtClean="0"/>
+            <a:t>Testing</a:t>
+          </a:r>
+          <a:endParaRPr lang="ru-RU" dirty="0"/>
+        </a:p>
+      </dgm:t>
+    </dgm:pt>
+    <dgm:pt modelId="{A7926735-A23F-4CDD-9093-9B48A85F654B}" type="parTrans" cxnId="{E11FC82B-730B-472C-8854-FDC9C36F0283}">
+      <dgm:prSet/>
+      <dgm:spPr/>
+      <dgm:t>
+        <a:bodyPr/>
+        <a:lstStyle/>
+        <a:p>
+          <a:endParaRPr lang="ru-RU"/>
+        </a:p>
+      </dgm:t>
+    </dgm:pt>
+    <dgm:pt modelId="{7BDA5322-116D-4739-8BE7-02B46D56CB20}" type="sibTrans" cxnId="{E11FC82B-730B-472C-8854-FDC9C36F0283}">
+      <dgm:prSet/>
+      <dgm:spPr/>
+      <dgm:t>
+        <a:bodyPr/>
+        <a:lstStyle/>
+        <a:p>
+          <a:endParaRPr lang="ru-RU"/>
+        </a:p>
+      </dgm:t>
+    </dgm:pt>
+    <dgm:pt modelId="{67A7969D-0FA0-41F1-B917-6391DEA03A17}">
+      <dgm:prSet phldrT="[Текст]"/>
+      <dgm:spPr/>
+      <dgm:t>
+        <a:bodyPr vert="vert270"/>
+        <a:lstStyle/>
+        <a:p>
+          <a:r>
+            <a:rPr lang="en-US" dirty="0" smtClean="0"/>
+            <a:t>Storages</a:t>
+          </a:r>
+          <a:endParaRPr lang="ru-RU" dirty="0"/>
+        </a:p>
+      </dgm:t>
+    </dgm:pt>
+    <dgm:pt modelId="{CACB580F-AA37-469D-966C-FBCF1071774A}" type="parTrans" cxnId="{347CAE4E-4799-4562-87C1-2580456A297E}">
+      <dgm:prSet/>
+      <dgm:spPr/>
+      <dgm:t>
+        <a:bodyPr/>
+        <a:lstStyle/>
+        <a:p>
+          <a:endParaRPr lang="ru-RU"/>
+        </a:p>
+      </dgm:t>
+    </dgm:pt>
+    <dgm:pt modelId="{3F96CF95-A6DC-4837-B58F-0CC06714BB18}" type="sibTrans" cxnId="{347CAE4E-4799-4562-87C1-2580456A297E}">
+      <dgm:prSet/>
+      <dgm:spPr/>
+      <dgm:t>
+        <a:bodyPr/>
+        <a:lstStyle/>
+        <a:p>
+          <a:endParaRPr lang="ru-RU"/>
+        </a:p>
+      </dgm:t>
+    </dgm:pt>
+    <dgm:pt modelId="{7D63E883-5903-4A3A-9A75-0BB4EB7F0B55}">
+      <dgm:prSet phldrT="[Текст]"/>
+      <dgm:spPr/>
+      <dgm:t>
+        <a:bodyPr vert="vert270"/>
+        <a:lstStyle/>
+        <a:p>
+          <a:r>
+            <a:rPr lang="en-US" dirty="0" smtClean="0"/>
+            <a:t>Charting</a:t>
+          </a:r>
+          <a:endParaRPr lang="ru-RU" dirty="0"/>
+        </a:p>
+      </dgm:t>
+    </dgm:pt>
+    <dgm:pt modelId="{614432D6-AD86-40EF-890D-CCD24597DED8}" type="parTrans" cxnId="{CD840F9F-C66E-4507-9499-37DF1B26CF91}">
+      <dgm:prSet/>
+      <dgm:spPr/>
+      <dgm:t>
+        <a:bodyPr/>
+        <a:lstStyle/>
+        <a:p>
+          <a:endParaRPr lang="ru-RU"/>
+        </a:p>
+      </dgm:t>
+    </dgm:pt>
+    <dgm:pt modelId="{D92B6859-6A69-480D-8012-C93D19A962BD}" type="sibTrans" cxnId="{CD840F9F-C66E-4507-9499-37DF1B26CF91}">
+      <dgm:prSet/>
+      <dgm:spPr/>
+      <dgm:t>
+        <a:bodyPr/>
+        <a:lstStyle/>
+        <a:p>
+          <a:endParaRPr lang="ru-RU"/>
+        </a:p>
+      </dgm:t>
+    </dgm:pt>
+    <dgm:pt modelId="{3ECD000B-850E-42A9-9E8C-764EF0A675CD}">
+      <dgm:prSet phldrT="[Текст]"/>
+      <dgm:spPr/>
+      <dgm:t>
+        <a:bodyPr vert="vert270"/>
+        <a:lstStyle/>
+        <a:p>
+          <a:r>
+            <a:rPr lang="en-US" dirty="0" smtClean="0"/>
+            <a:t>Diagrams</a:t>
+          </a:r>
+          <a:endParaRPr lang="ru-RU" dirty="0"/>
+        </a:p>
+      </dgm:t>
+    </dgm:pt>
+    <dgm:pt modelId="{FD7DEEA2-0228-44C7-99C3-470CFA9C6961}" type="parTrans" cxnId="{607C85D0-7C10-4B7B-91C1-C128C6FF96BC}">
+      <dgm:prSet/>
+      <dgm:spPr/>
+      <dgm:t>
+        <a:bodyPr/>
+        <a:lstStyle/>
+        <a:p>
+          <a:endParaRPr lang="ru-RU"/>
+        </a:p>
+      </dgm:t>
+    </dgm:pt>
+    <dgm:pt modelId="{27D51C9C-5AD1-4CEF-8C08-239694AE339D}" type="sibTrans" cxnId="{607C85D0-7C10-4B7B-91C1-C128C6FF96BC}">
+      <dgm:prSet/>
+      <dgm:spPr/>
+      <dgm:t>
+        <a:bodyPr/>
+        <a:lstStyle/>
+        <a:p>
+          <a:endParaRPr lang="ru-RU"/>
+        </a:p>
+      </dgm:t>
+    </dgm:pt>
+    <dgm:pt modelId="{FF413586-053F-4BDC-A7E7-4CBE847D7F82}">
+      <dgm:prSet phldrT="[Текст]"/>
+      <dgm:spPr/>
+      <dgm:t>
+        <a:bodyPr vert="vert270"/>
+        <a:lstStyle/>
+        <a:p>
+          <a:r>
+            <a:rPr lang="en-US" dirty="0" err="1" smtClean="0"/>
+            <a:t>Quik</a:t>
+          </a:r>
+          <a:endParaRPr lang="ru-RU" dirty="0"/>
+        </a:p>
+      </dgm:t>
+    </dgm:pt>
+    <dgm:pt modelId="{C181FFB6-6461-4C0B-83EF-7048C7367E0F}" type="parTrans" cxnId="{DDBD328D-16B5-4E2D-A88E-A85A1536F681}">
+      <dgm:prSet/>
+      <dgm:spPr/>
+      <dgm:t>
+        <a:bodyPr/>
+        <a:lstStyle/>
+        <a:p>
+          <a:endParaRPr lang="ru-RU"/>
+        </a:p>
+      </dgm:t>
+    </dgm:pt>
+    <dgm:pt modelId="{B281A4F2-4E98-4B08-AA11-C131DB3C7CEB}" type="sibTrans" cxnId="{DDBD328D-16B5-4E2D-A88E-A85A1536F681}">
+      <dgm:prSet/>
+      <dgm:spPr/>
+      <dgm:t>
+        <a:bodyPr/>
+        <a:lstStyle/>
+        <a:p>
+          <a:endParaRPr lang="ru-RU"/>
+        </a:p>
+      </dgm:t>
+    </dgm:pt>
+    <dgm:pt modelId="{3249F462-FAC4-4B8A-8745-DDC5EC0F1625}">
+      <dgm:prSet phldrT="[Текст]"/>
+      <dgm:spPr/>
+      <dgm:t>
+        <a:bodyPr vert="vert270"/>
+        <a:lstStyle/>
+        <a:p>
+          <a:r>
+            <a:rPr lang="en-US" dirty="0" err="1" smtClean="0"/>
+            <a:t>SmartCom</a:t>
+          </a:r>
+          <a:endParaRPr lang="ru-RU" dirty="0"/>
+        </a:p>
+      </dgm:t>
+    </dgm:pt>
+    <dgm:pt modelId="{1EB0678E-A9BB-41F0-90F4-A013DC5D727D}" type="parTrans" cxnId="{2A3EEB94-B283-440F-AAD4-FD29F4B0C46A}">
+      <dgm:prSet/>
+      <dgm:spPr/>
+      <dgm:t>
+        <a:bodyPr/>
+        <a:lstStyle/>
+        <a:p>
+          <a:endParaRPr lang="ru-RU"/>
+        </a:p>
+      </dgm:t>
+    </dgm:pt>
+    <dgm:pt modelId="{1AFF316E-540E-46D4-BE1E-B2F2C50F2CA2}" type="sibTrans" cxnId="{2A3EEB94-B283-440F-AAD4-FD29F4B0C46A}">
+      <dgm:prSet/>
+      <dgm:spPr/>
+      <dgm:t>
+        <a:bodyPr/>
+        <a:lstStyle/>
+        <a:p>
+          <a:endParaRPr lang="ru-RU"/>
+        </a:p>
+      </dgm:t>
+    </dgm:pt>
+    <dgm:pt modelId="{FCDEAF75-CBB8-4690-8458-86897F5DE613}">
+      <dgm:prSet phldrT="[Текст]"/>
+      <dgm:spPr/>
+      <dgm:t>
+        <a:bodyPr vert="vert270"/>
+        <a:lstStyle/>
+        <a:p>
+          <a:r>
+            <a:rPr lang="en-US" dirty="0" smtClean="0"/>
+            <a:t>Plaza II</a:t>
+          </a:r>
+          <a:endParaRPr lang="ru-RU" dirty="0"/>
+        </a:p>
+      </dgm:t>
+    </dgm:pt>
+    <dgm:pt modelId="{0C51D115-B0A7-4B70-AF72-03A7B38B6444}" type="parTrans" cxnId="{961F0CFA-9882-405B-B0DC-7E796DF95E79}">
+      <dgm:prSet/>
+      <dgm:spPr/>
+      <dgm:t>
+        <a:bodyPr/>
+        <a:lstStyle/>
+        <a:p>
+          <a:endParaRPr lang="ru-RU"/>
+        </a:p>
+      </dgm:t>
+    </dgm:pt>
+    <dgm:pt modelId="{52878C90-4354-437E-8AD8-FD119B927C93}" type="sibTrans" cxnId="{961F0CFA-9882-405B-B0DC-7E796DF95E79}">
+      <dgm:prSet/>
+      <dgm:spPr/>
+      <dgm:t>
+        <a:bodyPr/>
+        <a:lstStyle/>
+        <a:p>
+          <a:endParaRPr lang="ru-RU"/>
+        </a:p>
+      </dgm:t>
+    </dgm:pt>
+    <dgm:pt modelId="{E3C18B8D-8832-41A7-A355-A4C70C974BFB}">
+      <dgm:prSet phldrT="[Текст]"/>
+      <dgm:spPr/>
+      <dgm:t>
+        <a:bodyPr vert="vert270"/>
+        <a:lstStyle/>
+        <a:p>
+          <a:r>
+            <a:rPr lang="en-US" dirty="0" smtClean="0"/>
+            <a:t>Other</a:t>
+          </a:r>
+          <a:endParaRPr lang="ru-RU" dirty="0"/>
+        </a:p>
+      </dgm:t>
+    </dgm:pt>
+    <dgm:pt modelId="{CC730738-0F70-4E74-8E02-4180DA22CACC}" type="parTrans" cxnId="{23C3FEA8-F1B7-466D-BB31-66F59E3FAEB3}">
+      <dgm:prSet/>
+      <dgm:spPr/>
+      <dgm:t>
+        <a:bodyPr/>
+        <a:lstStyle/>
+        <a:p>
+          <a:endParaRPr lang="ru-RU"/>
+        </a:p>
+      </dgm:t>
+    </dgm:pt>
+    <dgm:pt modelId="{C5C375BB-0A0B-4A30-98B0-6A600996537C}" type="sibTrans" cxnId="{23C3FEA8-F1B7-466D-BB31-66F59E3FAEB3}">
+      <dgm:prSet/>
+      <dgm:spPr/>
+      <dgm:t>
+        <a:bodyPr/>
+        <a:lstStyle/>
+        <a:p>
+          <a:endParaRPr lang="ru-RU"/>
+        </a:p>
+      </dgm:t>
+    </dgm:pt>
+    <dgm:pt modelId="{B0880AC5-B3C5-40FB-A8C2-6FEAE5C4B151}" type="pres">
+      <dgm:prSet presAssocID="{337CDB9D-C5FE-4269-96F1-4F62A0A7C3ED}" presName="Name0" presStyleCnt="0">
+        <dgm:presLayoutVars>
+          <dgm:chPref val="1"/>
+          <dgm:dir/>
+          <dgm:animOne val="branch"/>
+          <dgm:animLvl val="lvl"/>
+          <dgm:resizeHandles/>
+        </dgm:presLayoutVars>
+      </dgm:prSet>
+      <dgm:spPr/>
+    </dgm:pt>
+    <dgm:pt modelId="{41181D1B-2C56-44DE-B79A-7ADF3FD6011B}" type="pres">
+      <dgm:prSet presAssocID="{87551E00-F112-4588-9D34-5F331373A439}" presName="vertOne" presStyleCnt="0"/>
+      <dgm:spPr/>
+    </dgm:pt>
+    <dgm:pt modelId="{99A808D8-A71F-4233-A5CD-030C04833AE7}" type="pres">
+      <dgm:prSet presAssocID="{87551E00-F112-4588-9D34-5F331373A439}" presName="txOne" presStyleLbl="node0" presStyleIdx="0" presStyleCnt="1">
+        <dgm:presLayoutVars>
+          <dgm:chPref val="3"/>
+        </dgm:presLayoutVars>
+      </dgm:prSet>
+      <dgm:spPr/>
+      <dgm:t>
+        <a:bodyPr/>
+        <a:lstStyle/>
+        <a:p>
+          <a:endParaRPr lang="ru-RU"/>
+        </a:p>
+      </dgm:t>
+    </dgm:pt>
+    <dgm:pt modelId="{74E3EA6B-ECC3-4920-BAB3-5B88EE345B18}" type="pres">
+      <dgm:prSet presAssocID="{87551E00-F112-4588-9D34-5F331373A439}" presName="parTransOne" presStyleCnt="0"/>
+      <dgm:spPr/>
+    </dgm:pt>
+    <dgm:pt modelId="{70022281-FD9B-48E8-B47C-17183CB21A33}" type="pres">
+      <dgm:prSet presAssocID="{87551E00-F112-4588-9D34-5F331373A439}" presName="horzOne" presStyleCnt="0"/>
+      <dgm:spPr/>
+    </dgm:pt>
+    <dgm:pt modelId="{A4BCF158-D623-49DB-BA31-CFD31E9C361C}" type="pres">
+      <dgm:prSet presAssocID="{BF773FE7-E7A5-45F9-8E6C-62749678FEF5}" presName="vertTwo" presStyleCnt="0"/>
+      <dgm:spPr/>
+    </dgm:pt>
+    <dgm:pt modelId="{B75A30F1-34AB-4163-8644-87E1B8EBE650}" type="pres">
+      <dgm:prSet presAssocID="{BF773FE7-E7A5-45F9-8E6C-62749678FEF5}" presName="txTwo" presStyleLbl="node2" presStyleIdx="0" presStyleCnt="6" custScaleX="339147">
+        <dgm:presLayoutVars>
+          <dgm:chPref val="3"/>
+        </dgm:presLayoutVars>
+      </dgm:prSet>
+      <dgm:spPr/>
+    </dgm:pt>
+    <dgm:pt modelId="{0BAC6A71-E0B8-488F-890F-FE9D803728D6}" type="pres">
+      <dgm:prSet presAssocID="{BF773FE7-E7A5-45F9-8E6C-62749678FEF5}" presName="horzTwo" presStyleCnt="0"/>
+      <dgm:spPr/>
+    </dgm:pt>
+    <dgm:pt modelId="{2A4340B3-1A12-4788-90F6-C8CB5D77CFA3}" type="pres">
+      <dgm:prSet presAssocID="{4736C7A3-BD99-4BDD-AE73-D8B55AFF0F45}" presName="sibSpaceTwo" presStyleCnt="0"/>
+      <dgm:spPr/>
+    </dgm:pt>
+    <dgm:pt modelId="{712D3409-8635-4880-8516-70B2C949A537}" type="pres">
+      <dgm:prSet presAssocID="{275C754B-CBCD-49A7-9408-AF9511CCB245}" presName="vertTwo" presStyleCnt="0"/>
+      <dgm:spPr/>
+    </dgm:pt>
+    <dgm:pt modelId="{DB790EFB-7427-481F-B625-024D9E8D1877}" type="pres">
+      <dgm:prSet presAssocID="{275C754B-CBCD-49A7-9408-AF9511CCB245}" presName="txTwo" presStyleLbl="node2" presStyleIdx="1" presStyleCnt="6">
+        <dgm:presLayoutVars>
+          <dgm:chPref val="3"/>
+        </dgm:presLayoutVars>
+      </dgm:prSet>
+      <dgm:spPr/>
+    </dgm:pt>
+    <dgm:pt modelId="{5566BE28-0A8B-4261-B446-9C6751394B02}" type="pres">
+      <dgm:prSet presAssocID="{275C754B-CBCD-49A7-9408-AF9511CCB245}" presName="parTransTwo" presStyleCnt="0"/>
+      <dgm:spPr/>
+    </dgm:pt>
+    <dgm:pt modelId="{55089EEF-7EF4-483C-9604-59464FBF137B}" type="pres">
+      <dgm:prSet presAssocID="{275C754B-CBCD-49A7-9408-AF9511CCB245}" presName="horzTwo" presStyleCnt="0"/>
+      <dgm:spPr/>
+    </dgm:pt>
+    <dgm:pt modelId="{8A853B9D-EAE4-4B74-AB55-653847A4698F}" type="pres">
+      <dgm:prSet presAssocID="{CEC20BDE-8A25-4960-8793-E75A9C5A48C4}" presName="vertThree" presStyleCnt="0"/>
+      <dgm:spPr/>
+    </dgm:pt>
+    <dgm:pt modelId="{278D5E58-0AE7-4334-A9AE-161C2C48C553}" type="pres">
+      <dgm:prSet presAssocID="{CEC20BDE-8A25-4960-8793-E75A9C5A48C4}" presName="txThree" presStyleLbl="node3" presStyleIdx="0" presStyleCnt="12">
+        <dgm:presLayoutVars>
+          <dgm:chPref val="3"/>
+        </dgm:presLayoutVars>
+      </dgm:prSet>
+      <dgm:spPr/>
+      <dgm:t>
+        <a:bodyPr/>
+        <a:lstStyle/>
+        <a:p>
+          <a:endParaRPr lang="ru-RU"/>
+        </a:p>
+      </dgm:t>
+    </dgm:pt>
+    <dgm:pt modelId="{1382B54D-0705-4CBB-B7CA-286C89772C82}" type="pres">
+      <dgm:prSet presAssocID="{CEC20BDE-8A25-4960-8793-E75A9C5A48C4}" presName="horzThree" presStyleCnt="0"/>
+      <dgm:spPr/>
+    </dgm:pt>
+    <dgm:pt modelId="{C05DF432-537D-4358-A982-619076DAB036}" type="pres">
+      <dgm:prSet presAssocID="{186C9C07-60BD-4248-9CE3-D3C9B79AFBD9}" presName="sibSpaceThree" presStyleCnt="0"/>
+      <dgm:spPr/>
+    </dgm:pt>
+    <dgm:pt modelId="{273F358E-1FA8-4EAB-9A27-B400641E763A}" type="pres">
+      <dgm:prSet presAssocID="{4BAFC4BD-5C9A-4B18-B06B-D80F0279C4BC}" presName="vertThree" presStyleCnt="0"/>
+      <dgm:spPr/>
+    </dgm:pt>
+    <dgm:pt modelId="{0EF4B248-7CD2-4F22-A8DE-5F56A6220591}" type="pres">
+      <dgm:prSet presAssocID="{4BAFC4BD-5C9A-4B18-B06B-D80F0279C4BC}" presName="txThree" presStyleLbl="node3" presStyleIdx="1" presStyleCnt="12">
+        <dgm:presLayoutVars>
+          <dgm:chPref val="3"/>
+        </dgm:presLayoutVars>
+      </dgm:prSet>
+      <dgm:spPr/>
+      <dgm:t>
+        <a:bodyPr/>
+        <a:lstStyle/>
+        <a:p>
+          <a:endParaRPr lang="ru-RU"/>
+        </a:p>
+      </dgm:t>
+    </dgm:pt>
+    <dgm:pt modelId="{B8F8448A-220A-4606-8FDE-712FC440DDC8}" type="pres">
+      <dgm:prSet presAssocID="{4BAFC4BD-5C9A-4B18-B06B-D80F0279C4BC}" presName="horzThree" presStyleCnt="0"/>
+      <dgm:spPr/>
+    </dgm:pt>
+    <dgm:pt modelId="{98370A43-27A0-4969-822D-4A0302F769EA}" type="pres">
+      <dgm:prSet presAssocID="{6E92EF49-3162-431A-9400-53FC7FDC5914}" presName="sibSpaceThree" presStyleCnt="0"/>
+      <dgm:spPr/>
+    </dgm:pt>
+    <dgm:pt modelId="{8AC56835-9353-4862-9032-EA37B098E26F}" type="pres">
+      <dgm:prSet presAssocID="{8A2776A7-0170-4CCC-8804-8B4A0F7FFCA7}" presName="vertThree" presStyleCnt="0"/>
+      <dgm:spPr/>
+    </dgm:pt>
+    <dgm:pt modelId="{0369BADB-708A-4FBA-AFEE-5AD5C0DF51E7}" type="pres">
+      <dgm:prSet presAssocID="{8A2776A7-0170-4CCC-8804-8B4A0F7FFCA7}" presName="txThree" presStyleLbl="node3" presStyleIdx="2" presStyleCnt="12">
+        <dgm:presLayoutVars>
+          <dgm:chPref val="3"/>
+        </dgm:presLayoutVars>
+      </dgm:prSet>
+      <dgm:spPr/>
+      <dgm:t>
+        <a:bodyPr/>
+        <a:lstStyle/>
+        <a:p>
+          <a:endParaRPr lang="ru-RU"/>
+        </a:p>
+      </dgm:t>
+    </dgm:pt>
+    <dgm:pt modelId="{F6B6B284-0B74-444F-95A1-E532C09CD86E}" type="pres">
+      <dgm:prSet presAssocID="{8A2776A7-0170-4CCC-8804-8B4A0F7FFCA7}" presName="horzThree" presStyleCnt="0"/>
+      <dgm:spPr/>
+    </dgm:pt>
+    <dgm:pt modelId="{F1BF5967-87D0-49A9-AD58-85AC337D3E9E}" type="pres">
+      <dgm:prSet presAssocID="{4E6B33BB-075F-4431-8467-C0B7791B89FE}" presName="sibSpaceThree" presStyleCnt="0"/>
+      <dgm:spPr/>
+    </dgm:pt>
+    <dgm:pt modelId="{CD197069-1755-443D-8503-F224C970F35B}" type="pres">
+      <dgm:prSet presAssocID="{E6880B6E-FEEE-4428-9D06-C7A92BC4AC67}" presName="vertThree" presStyleCnt="0"/>
+      <dgm:spPr/>
+    </dgm:pt>
+    <dgm:pt modelId="{5BB26245-4ADF-4EA6-BB67-B96ABC874DD3}" type="pres">
+      <dgm:prSet presAssocID="{E6880B6E-FEEE-4428-9D06-C7A92BC4AC67}" presName="txThree" presStyleLbl="node3" presStyleIdx="3" presStyleCnt="12">
+        <dgm:presLayoutVars>
+          <dgm:chPref val="3"/>
+        </dgm:presLayoutVars>
+      </dgm:prSet>
+      <dgm:spPr/>
+      <dgm:t>
+        <a:bodyPr/>
+        <a:lstStyle/>
+        <a:p>
+          <a:endParaRPr lang="ru-RU"/>
+        </a:p>
+      </dgm:t>
+    </dgm:pt>
+    <dgm:pt modelId="{3DA2F0E3-8C4A-4BBA-8B78-63CD59E28CCE}" type="pres">
+      <dgm:prSet presAssocID="{E6880B6E-FEEE-4428-9D06-C7A92BC4AC67}" presName="horzThree" presStyleCnt="0"/>
+      <dgm:spPr/>
+    </dgm:pt>
+    <dgm:pt modelId="{D6D7F337-0FEE-4F49-BE1F-05A0D23E7DB6}" type="pres">
+      <dgm:prSet presAssocID="{CC81D1A0-3095-48B4-83C9-4434D3463A6E}" presName="sibSpaceThree" presStyleCnt="0"/>
+      <dgm:spPr/>
+    </dgm:pt>
+    <dgm:pt modelId="{F31EF95A-0984-4F02-B48B-C12FF13FA19C}" type="pres">
+      <dgm:prSet presAssocID="{6C4D8C71-B090-4692-BF5D-E1D96FAFA133}" presName="vertThree" presStyleCnt="0"/>
+      <dgm:spPr/>
+    </dgm:pt>
+    <dgm:pt modelId="{657CCB44-FE5F-4994-98B9-539847CE454E}" type="pres">
+      <dgm:prSet presAssocID="{6C4D8C71-B090-4692-BF5D-E1D96FAFA133}" presName="txThree" presStyleLbl="node3" presStyleIdx="4" presStyleCnt="12">
+        <dgm:presLayoutVars>
+          <dgm:chPref val="3"/>
+        </dgm:presLayoutVars>
+      </dgm:prSet>
+      <dgm:spPr/>
+      <dgm:t>
+        <a:bodyPr/>
+        <a:lstStyle/>
+        <a:p>
+          <a:endParaRPr lang="ru-RU"/>
+        </a:p>
+      </dgm:t>
+    </dgm:pt>
+    <dgm:pt modelId="{7FA0F2A0-CB2D-43AB-AF60-95EBA07CF53E}" type="pres">
+      <dgm:prSet presAssocID="{6C4D8C71-B090-4692-BF5D-E1D96FAFA133}" presName="horzThree" presStyleCnt="0"/>
+      <dgm:spPr/>
+    </dgm:pt>
+    <dgm:pt modelId="{50B98834-01E4-41F5-910E-90BDA50032DC}" type="pres">
+      <dgm:prSet presAssocID="{7BDA5322-116D-4739-8BE7-02B46D56CB20}" presName="sibSpaceThree" presStyleCnt="0"/>
+      <dgm:spPr/>
+    </dgm:pt>
+    <dgm:pt modelId="{D7C3E07C-2FD8-43C0-8F36-4C232170BB3F}" type="pres">
+      <dgm:prSet presAssocID="{67A7969D-0FA0-41F1-B917-6391DEA03A17}" presName="vertThree" presStyleCnt="0"/>
+      <dgm:spPr/>
+    </dgm:pt>
+    <dgm:pt modelId="{EC049FDC-941B-42BD-B0E0-A9DD8CB9D7C0}" type="pres">
+      <dgm:prSet presAssocID="{67A7969D-0FA0-41F1-B917-6391DEA03A17}" presName="txThree" presStyleLbl="node3" presStyleIdx="5" presStyleCnt="12">
+        <dgm:presLayoutVars>
+          <dgm:chPref val="3"/>
+        </dgm:presLayoutVars>
+      </dgm:prSet>
+      <dgm:spPr/>
+      <dgm:t>
+        <a:bodyPr/>
+        <a:lstStyle/>
+        <a:p>
+          <a:endParaRPr lang="ru-RU"/>
+        </a:p>
+      </dgm:t>
+    </dgm:pt>
+    <dgm:pt modelId="{0BEC3A2E-9E6D-4D1D-9397-AF61478DC905}" type="pres">
+      <dgm:prSet presAssocID="{67A7969D-0FA0-41F1-B917-6391DEA03A17}" presName="horzThree" presStyleCnt="0"/>
+      <dgm:spPr/>
+    </dgm:pt>
+    <dgm:pt modelId="{C2D23727-FDFD-4719-9BF3-E59DE7DEC6A1}" type="pres">
+      <dgm:prSet presAssocID="{FE01DFEA-4359-4373-BE72-4096645B3D15}" presName="sibSpaceTwo" presStyleCnt="0"/>
+      <dgm:spPr/>
+    </dgm:pt>
+    <dgm:pt modelId="{A0BD4A2B-830E-47C2-863C-8B6A0B2E9BDF}" type="pres">
+      <dgm:prSet presAssocID="{4541B1E3-4382-4655-95AE-E164B7B3CBC9}" presName="vertTwo" presStyleCnt="0"/>
+      <dgm:spPr/>
+    </dgm:pt>
+    <dgm:pt modelId="{55969C33-DF2B-45B0-BB17-B236CA6747AD}" type="pres">
+      <dgm:prSet presAssocID="{4541B1E3-4382-4655-95AE-E164B7B3CBC9}" presName="txTwo" presStyleLbl="node2" presStyleIdx="2" presStyleCnt="6" custScaleX="313888">
+        <dgm:presLayoutVars>
+          <dgm:chPref val="3"/>
+        </dgm:presLayoutVars>
+      </dgm:prSet>
+      <dgm:spPr/>
+    </dgm:pt>
+    <dgm:pt modelId="{1C306BE2-CD69-4F93-B4CE-DF77B7BC2BB2}" type="pres">
+      <dgm:prSet presAssocID="{4541B1E3-4382-4655-95AE-E164B7B3CBC9}" presName="horzTwo" presStyleCnt="0"/>
+      <dgm:spPr/>
+    </dgm:pt>
+    <dgm:pt modelId="{71F6970D-41CE-4F1A-9DDF-36BE17A17996}" type="pres">
+      <dgm:prSet presAssocID="{87337E50-6310-41D0-B283-3E012008279D}" presName="sibSpaceTwo" presStyleCnt="0"/>
+      <dgm:spPr/>
+    </dgm:pt>
+    <dgm:pt modelId="{F82CA260-58F4-49CC-9B36-926263C6B92C}" type="pres">
+      <dgm:prSet presAssocID="{06FE9DB2-851F-4E22-904D-E4B74A2A06C5}" presName="vertTwo" presStyleCnt="0"/>
+      <dgm:spPr/>
+    </dgm:pt>
+    <dgm:pt modelId="{9B60E18F-F86E-4506-9459-068008E814BC}" type="pres">
+      <dgm:prSet presAssocID="{06FE9DB2-851F-4E22-904D-E4B74A2A06C5}" presName="txTwo" presStyleLbl="node2" presStyleIdx="3" presStyleCnt="6" custScaleX="331453">
+        <dgm:presLayoutVars>
+          <dgm:chPref val="3"/>
+        </dgm:presLayoutVars>
+      </dgm:prSet>
+      <dgm:spPr/>
+    </dgm:pt>
+    <dgm:pt modelId="{77A3F2B9-E58B-49AF-98C7-76D0E84AF98F}" type="pres">
+      <dgm:prSet presAssocID="{06FE9DB2-851F-4E22-904D-E4B74A2A06C5}" presName="horzTwo" presStyleCnt="0"/>
+      <dgm:spPr/>
+    </dgm:pt>
+    <dgm:pt modelId="{396D8A5D-CFFF-4B42-9603-B0E1060AA2B8}" type="pres">
+      <dgm:prSet presAssocID="{D090B800-10C8-4C01-82A2-DD7E0E9293D4}" presName="sibSpaceTwo" presStyleCnt="0"/>
+      <dgm:spPr/>
+    </dgm:pt>
+    <dgm:pt modelId="{EB565EA9-AB5E-456B-987E-CE549F170F26}" type="pres">
+      <dgm:prSet presAssocID="{A3F0027C-C8AB-43A8-AE27-B356A0AACE3B}" presName="vertTwo" presStyleCnt="0"/>
+      <dgm:spPr/>
+    </dgm:pt>
+    <dgm:pt modelId="{542C1045-3F2B-44B0-AF3E-644027C904C4}" type="pres">
+      <dgm:prSet presAssocID="{A3F0027C-C8AB-43A8-AE27-B356A0AACE3B}" presName="txTwo" presStyleLbl="node2" presStyleIdx="4" presStyleCnt="6">
+        <dgm:presLayoutVars>
+          <dgm:chPref val="3"/>
+        </dgm:presLayoutVars>
+      </dgm:prSet>
+      <dgm:spPr/>
+      <dgm:t>
+        <a:bodyPr/>
+        <a:lstStyle/>
+        <a:p>
+          <a:endParaRPr lang="ru-RU"/>
+        </a:p>
+      </dgm:t>
+    </dgm:pt>
+    <dgm:pt modelId="{DE6B6582-D9E3-41B8-8A7F-F0B78CF091BB}" type="pres">
+      <dgm:prSet presAssocID="{A3F0027C-C8AB-43A8-AE27-B356A0AACE3B}" presName="parTransTwo" presStyleCnt="0"/>
+      <dgm:spPr/>
+    </dgm:pt>
+    <dgm:pt modelId="{2299AD1D-0C32-4704-8E10-0BBC8C5CA719}" type="pres">
+      <dgm:prSet presAssocID="{A3F0027C-C8AB-43A8-AE27-B356A0AACE3B}" presName="horzTwo" presStyleCnt="0"/>
+      <dgm:spPr/>
+    </dgm:pt>
+    <dgm:pt modelId="{AE0AA499-CDA7-425A-A078-1F163368EC29}" type="pres">
+      <dgm:prSet presAssocID="{7D63E883-5903-4A3A-9A75-0BB4EB7F0B55}" presName="vertThree" presStyleCnt="0"/>
+      <dgm:spPr/>
+    </dgm:pt>
+    <dgm:pt modelId="{72472CD8-0F33-4E33-BF87-72DE4B846920}" type="pres">
+      <dgm:prSet presAssocID="{7D63E883-5903-4A3A-9A75-0BB4EB7F0B55}" presName="txThree" presStyleLbl="node3" presStyleIdx="6" presStyleCnt="12">
+        <dgm:presLayoutVars>
+          <dgm:chPref val="3"/>
+        </dgm:presLayoutVars>
+      </dgm:prSet>
+      <dgm:spPr/>
+      <dgm:t>
+        <a:bodyPr/>
+        <a:lstStyle/>
+        <a:p>
+          <a:endParaRPr lang="ru-RU"/>
+        </a:p>
+      </dgm:t>
+    </dgm:pt>
+    <dgm:pt modelId="{08106BAB-F568-4FB3-86D6-EFE2076D8A96}" type="pres">
+      <dgm:prSet presAssocID="{7D63E883-5903-4A3A-9A75-0BB4EB7F0B55}" presName="horzThree" presStyleCnt="0"/>
+      <dgm:spPr/>
+    </dgm:pt>
+    <dgm:pt modelId="{0B49F6DD-B6D9-40FB-8133-9077052003B0}" type="pres">
+      <dgm:prSet presAssocID="{D92B6859-6A69-480D-8012-C93D19A962BD}" presName="sibSpaceThree" presStyleCnt="0"/>
+      <dgm:spPr/>
+    </dgm:pt>
+    <dgm:pt modelId="{B38AA884-5A25-4603-AFF6-F483239B3B5A}" type="pres">
+      <dgm:prSet presAssocID="{3ECD000B-850E-42A9-9E8C-764EF0A675CD}" presName="vertThree" presStyleCnt="0"/>
+      <dgm:spPr/>
+    </dgm:pt>
+    <dgm:pt modelId="{943C3CB3-9AD4-4BB9-9D47-C8E267BB4703}" type="pres">
+      <dgm:prSet presAssocID="{3ECD000B-850E-42A9-9E8C-764EF0A675CD}" presName="txThree" presStyleLbl="node3" presStyleIdx="7" presStyleCnt="12">
+        <dgm:presLayoutVars>
+          <dgm:chPref val="3"/>
+        </dgm:presLayoutVars>
+      </dgm:prSet>
+      <dgm:spPr/>
+      <dgm:t>
+        <a:bodyPr/>
+        <a:lstStyle/>
+        <a:p>
+          <a:endParaRPr lang="ru-RU"/>
+        </a:p>
+      </dgm:t>
+    </dgm:pt>
+    <dgm:pt modelId="{8418E596-8527-4E58-B7C9-662D1D9B3B99}" type="pres">
+      <dgm:prSet presAssocID="{3ECD000B-850E-42A9-9E8C-764EF0A675CD}" presName="horzThree" presStyleCnt="0"/>
+      <dgm:spPr/>
+    </dgm:pt>
+    <dgm:pt modelId="{1BA547B2-EA95-4572-A86A-7C8F95A39D99}" type="pres">
+      <dgm:prSet presAssocID="{38983F4D-2411-4BA1-8A84-C133AD6B06AA}" presName="sibSpaceTwo" presStyleCnt="0"/>
+      <dgm:spPr/>
+    </dgm:pt>
+    <dgm:pt modelId="{2E62DB58-7349-4D46-A2A9-BFAFE93D190F}" type="pres">
+      <dgm:prSet presAssocID="{DD6C028C-AA8C-4FC2-9811-EF7A81BFBB12}" presName="vertTwo" presStyleCnt="0"/>
+      <dgm:spPr/>
+    </dgm:pt>
+    <dgm:pt modelId="{92528642-5369-4C8A-9DBA-CA20405501DC}" type="pres">
+      <dgm:prSet presAssocID="{DD6C028C-AA8C-4FC2-9811-EF7A81BFBB12}" presName="txTwo" presStyleLbl="node2" presStyleIdx="5" presStyleCnt="6">
+        <dgm:presLayoutVars>
+          <dgm:chPref val="3"/>
+        </dgm:presLayoutVars>
+      </dgm:prSet>
+      <dgm:spPr/>
+      <dgm:t>
+        <a:bodyPr/>
+        <a:lstStyle/>
+        <a:p>
+          <a:endParaRPr lang="ru-RU"/>
+        </a:p>
+      </dgm:t>
+    </dgm:pt>
+    <dgm:pt modelId="{8F990682-70E8-4DD0-AA12-BFA8C167EAB1}" type="pres">
+      <dgm:prSet presAssocID="{DD6C028C-AA8C-4FC2-9811-EF7A81BFBB12}" presName="parTransTwo" presStyleCnt="0"/>
+      <dgm:spPr/>
+    </dgm:pt>
+    <dgm:pt modelId="{62150B2F-A653-4572-9AED-8EB256A8C325}" type="pres">
+      <dgm:prSet presAssocID="{DD6C028C-AA8C-4FC2-9811-EF7A81BFBB12}" presName="horzTwo" presStyleCnt="0"/>
+      <dgm:spPr/>
+    </dgm:pt>
+    <dgm:pt modelId="{97D0F7CD-EE9C-4FC4-B4E9-A2315AEF4119}" type="pres">
+      <dgm:prSet presAssocID="{FF413586-053F-4BDC-A7E7-4CBE847D7F82}" presName="vertThree" presStyleCnt="0"/>
+      <dgm:spPr/>
+    </dgm:pt>
+    <dgm:pt modelId="{7D0CDDB4-E6BC-4965-BBD6-F61438D6B531}" type="pres">
+      <dgm:prSet presAssocID="{FF413586-053F-4BDC-A7E7-4CBE847D7F82}" presName="txThree" presStyleLbl="node3" presStyleIdx="8" presStyleCnt="12">
+        <dgm:presLayoutVars>
+          <dgm:chPref val="3"/>
+        </dgm:presLayoutVars>
+      </dgm:prSet>
+      <dgm:spPr/>
+      <dgm:t>
+        <a:bodyPr/>
+        <a:lstStyle/>
+        <a:p>
+          <a:endParaRPr lang="ru-RU"/>
+        </a:p>
+      </dgm:t>
+    </dgm:pt>
+    <dgm:pt modelId="{BECB0583-FF61-436C-AEB9-1A6546DDC978}" type="pres">
+      <dgm:prSet presAssocID="{FF413586-053F-4BDC-A7E7-4CBE847D7F82}" presName="horzThree" presStyleCnt="0"/>
+      <dgm:spPr/>
+    </dgm:pt>
+    <dgm:pt modelId="{ED128B4D-BBD9-454E-8449-90375D6526BD}" type="pres">
+      <dgm:prSet presAssocID="{B281A4F2-4E98-4B08-AA11-C131DB3C7CEB}" presName="sibSpaceThree" presStyleCnt="0"/>
+      <dgm:spPr/>
+    </dgm:pt>
+    <dgm:pt modelId="{005A03B1-2603-4CCB-ABEF-09FF27F3AC77}" type="pres">
+      <dgm:prSet presAssocID="{3249F462-FAC4-4B8A-8745-DDC5EC0F1625}" presName="vertThree" presStyleCnt="0"/>
+      <dgm:spPr/>
+    </dgm:pt>
+    <dgm:pt modelId="{9DC30703-A463-4762-8ECA-47271E92F468}" type="pres">
+      <dgm:prSet presAssocID="{3249F462-FAC4-4B8A-8745-DDC5EC0F1625}" presName="txThree" presStyleLbl="node3" presStyleIdx="9" presStyleCnt="12">
+        <dgm:presLayoutVars>
+          <dgm:chPref val="3"/>
+        </dgm:presLayoutVars>
+      </dgm:prSet>
+      <dgm:spPr/>
+      <dgm:t>
+        <a:bodyPr/>
+        <a:lstStyle/>
+        <a:p>
+          <a:endParaRPr lang="ru-RU"/>
+        </a:p>
+      </dgm:t>
+    </dgm:pt>
+    <dgm:pt modelId="{7C9DC88A-E843-4E9B-B9EB-F12F0B0D1CCB}" type="pres">
+      <dgm:prSet presAssocID="{3249F462-FAC4-4B8A-8745-DDC5EC0F1625}" presName="horzThree" presStyleCnt="0"/>
+      <dgm:spPr/>
+    </dgm:pt>
+    <dgm:pt modelId="{272A8147-1BA4-4880-A6A7-C7838F377B6E}" type="pres">
+      <dgm:prSet presAssocID="{1AFF316E-540E-46D4-BE1E-B2F2C50F2CA2}" presName="sibSpaceThree" presStyleCnt="0"/>
+      <dgm:spPr/>
+    </dgm:pt>
+    <dgm:pt modelId="{39B13953-16E8-4386-896C-6D575D90C091}" type="pres">
+      <dgm:prSet presAssocID="{FCDEAF75-CBB8-4690-8458-86897F5DE613}" presName="vertThree" presStyleCnt="0"/>
+      <dgm:spPr/>
+    </dgm:pt>
+    <dgm:pt modelId="{7DE7E6BE-3F51-40C8-9CEE-DA3FE12317FE}" type="pres">
+      <dgm:prSet presAssocID="{FCDEAF75-CBB8-4690-8458-86897F5DE613}" presName="txThree" presStyleLbl="node3" presStyleIdx="10" presStyleCnt="12">
+        <dgm:presLayoutVars>
+          <dgm:chPref val="3"/>
+        </dgm:presLayoutVars>
+      </dgm:prSet>
+      <dgm:spPr/>
+      <dgm:t>
+        <a:bodyPr/>
+        <a:lstStyle/>
+        <a:p>
+          <a:endParaRPr lang="ru-RU"/>
+        </a:p>
+      </dgm:t>
+    </dgm:pt>
+    <dgm:pt modelId="{9C0FD02C-2532-466C-9A74-852E31301C5A}" type="pres">
+      <dgm:prSet presAssocID="{FCDEAF75-CBB8-4690-8458-86897F5DE613}" presName="horzThree" presStyleCnt="0"/>
+      <dgm:spPr/>
+    </dgm:pt>
+    <dgm:pt modelId="{34AC7844-9858-490C-9110-BFB625F5774E}" type="pres">
+      <dgm:prSet presAssocID="{52878C90-4354-437E-8AD8-FD119B927C93}" presName="sibSpaceThree" presStyleCnt="0"/>
+      <dgm:spPr/>
+    </dgm:pt>
+    <dgm:pt modelId="{CA724E83-4B67-4FAE-9DAA-4729E9409F29}" type="pres">
+      <dgm:prSet presAssocID="{E3C18B8D-8832-41A7-A355-A4C70C974BFB}" presName="vertThree" presStyleCnt="0"/>
+      <dgm:spPr/>
+    </dgm:pt>
+    <dgm:pt modelId="{33BE21C3-5489-45CA-8330-D1F9D9C1E1BE}" type="pres">
+      <dgm:prSet presAssocID="{E3C18B8D-8832-41A7-A355-A4C70C974BFB}" presName="txThree" presStyleLbl="node3" presStyleIdx="11" presStyleCnt="12">
+        <dgm:presLayoutVars>
+          <dgm:chPref val="3"/>
+        </dgm:presLayoutVars>
+      </dgm:prSet>
+      <dgm:spPr/>
+      <dgm:t>
+        <a:bodyPr/>
+        <a:lstStyle/>
+        <a:p>
+          <a:endParaRPr lang="ru-RU"/>
+        </a:p>
+      </dgm:t>
+    </dgm:pt>
+    <dgm:pt modelId="{F50B4B25-E39A-414B-8045-A13194C3F852}" type="pres">
+      <dgm:prSet presAssocID="{E3C18B8D-8832-41A7-A355-A4C70C974BFB}" presName="horzThree" presStyleCnt="0"/>
+      <dgm:spPr/>
+    </dgm:pt>
+  </dgm:ptLst>
+  <dgm:cxnLst>
+    <dgm:cxn modelId="{DD3568F7-898D-4765-811A-9C94875A6201}" srcId="{337CDB9D-C5FE-4269-96F1-4F62A0A7C3ED}" destId="{87551E00-F112-4588-9D34-5F331373A439}" srcOrd="0" destOrd="0" parTransId="{B40A3014-DEB8-4651-8366-07BDB1C4ADCD}" sibTransId="{E4130B95-1154-43E2-962D-257B6F50A03E}"/>
+    <dgm:cxn modelId="{0093BF26-4217-4CFF-984E-C1F597550E99}" srcId="{87551E00-F112-4588-9D34-5F331373A439}" destId="{BF773FE7-E7A5-45F9-8E6C-62749678FEF5}" srcOrd="0" destOrd="0" parTransId="{583FC5FD-98C7-4EF0-91FD-5011A724CEC8}" sibTransId="{4736C7A3-BD99-4BDD-AE73-D8B55AFF0F45}"/>
+    <dgm:cxn modelId="{607C85D0-7C10-4B7B-91C1-C128C6FF96BC}" srcId="{A3F0027C-C8AB-43A8-AE27-B356A0AACE3B}" destId="{3ECD000B-850E-42A9-9E8C-764EF0A675CD}" srcOrd="1" destOrd="0" parTransId="{FD7DEEA2-0228-44C7-99C3-470CFA9C6961}" sibTransId="{27D51C9C-5AD1-4CEF-8C08-239694AE339D}"/>
+    <dgm:cxn modelId="{961F0CFA-9882-405B-B0DC-7E796DF95E79}" srcId="{DD6C028C-AA8C-4FC2-9811-EF7A81BFBB12}" destId="{FCDEAF75-CBB8-4690-8458-86897F5DE613}" srcOrd="2" destOrd="0" parTransId="{0C51D115-B0A7-4B70-AF72-03A7B38B6444}" sibTransId="{52878C90-4354-437E-8AD8-FD119B927C93}"/>
+    <dgm:cxn modelId="{297FE9C7-EA6D-4F4D-B5E3-B8ACF7734FE4}" srcId="{87551E00-F112-4588-9D34-5F331373A439}" destId="{DD6C028C-AA8C-4FC2-9811-EF7A81BFBB12}" srcOrd="5" destOrd="0" parTransId="{9A0EA56D-6C60-41DD-8CEA-9B78C82EE53A}" sibTransId="{1F37C403-C9F8-4340-B4C3-BDC52718D24A}"/>
+    <dgm:cxn modelId="{D93458CF-0953-4B6C-943B-244C7C3DE414}" type="presOf" srcId="{E3C18B8D-8832-41A7-A355-A4C70C974BFB}" destId="{33BE21C3-5489-45CA-8330-D1F9D9C1E1BE}" srcOrd="0" destOrd="0" presId="urn:microsoft.com/office/officeart/2005/8/layout/hierarchy4"/>
+    <dgm:cxn modelId="{C8B72A2A-D998-495B-93DF-910177FD8563}" srcId="{275C754B-CBCD-49A7-9408-AF9511CCB245}" destId="{E6880B6E-FEEE-4428-9D06-C7A92BC4AC67}" srcOrd="3" destOrd="0" parTransId="{E79B1EE6-EBA9-454D-B25A-95F00B9D67CF}" sibTransId="{CC81D1A0-3095-48B4-83C9-4434D3463A6E}"/>
+    <dgm:cxn modelId="{72FC01E7-2475-4D3D-B901-7CF58951B7B1}" type="presOf" srcId="{8A2776A7-0170-4CCC-8804-8B4A0F7FFCA7}" destId="{0369BADB-708A-4FBA-AFEE-5AD5C0DF51E7}" srcOrd="0" destOrd="0" presId="urn:microsoft.com/office/officeart/2005/8/layout/hierarchy4"/>
+    <dgm:cxn modelId="{CCF0D5A8-A3D9-4B3E-AA6F-C40CC0CBE806}" type="presOf" srcId="{A3F0027C-C8AB-43A8-AE27-B356A0AACE3B}" destId="{542C1045-3F2B-44B0-AF3E-644027C904C4}" srcOrd="0" destOrd="0" presId="urn:microsoft.com/office/officeart/2005/8/layout/hierarchy4"/>
+    <dgm:cxn modelId="{AB1F334A-0C45-4AC1-AB23-4A513E041A14}" type="presOf" srcId="{3249F462-FAC4-4B8A-8745-DDC5EC0F1625}" destId="{9DC30703-A463-4762-8ECA-47271E92F468}" srcOrd="0" destOrd="0" presId="urn:microsoft.com/office/officeart/2005/8/layout/hierarchy4"/>
+    <dgm:cxn modelId="{63C312DB-40D2-4A0B-8B96-5F23525AC231}" type="presOf" srcId="{FF413586-053F-4BDC-A7E7-4CBE847D7F82}" destId="{7D0CDDB4-E6BC-4965-BBD6-F61438D6B531}" srcOrd="0" destOrd="0" presId="urn:microsoft.com/office/officeart/2005/8/layout/hierarchy4"/>
+    <dgm:cxn modelId="{CD840F9F-C66E-4507-9499-37DF1B26CF91}" srcId="{A3F0027C-C8AB-43A8-AE27-B356A0AACE3B}" destId="{7D63E883-5903-4A3A-9A75-0BB4EB7F0B55}" srcOrd="0" destOrd="0" parTransId="{614432D6-AD86-40EF-890D-CCD24597DED8}" sibTransId="{D92B6859-6A69-480D-8012-C93D19A962BD}"/>
+    <dgm:cxn modelId="{F87096FD-C359-449C-AE54-3EE4C8EE2AB0}" srcId="{87551E00-F112-4588-9D34-5F331373A439}" destId="{4541B1E3-4382-4655-95AE-E164B7B3CBC9}" srcOrd="2" destOrd="0" parTransId="{65AAC6AE-529A-4AF4-90C0-EEE710CEC78F}" sibTransId="{87337E50-6310-41D0-B283-3E012008279D}"/>
+    <dgm:cxn modelId="{79E629EA-8527-47DB-B53C-E4061F71AD56}" srcId="{275C754B-CBCD-49A7-9408-AF9511CCB245}" destId="{4BAFC4BD-5C9A-4B18-B06B-D80F0279C4BC}" srcOrd="1" destOrd="0" parTransId="{28B88AA4-F583-4CD8-8151-324D62FAB9CE}" sibTransId="{6E92EF49-3162-431A-9400-53FC7FDC5914}"/>
+    <dgm:cxn modelId="{0B13FD8B-B7C0-4047-8078-512EE6CC5D19}" type="presOf" srcId="{4BAFC4BD-5C9A-4B18-B06B-D80F0279C4BC}" destId="{0EF4B248-7CD2-4F22-A8DE-5F56A6220591}" srcOrd="0" destOrd="0" presId="urn:microsoft.com/office/officeart/2005/8/layout/hierarchy4"/>
+    <dgm:cxn modelId="{C1695EC4-E871-4C44-A9F8-F5599EA79767}" type="presOf" srcId="{06FE9DB2-851F-4E22-904D-E4B74A2A06C5}" destId="{9B60E18F-F86E-4506-9459-068008E814BC}" srcOrd="0" destOrd="0" presId="urn:microsoft.com/office/officeart/2005/8/layout/hierarchy4"/>
+    <dgm:cxn modelId="{347CAE4E-4799-4562-87C1-2580456A297E}" srcId="{275C754B-CBCD-49A7-9408-AF9511CCB245}" destId="{67A7969D-0FA0-41F1-B917-6391DEA03A17}" srcOrd="5" destOrd="0" parTransId="{CACB580F-AA37-469D-966C-FBCF1071774A}" sibTransId="{3F96CF95-A6DC-4837-B58F-0CC06714BB18}"/>
+    <dgm:cxn modelId="{BBC7CEEF-C43F-4B44-987C-0828711B4169}" type="presOf" srcId="{67A7969D-0FA0-41F1-B917-6391DEA03A17}" destId="{EC049FDC-941B-42BD-B0E0-A9DD8CB9D7C0}" srcOrd="0" destOrd="0" presId="urn:microsoft.com/office/officeart/2005/8/layout/hierarchy4"/>
+    <dgm:cxn modelId="{A7A3F3AF-CCEE-44C0-9DD1-563D80873381}" type="presOf" srcId="{87551E00-F112-4588-9D34-5F331373A439}" destId="{99A808D8-A71F-4233-A5CD-030C04833AE7}" srcOrd="0" destOrd="0" presId="urn:microsoft.com/office/officeart/2005/8/layout/hierarchy4"/>
+    <dgm:cxn modelId="{DDBD328D-16B5-4E2D-A88E-A85A1536F681}" srcId="{DD6C028C-AA8C-4FC2-9811-EF7A81BFBB12}" destId="{FF413586-053F-4BDC-A7E7-4CBE847D7F82}" srcOrd="0" destOrd="0" parTransId="{C181FFB6-6461-4C0B-83EF-7048C7367E0F}" sibTransId="{B281A4F2-4E98-4B08-AA11-C131DB3C7CEB}"/>
+    <dgm:cxn modelId="{1105F83E-FE55-47A5-9C99-C4122F839B65}" srcId="{87551E00-F112-4588-9D34-5F331373A439}" destId="{275C754B-CBCD-49A7-9408-AF9511CCB245}" srcOrd="1" destOrd="0" parTransId="{4D26F4E9-8DDA-42EC-902E-4533257622DC}" sibTransId="{FE01DFEA-4359-4373-BE72-4096645B3D15}"/>
+    <dgm:cxn modelId="{E6FED06A-16A4-4E9C-9C06-7B7095B998B2}" type="presOf" srcId="{7D63E883-5903-4A3A-9A75-0BB4EB7F0B55}" destId="{72472CD8-0F33-4E33-BF87-72DE4B846920}" srcOrd="0" destOrd="0" presId="urn:microsoft.com/office/officeart/2005/8/layout/hierarchy4"/>
+    <dgm:cxn modelId="{36E1A60A-BF1B-49B5-AB91-A71B3FAAA8D8}" srcId="{275C754B-CBCD-49A7-9408-AF9511CCB245}" destId="{8A2776A7-0170-4CCC-8804-8B4A0F7FFCA7}" srcOrd="2" destOrd="0" parTransId="{8964C6E2-C0BE-4C01-BC17-D5A7DAE111B6}" sibTransId="{4E6B33BB-075F-4431-8467-C0B7791B89FE}"/>
+    <dgm:cxn modelId="{B9579F59-3E53-4811-9B62-3BF9AF3ABF55}" srcId="{275C754B-CBCD-49A7-9408-AF9511CCB245}" destId="{CEC20BDE-8A25-4960-8793-E75A9C5A48C4}" srcOrd="0" destOrd="0" parTransId="{8695113A-03DF-46C8-8AD4-EA1E82EFA97E}" sibTransId="{186C9C07-60BD-4248-9CE3-D3C9B79AFBD9}"/>
+    <dgm:cxn modelId="{2FB3CC01-1DDE-42F1-AEE4-B15973274B9B}" type="presOf" srcId="{DD6C028C-AA8C-4FC2-9811-EF7A81BFBB12}" destId="{92528642-5369-4C8A-9DBA-CA20405501DC}" srcOrd="0" destOrd="0" presId="urn:microsoft.com/office/officeart/2005/8/layout/hierarchy4"/>
+    <dgm:cxn modelId="{2A3EEB94-B283-440F-AAD4-FD29F4B0C46A}" srcId="{DD6C028C-AA8C-4FC2-9811-EF7A81BFBB12}" destId="{3249F462-FAC4-4B8A-8745-DDC5EC0F1625}" srcOrd="1" destOrd="0" parTransId="{1EB0678E-A9BB-41F0-90F4-A013DC5D727D}" sibTransId="{1AFF316E-540E-46D4-BE1E-B2F2C50F2CA2}"/>
+    <dgm:cxn modelId="{2986317A-FE0A-4400-9690-00F37BBC0992}" type="presOf" srcId="{3ECD000B-850E-42A9-9E8C-764EF0A675CD}" destId="{943C3CB3-9AD4-4BB9-9D47-C8E267BB4703}" srcOrd="0" destOrd="0" presId="urn:microsoft.com/office/officeart/2005/8/layout/hierarchy4"/>
+    <dgm:cxn modelId="{05A53D13-5D52-4D94-BCC4-721A2A2A5D39}" type="presOf" srcId="{275C754B-CBCD-49A7-9408-AF9511CCB245}" destId="{DB790EFB-7427-481F-B625-024D9E8D1877}" srcOrd="0" destOrd="0" presId="urn:microsoft.com/office/officeart/2005/8/layout/hierarchy4"/>
+    <dgm:cxn modelId="{E11FC82B-730B-472C-8854-FDC9C36F0283}" srcId="{275C754B-CBCD-49A7-9408-AF9511CCB245}" destId="{6C4D8C71-B090-4692-BF5D-E1D96FAFA133}" srcOrd="4" destOrd="0" parTransId="{A7926735-A23F-4CDD-9093-9B48A85F654B}" sibTransId="{7BDA5322-116D-4739-8BE7-02B46D56CB20}"/>
+    <dgm:cxn modelId="{A82516BF-28EE-4039-9595-447D6454A720}" type="presOf" srcId="{E6880B6E-FEEE-4428-9D06-C7A92BC4AC67}" destId="{5BB26245-4ADF-4EA6-BB67-B96ABC874DD3}" srcOrd="0" destOrd="0" presId="urn:microsoft.com/office/officeart/2005/8/layout/hierarchy4"/>
+    <dgm:cxn modelId="{7BFD70DA-4BE3-4522-870F-92ED71D63745}" type="presOf" srcId="{CEC20BDE-8A25-4960-8793-E75A9C5A48C4}" destId="{278D5E58-0AE7-4334-A9AE-161C2C48C553}" srcOrd="0" destOrd="0" presId="urn:microsoft.com/office/officeart/2005/8/layout/hierarchy4"/>
+    <dgm:cxn modelId="{5F9F10DC-1950-4D8B-9200-539C9F26F8E3}" type="presOf" srcId="{BF773FE7-E7A5-45F9-8E6C-62749678FEF5}" destId="{B75A30F1-34AB-4163-8644-87E1B8EBE650}" srcOrd="0" destOrd="0" presId="urn:microsoft.com/office/officeart/2005/8/layout/hierarchy4"/>
+    <dgm:cxn modelId="{F661845D-6D28-4D38-8B0C-FECDEAE9BF7B}" srcId="{87551E00-F112-4588-9D34-5F331373A439}" destId="{A3F0027C-C8AB-43A8-AE27-B356A0AACE3B}" srcOrd="4" destOrd="0" parTransId="{5CCF4487-A65D-41BA-9EE2-CCA027580EC0}" sibTransId="{38983F4D-2411-4BA1-8A84-C133AD6B06AA}"/>
+    <dgm:cxn modelId="{CB5B6F1D-1E5B-4017-8AB3-D4515A1EFE7C}" type="presOf" srcId="{6C4D8C71-B090-4692-BF5D-E1D96FAFA133}" destId="{657CCB44-FE5F-4994-98B9-539847CE454E}" srcOrd="0" destOrd="0" presId="urn:microsoft.com/office/officeart/2005/8/layout/hierarchy4"/>
+    <dgm:cxn modelId="{3CD42F9A-6995-4509-9C67-828741DBAEAF}" type="presOf" srcId="{337CDB9D-C5FE-4269-96F1-4F62A0A7C3ED}" destId="{B0880AC5-B3C5-40FB-A8C2-6FEAE5C4B151}" srcOrd="0" destOrd="0" presId="urn:microsoft.com/office/officeart/2005/8/layout/hierarchy4"/>
+    <dgm:cxn modelId="{CFF1A2BB-79BA-48AD-B220-E6200C3D60C1}" srcId="{87551E00-F112-4588-9D34-5F331373A439}" destId="{06FE9DB2-851F-4E22-904D-E4B74A2A06C5}" srcOrd="3" destOrd="0" parTransId="{A4B9AA2A-91C6-4A6D-B816-7EF1AC753F5A}" sibTransId="{D090B800-10C8-4C01-82A2-DD7E0E9293D4}"/>
+    <dgm:cxn modelId="{4764EBE2-E77A-4989-BA13-481A4DD68D52}" type="presOf" srcId="{FCDEAF75-CBB8-4690-8458-86897F5DE613}" destId="{7DE7E6BE-3F51-40C8-9CEE-DA3FE12317FE}" srcOrd="0" destOrd="0" presId="urn:microsoft.com/office/officeart/2005/8/layout/hierarchy4"/>
+    <dgm:cxn modelId="{C89E7082-27F8-414F-AE64-DFAF98AD1F11}" type="presOf" srcId="{4541B1E3-4382-4655-95AE-E164B7B3CBC9}" destId="{55969C33-DF2B-45B0-BB17-B236CA6747AD}" srcOrd="0" destOrd="0" presId="urn:microsoft.com/office/officeart/2005/8/layout/hierarchy4"/>
+    <dgm:cxn modelId="{23C3FEA8-F1B7-466D-BB31-66F59E3FAEB3}" srcId="{DD6C028C-AA8C-4FC2-9811-EF7A81BFBB12}" destId="{E3C18B8D-8832-41A7-A355-A4C70C974BFB}" srcOrd="3" destOrd="0" parTransId="{CC730738-0F70-4E74-8E02-4180DA22CACC}" sibTransId="{C5C375BB-0A0B-4A30-98B0-6A600996537C}"/>
+    <dgm:cxn modelId="{7074A960-A875-4DCF-B5EC-A700C308F28E}" type="presParOf" srcId="{B0880AC5-B3C5-40FB-A8C2-6FEAE5C4B151}" destId="{41181D1B-2C56-44DE-B79A-7ADF3FD6011B}" srcOrd="0" destOrd="0" presId="urn:microsoft.com/office/officeart/2005/8/layout/hierarchy4"/>
+    <dgm:cxn modelId="{E19DA195-8931-4918-AFA4-EDC447D5BC60}" type="presParOf" srcId="{41181D1B-2C56-44DE-B79A-7ADF3FD6011B}" destId="{99A808D8-A71F-4233-A5CD-030C04833AE7}" srcOrd="0" destOrd="0" presId="urn:microsoft.com/office/officeart/2005/8/layout/hierarchy4"/>
+    <dgm:cxn modelId="{6B3AB181-8253-455D-AF7E-F998C5B150B7}" type="presParOf" srcId="{41181D1B-2C56-44DE-B79A-7ADF3FD6011B}" destId="{74E3EA6B-ECC3-4920-BAB3-5B88EE345B18}" srcOrd="1" destOrd="0" presId="urn:microsoft.com/office/officeart/2005/8/layout/hierarchy4"/>
+    <dgm:cxn modelId="{93A8955F-F24C-4AFD-8FC9-24E38E6E7023}" type="presParOf" srcId="{41181D1B-2C56-44DE-B79A-7ADF3FD6011B}" destId="{70022281-FD9B-48E8-B47C-17183CB21A33}" srcOrd="2" destOrd="0" presId="urn:microsoft.com/office/officeart/2005/8/layout/hierarchy4"/>
+    <dgm:cxn modelId="{ABE34035-040F-4E9E-89F0-C469F90D9366}" type="presParOf" srcId="{70022281-FD9B-48E8-B47C-17183CB21A33}" destId="{A4BCF158-D623-49DB-BA31-CFD31E9C361C}" srcOrd="0" destOrd="0" presId="urn:microsoft.com/office/officeart/2005/8/layout/hierarchy4"/>
+    <dgm:cxn modelId="{6B89B890-E7C4-4D31-9EA1-2220862E2E32}" type="presParOf" srcId="{A4BCF158-D623-49DB-BA31-CFD31E9C361C}" destId="{B75A30F1-34AB-4163-8644-87E1B8EBE650}" srcOrd="0" destOrd="0" presId="urn:microsoft.com/office/officeart/2005/8/layout/hierarchy4"/>
+    <dgm:cxn modelId="{2CE95766-2B30-4B4F-9D2F-A6AAD9945BDB}" type="presParOf" srcId="{A4BCF158-D623-49DB-BA31-CFD31E9C361C}" destId="{0BAC6A71-E0B8-488F-890F-FE9D803728D6}" srcOrd="1" destOrd="0" presId="urn:microsoft.com/office/officeart/2005/8/layout/hierarchy4"/>
+    <dgm:cxn modelId="{E967223C-26E9-4138-9741-66B121558CAF}" type="presParOf" srcId="{70022281-FD9B-48E8-B47C-17183CB21A33}" destId="{2A4340B3-1A12-4788-90F6-C8CB5D77CFA3}" srcOrd="1" destOrd="0" presId="urn:microsoft.com/office/officeart/2005/8/layout/hierarchy4"/>
+    <dgm:cxn modelId="{EBFE5078-5C73-48EF-A171-D575DB39646B}" type="presParOf" srcId="{70022281-FD9B-48E8-B47C-17183CB21A33}" destId="{712D3409-8635-4880-8516-70B2C949A537}" srcOrd="2" destOrd="0" presId="urn:microsoft.com/office/officeart/2005/8/layout/hierarchy4"/>
+    <dgm:cxn modelId="{D6CB7B18-3793-483A-ABC1-3B5E8AB48440}" type="presParOf" srcId="{712D3409-8635-4880-8516-70B2C949A537}" destId="{DB790EFB-7427-481F-B625-024D9E8D1877}" srcOrd="0" destOrd="0" presId="urn:microsoft.com/office/officeart/2005/8/layout/hierarchy4"/>
+    <dgm:cxn modelId="{89EFD8AE-EA2F-466F-A4A7-C8C777AB7116}" type="presParOf" srcId="{712D3409-8635-4880-8516-70B2C949A537}" destId="{5566BE28-0A8B-4261-B446-9C6751394B02}" srcOrd="1" destOrd="0" presId="urn:microsoft.com/office/officeart/2005/8/layout/hierarchy4"/>
+    <dgm:cxn modelId="{C184B408-B131-42D6-A0DA-F48EFE3A3E96}" type="presParOf" srcId="{712D3409-8635-4880-8516-70B2C949A537}" destId="{55089EEF-7EF4-483C-9604-59464FBF137B}" srcOrd="2" destOrd="0" presId="urn:microsoft.com/office/officeart/2005/8/layout/hierarchy4"/>
+    <dgm:cxn modelId="{933EE656-9445-425C-92CA-EF1CA55E0739}" type="presParOf" srcId="{55089EEF-7EF4-483C-9604-59464FBF137B}" destId="{8A853B9D-EAE4-4B74-AB55-653847A4698F}" srcOrd="0" destOrd="0" presId="urn:microsoft.com/office/officeart/2005/8/layout/hierarchy4"/>
+    <dgm:cxn modelId="{BC2FF5E2-EBDD-4284-B98B-321FD51A9A1C}" type="presParOf" srcId="{8A853B9D-EAE4-4B74-AB55-653847A4698F}" destId="{278D5E58-0AE7-4334-A9AE-161C2C48C553}" srcOrd="0" destOrd="0" presId="urn:microsoft.com/office/officeart/2005/8/layout/hierarchy4"/>
+    <dgm:cxn modelId="{946E34AC-E6DD-4620-9F5A-76B40E1F31AD}" type="presParOf" srcId="{8A853B9D-EAE4-4B74-AB55-653847A4698F}" destId="{1382B54D-0705-4CBB-B7CA-286C89772C82}" srcOrd="1" destOrd="0" presId="urn:microsoft.com/office/officeart/2005/8/layout/hierarchy4"/>
+    <dgm:cxn modelId="{A15C83EA-123E-4D9A-ACD9-A5B6A2DE74E3}" type="presParOf" srcId="{55089EEF-7EF4-483C-9604-59464FBF137B}" destId="{C05DF432-537D-4358-A982-619076DAB036}" srcOrd="1" destOrd="0" presId="urn:microsoft.com/office/officeart/2005/8/layout/hierarchy4"/>
+    <dgm:cxn modelId="{AB1F5AA4-1B2A-4B24-8A9D-11321D45FB9E}" type="presParOf" srcId="{55089EEF-7EF4-483C-9604-59464FBF137B}" destId="{273F358E-1FA8-4EAB-9A27-B400641E763A}" srcOrd="2" destOrd="0" presId="urn:microsoft.com/office/officeart/2005/8/layout/hierarchy4"/>
+    <dgm:cxn modelId="{4AAF51E7-D49D-4BE8-BD55-BF73A456C96A}" type="presParOf" srcId="{273F358E-1FA8-4EAB-9A27-B400641E763A}" destId="{0EF4B248-7CD2-4F22-A8DE-5F56A6220591}" srcOrd="0" destOrd="0" presId="urn:microsoft.com/office/officeart/2005/8/layout/hierarchy4"/>
+    <dgm:cxn modelId="{70268016-58A7-4383-AAC4-BCB3EE78B3E9}" type="presParOf" srcId="{273F358E-1FA8-4EAB-9A27-B400641E763A}" destId="{B8F8448A-220A-4606-8FDE-712FC440DDC8}" srcOrd="1" destOrd="0" presId="urn:microsoft.com/office/officeart/2005/8/layout/hierarchy4"/>
+    <dgm:cxn modelId="{DF44629F-018A-43EB-A086-2152308F15E5}" type="presParOf" srcId="{55089EEF-7EF4-483C-9604-59464FBF137B}" destId="{98370A43-27A0-4969-822D-4A0302F769EA}" srcOrd="3" destOrd="0" presId="urn:microsoft.com/office/officeart/2005/8/layout/hierarchy4"/>
+    <dgm:cxn modelId="{21359005-1B8D-4FD5-95A8-5F6B8FD97BDD}" type="presParOf" srcId="{55089EEF-7EF4-483C-9604-59464FBF137B}" destId="{8AC56835-9353-4862-9032-EA37B098E26F}" srcOrd="4" destOrd="0" presId="urn:microsoft.com/office/officeart/2005/8/layout/hierarchy4"/>
+    <dgm:cxn modelId="{3D2620A5-A75F-4C13-BBC7-F28B6888CEF1}" type="presParOf" srcId="{8AC56835-9353-4862-9032-EA37B098E26F}" destId="{0369BADB-708A-4FBA-AFEE-5AD5C0DF51E7}" srcOrd="0" destOrd="0" presId="urn:microsoft.com/office/officeart/2005/8/layout/hierarchy4"/>
+    <dgm:cxn modelId="{1DCD445B-FC01-4AB5-95E0-0C9A74F6CB01}" type="presParOf" srcId="{8AC56835-9353-4862-9032-EA37B098E26F}" destId="{F6B6B284-0B74-444F-95A1-E532C09CD86E}" srcOrd="1" destOrd="0" presId="urn:microsoft.com/office/officeart/2005/8/layout/hierarchy4"/>
+    <dgm:cxn modelId="{D5F6CCD9-BDC6-46EB-AA9F-06103B82C661}" type="presParOf" srcId="{55089EEF-7EF4-483C-9604-59464FBF137B}" destId="{F1BF5967-87D0-49A9-AD58-85AC337D3E9E}" srcOrd="5" destOrd="0" presId="urn:microsoft.com/office/officeart/2005/8/layout/hierarchy4"/>
+    <dgm:cxn modelId="{11125806-62CF-4564-BCAC-22FC67982535}" type="presParOf" srcId="{55089EEF-7EF4-483C-9604-59464FBF137B}" destId="{CD197069-1755-443D-8503-F224C970F35B}" srcOrd="6" destOrd="0" presId="urn:microsoft.com/office/officeart/2005/8/layout/hierarchy4"/>
+    <dgm:cxn modelId="{917D8993-B541-4DB1-BDD0-EF9B795D0184}" type="presParOf" srcId="{CD197069-1755-443D-8503-F224C970F35B}" destId="{5BB26245-4ADF-4EA6-BB67-B96ABC874DD3}" srcOrd="0" destOrd="0" presId="urn:microsoft.com/office/officeart/2005/8/layout/hierarchy4"/>
+    <dgm:cxn modelId="{258224BE-F8BE-4622-B37B-306D8E2BDB38}" type="presParOf" srcId="{CD197069-1755-443D-8503-F224C970F35B}" destId="{3DA2F0E3-8C4A-4BBA-8B78-63CD59E28CCE}" srcOrd="1" destOrd="0" presId="urn:microsoft.com/office/officeart/2005/8/layout/hierarchy4"/>
+    <dgm:cxn modelId="{B95282BA-2A50-4F39-A057-7FD8C217EEDC}" type="presParOf" srcId="{55089EEF-7EF4-483C-9604-59464FBF137B}" destId="{D6D7F337-0FEE-4F49-BE1F-05A0D23E7DB6}" srcOrd="7" destOrd="0" presId="urn:microsoft.com/office/officeart/2005/8/layout/hierarchy4"/>
+    <dgm:cxn modelId="{0BA64D9F-F6D8-41D0-8590-709210477963}" type="presParOf" srcId="{55089EEF-7EF4-483C-9604-59464FBF137B}" destId="{F31EF95A-0984-4F02-B48B-C12FF13FA19C}" srcOrd="8" destOrd="0" presId="urn:microsoft.com/office/officeart/2005/8/layout/hierarchy4"/>
+    <dgm:cxn modelId="{71485806-2F31-4600-9881-56AF062637B5}" type="presParOf" srcId="{F31EF95A-0984-4F02-B48B-C12FF13FA19C}" destId="{657CCB44-FE5F-4994-98B9-539847CE454E}" srcOrd="0" destOrd="0" presId="urn:microsoft.com/office/officeart/2005/8/layout/hierarchy4"/>
+    <dgm:cxn modelId="{74460C87-E887-4B51-AED5-7C43B52A301E}" type="presParOf" srcId="{F31EF95A-0984-4F02-B48B-C12FF13FA19C}" destId="{7FA0F2A0-CB2D-43AB-AF60-95EBA07CF53E}" srcOrd="1" destOrd="0" presId="urn:microsoft.com/office/officeart/2005/8/layout/hierarchy4"/>
+    <dgm:cxn modelId="{E2AFE99B-0251-463F-81BE-A38C9CCD5744}" type="presParOf" srcId="{55089EEF-7EF4-483C-9604-59464FBF137B}" destId="{50B98834-01E4-41F5-910E-90BDA50032DC}" srcOrd="9" destOrd="0" presId="urn:microsoft.com/office/officeart/2005/8/layout/hierarchy4"/>
+    <dgm:cxn modelId="{E030504C-FDAA-414D-85DA-28C447EFE019}" type="presParOf" srcId="{55089EEF-7EF4-483C-9604-59464FBF137B}" destId="{D7C3E07C-2FD8-43C0-8F36-4C232170BB3F}" srcOrd="10" destOrd="0" presId="urn:microsoft.com/office/officeart/2005/8/layout/hierarchy4"/>
+    <dgm:cxn modelId="{4E49B12C-A231-4203-AFF9-B14328188005}" type="presParOf" srcId="{D7C3E07C-2FD8-43C0-8F36-4C232170BB3F}" destId="{EC049FDC-941B-42BD-B0E0-A9DD8CB9D7C0}" srcOrd="0" destOrd="0" presId="urn:microsoft.com/office/officeart/2005/8/layout/hierarchy4"/>
+    <dgm:cxn modelId="{58ED7750-9ADC-4174-BB17-BCBBA86D1796}" type="presParOf" srcId="{D7C3E07C-2FD8-43C0-8F36-4C232170BB3F}" destId="{0BEC3A2E-9E6D-4D1D-9397-AF61478DC905}" srcOrd="1" destOrd="0" presId="urn:microsoft.com/office/officeart/2005/8/layout/hierarchy4"/>
+    <dgm:cxn modelId="{23742B41-D572-4A0C-9D50-D27DFD63DC04}" type="presParOf" srcId="{70022281-FD9B-48E8-B47C-17183CB21A33}" destId="{C2D23727-FDFD-4719-9BF3-E59DE7DEC6A1}" srcOrd="3" destOrd="0" presId="urn:microsoft.com/office/officeart/2005/8/layout/hierarchy4"/>
+    <dgm:cxn modelId="{689C6603-5AF0-4F98-8551-B6C8B313FC24}" type="presParOf" srcId="{70022281-FD9B-48E8-B47C-17183CB21A33}" destId="{A0BD4A2B-830E-47C2-863C-8B6A0B2E9BDF}" srcOrd="4" destOrd="0" presId="urn:microsoft.com/office/officeart/2005/8/layout/hierarchy4"/>
+    <dgm:cxn modelId="{B7B978A9-D9FC-4338-B76F-186504F6D317}" type="presParOf" srcId="{A0BD4A2B-830E-47C2-863C-8B6A0B2E9BDF}" destId="{55969C33-DF2B-45B0-BB17-B236CA6747AD}" srcOrd="0" destOrd="0" presId="urn:microsoft.com/office/officeart/2005/8/layout/hierarchy4"/>
+    <dgm:cxn modelId="{34AF2E76-482F-457A-A103-073E2A642239}" type="presParOf" srcId="{A0BD4A2B-830E-47C2-863C-8B6A0B2E9BDF}" destId="{1C306BE2-CD69-4F93-B4CE-DF77B7BC2BB2}" srcOrd="1" destOrd="0" presId="urn:microsoft.com/office/officeart/2005/8/layout/hierarchy4"/>
+    <dgm:cxn modelId="{D3D75BE6-A09E-43B1-863A-1BF6CD132F30}" type="presParOf" srcId="{70022281-FD9B-48E8-B47C-17183CB21A33}" destId="{71F6970D-41CE-4F1A-9DDF-36BE17A17996}" srcOrd="5" destOrd="0" presId="urn:microsoft.com/office/officeart/2005/8/layout/hierarchy4"/>
+    <dgm:cxn modelId="{CE433C2E-E70D-42BA-92F1-FDD634D4DC68}" type="presParOf" srcId="{70022281-FD9B-48E8-B47C-17183CB21A33}" destId="{F82CA260-58F4-49CC-9B36-926263C6B92C}" srcOrd="6" destOrd="0" presId="urn:microsoft.com/office/officeart/2005/8/layout/hierarchy4"/>
+    <dgm:cxn modelId="{1209C1C2-5D98-4A25-9AFF-5A7521326723}" type="presParOf" srcId="{F82CA260-58F4-49CC-9B36-926263C6B92C}" destId="{9B60E18F-F86E-4506-9459-068008E814BC}" srcOrd="0" destOrd="0" presId="urn:microsoft.com/office/officeart/2005/8/layout/hierarchy4"/>
+    <dgm:cxn modelId="{7422ECBA-8917-4F86-90CC-44F0840F6268}" type="presParOf" srcId="{F82CA260-58F4-49CC-9B36-926263C6B92C}" destId="{77A3F2B9-E58B-49AF-98C7-76D0E84AF98F}" srcOrd="1" destOrd="0" presId="urn:microsoft.com/office/officeart/2005/8/layout/hierarchy4"/>
+    <dgm:cxn modelId="{6D6144C5-2A04-4ABD-AA49-4E328B51E146}" type="presParOf" srcId="{70022281-FD9B-48E8-B47C-17183CB21A33}" destId="{396D8A5D-CFFF-4B42-9603-B0E1060AA2B8}" srcOrd="7" destOrd="0" presId="urn:microsoft.com/office/officeart/2005/8/layout/hierarchy4"/>
+    <dgm:cxn modelId="{599795B8-3634-4394-8E6B-C2232C407ED3}" type="presParOf" srcId="{70022281-FD9B-48E8-B47C-17183CB21A33}" destId="{EB565EA9-AB5E-456B-987E-CE549F170F26}" srcOrd="8" destOrd="0" presId="urn:microsoft.com/office/officeart/2005/8/layout/hierarchy4"/>
+    <dgm:cxn modelId="{7DC66049-DB39-42EB-87A9-4FEB66073836}" type="presParOf" srcId="{EB565EA9-AB5E-456B-987E-CE549F170F26}" destId="{542C1045-3F2B-44B0-AF3E-644027C904C4}" srcOrd="0" destOrd="0" presId="urn:microsoft.com/office/officeart/2005/8/layout/hierarchy4"/>
+    <dgm:cxn modelId="{5DFAB093-DAFB-460A-B587-304903A428A0}" type="presParOf" srcId="{EB565EA9-AB5E-456B-987E-CE549F170F26}" destId="{DE6B6582-D9E3-41B8-8A7F-F0B78CF091BB}" srcOrd="1" destOrd="0" presId="urn:microsoft.com/office/officeart/2005/8/layout/hierarchy4"/>
+    <dgm:cxn modelId="{88F5AA4C-E596-4265-9971-F9CFBAF2209A}" type="presParOf" srcId="{EB565EA9-AB5E-456B-987E-CE549F170F26}" destId="{2299AD1D-0C32-4704-8E10-0BBC8C5CA719}" srcOrd="2" destOrd="0" presId="urn:microsoft.com/office/officeart/2005/8/layout/hierarchy4"/>
+    <dgm:cxn modelId="{004BB9F8-B45B-4433-BEAD-8088EE9DFAE1}" type="presParOf" srcId="{2299AD1D-0C32-4704-8E10-0BBC8C5CA719}" destId="{AE0AA499-CDA7-425A-A078-1F163368EC29}" srcOrd="0" destOrd="0" presId="urn:microsoft.com/office/officeart/2005/8/layout/hierarchy4"/>
+    <dgm:cxn modelId="{6BADE6EF-130F-42F8-A965-A29B500E6A6D}" type="presParOf" srcId="{AE0AA499-CDA7-425A-A078-1F163368EC29}" destId="{72472CD8-0F33-4E33-BF87-72DE4B846920}" srcOrd="0" destOrd="0" presId="urn:microsoft.com/office/officeart/2005/8/layout/hierarchy4"/>
+    <dgm:cxn modelId="{37309AB1-894C-4ADB-BA77-3CDF94A26AA7}" type="presParOf" srcId="{AE0AA499-CDA7-425A-A078-1F163368EC29}" destId="{08106BAB-F568-4FB3-86D6-EFE2076D8A96}" srcOrd="1" destOrd="0" presId="urn:microsoft.com/office/officeart/2005/8/layout/hierarchy4"/>
+    <dgm:cxn modelId="{DD382250-1516-4984-BAC7-9508A27B447C}" type="presParOf" srcId="{2299AD1D-0C32-4704-8E10-0BBC8C5CA719}" destId="{0B49F6DD-B6D9-40FB-8133-9077052003B0}" srcOrd="1" destOrd="0" presId="urn:microsoft.com/office/officeart/2005/8/layout/hierarchy4"/>
+    <dgm:cxn modelId="{973EB53E-AD9B-4FE1-847D-76A7BCB993C3}" type="presParOf" srcId="{2299AD1D-0C32-4704-8E10-0BBC8C5CA719}" destId="{B38AA884-5A25-4603-AFF6-F483239B3B5A}" srcOrd="2" destOrd="0" presId="urn:microsoft.com/office/officeart/2005/8/layout/hierarchy4"/>
+    <dgm:cxn modelId="{53E4B6F1-759B-4723-ACA3-305C2C6EBEA9}" type="presParOf" srcId="{B38AA884-5A25-4603-AFF6-F483239B3B5A}" destId="{943C3CB3-9AD4-4BB9-9D47-C8E267BB4703}" srcOrd="0" destOrd="0" presId="urn:microsoft.com/office/officeart/2005/8/layout/hierarchy4"/>
+    <dgm:cxn modelId="{49C23DC2-C34A-48B4-BD7A-EE0046930C54}" type="presParOf" srcId="{B38AA884-5A25-4603-AFF6-F483239B3B5A}" destId="{8418E596-8527-4E58-B7C9-662D1D9B3B99}" srcOrd="1" destOrd="0" presId="urn:microsoft.com/office/officeart/2005/8/layout/hierarchy4"/>
+    <dgm:cxn modelId="{86156F43-77FE-4D9B-BC6D-50585F92BC12}" type="presParOf" srcId="{70022281-FD9B-48E8-B47C-17183CB21A33}" destId="{1BA547B2-EA95-4572-A86A-7C8F95A39D99}" srcOrd="9" destOrd="0" presId="urn:microsoft.com/office/officeart/2005/8/layout/hierarchy4"/>
+    <dgm:cxn modelId="{714363CD-6AD0-49EC-8745-58C3A1BD7D9E}" type="presParOf" srcId="{70022281-FD9B-48E8-B47C-17183CB21A33}" destId="{2E62DB58-7349-4D46-A2A9-BFAFE93D190F}" srcOrd="10" destOrd="0" presId="urn:microsoft.com/office/officeart/2005/8/layout/hierarchy4"/>
+    <dgm:cxn modelId="{118F3842-B1CE-420B-B170-E6CDD0EF0793}" type="presParOf" srcId="{2E62DB58-7349-4D46-A2A9-BFAFE93D190F}" destId="{92528642-5369-4C8A-9DBA-CA20405501DC}" srcOrd="0" destOrd="0" presId="urn:microsoft.com/office/officeart/2005/8/layout/hierarchy4"/>
+    <dgm:cxn modelId="{773EF570-2351-4DE2-9E2E-2696A31E327F}" type="presParOf" srcId="{2E62DB58-7349-4D46-A2A9-BFAFE93D190F}" destId="{8F990682-70E8-4DD0-AA12-BFA8C167EAB1}" srcOrd="1" destOrd="0" presId="urn:microsoft.com/office/officeart/2005/8/layout/hierarchy4"/>
+    <dgm:cxn modelId="{63D2058F-F11F-44BA-9DC6-265AA233C75E}" type="presParOf" srcId="{2E62DB58-7349-4D46-A2A9-BFAFE93D190F}" destId="{62150B2F-A653-4572-9AED-8EB256A8C325}" srcOrd="2" destOrd="0" presId="urn:microsoft.com/office/officeart/2005/8/layout/hierarchy4"/>
+    <dgm:cxn modelId="{8021078F-9493-4793-B983-3B9FD3531402}" type="presParOf" srcId="{62150B2F-A653-4572-9AED-8EB256A8C325}" destId="{97D0F7CD-EE9C-4FC4-B4E9-A2315AEF4119}" srcOrd="0" destOrd="0" presId="urn:microsoft.com/office/officeart/2005/8/layout/hierarchy4"/>
+    <dgm:cxn modelId="{271A6F32-0293-4E07-B228-07CDFEB681CE}" type="presParOf" srcId="{97D0F7CD-EE9C-4FC4-B4E9-A2315AEF4119}" destId="{7D0CDDB4-E6BC-4965-BBD6-F61438D6B531}" srcOrd="0" destOrd="0" presId="urn:microsoft.com/office/officeart/2005/8/layout/hierarchy4"/>
+    <dgm:cxn modelId="{781A6555-1697-446B-AFEE-C0F348AEB497}" type="presParOf" srcId="{97D0F7CD-EE9C-4FC4-B4E9-A2315AEF4119}" destId="{BECB0583-FF61-436C-AEB9-1A6546DDC978}" srcOrd="1" destOrd="0" presId="urn:microsoft.com/office/officeart/2005/8/layout/hierarchy4"/>
+    <dgm:cxn modelId="{80B15C40-20F3-4C4D-AC28-E5A7636F8901}" type="presParOf" srcId="{62150B2F-A653-4572-9AED-8EB256A8C325}" destId="{ED128B4D-BBD9-454E-8449-90375D6526BD}" srcOrd="1" destOrd="0" presId="urn:microsoft.com/office/officeart/2005/8/layout/hierarchy4"/>
+    <dgm:cxn modelId="{290BE234-892B-402B-AF99-35A664174E9E}" type="presParOf" srcId="{62150B2F-A653-4572-9AED-8EB256A8C325}" destId="{005A03B1-2603-4CCB-ABEF-09FF27F3AC77}" srcOrd="2" destOrd="0" presId="urn:microsoft.com/office/officeart/2005/8/layout/hierarchy4"/>
+    <dgm:cxn modelId="{490B04CC-68F9-4DA6-A34A-995D6BBE35BD}" type="presParOf" srcId="{005A03B1-2603-4CCB-ABEF-09FF27F3AC77}" destId="{9DC30703-A463-4762-8ECA-47271E92F468}" srcOrd="0" destOrd="0" presId="urn:microsoft.com/office/officeart/2005/8/layout/hierarchy4"/>
+    <dgm:cxn modelId="{44B19552-B7AE-4459-8291-6E12CC097D70}" type="presParOf" srcId="{005A03B1-2603-4CCB-ABEF-09FF27F3AC77}" destId="{7C9DC88A-E843-4E9B-B9EB-F12F0B0D1CCB}" srcOrd="1" destOrd="0" presId="urn:microsoft.com/office/officeart/2005/8/layout/hierarchy4"/>
+    <dgm:cxn modelId="{B556EAE9-8FE9-442B-B2F7-8FB22083CEB3}" type="presParOf" srcId="{62150B2F-A653-4572-9AED-8EB256A8C325}" destId="{272A8147-1BA4-4880-A6A7-C7838F377B6E}" srcOrd="3" destOrd="0" presId="urn:microsoft.com/office/officeart/2005/8/layout/hierarchy4"/>
+    <dgm:cxn modelId="{26865BFC-1D9B-4C90-B9E2-CC6BF531C1EA}" type="presParOf" srcId="{62150B2F-A653-4572-9AED-8EB256A8C325}" destId="{39B13953-16E8-4386-896C-6D575D90C091}" srcOrd="4" destOrd="0" presId="urn:microsoft.com/office/officeart/2005/8/layout/hierarchy4"/>
+    <dgm:cxn modelId="{389F58DE-8401-4769-A6B2-7D8FBEA0A93E}" type="presParOf" srcId="{39B13953-16E8-4386-896C-6D575D90C091}" destId="{7DE7E6BE-3F51-40C8-9CEE-DA3FE12317FE}" srcOrd="0" destOrd="0" presId="urn:microsoft.com/office/officeart/2005/8/layout/hierarchy4"/>
+    <dgm:cxn modelId="{A6477EE5-18AE-4D8B-B7D1-7AFF323660EB}" type="presParOf" srcId="{39B13953-16E8-4386-896C-6D575D90C091}" destId="{9C0FD02C-2532-466C-9A74-852E31301C5A}" srcOrd="1" destOrd="0" presId="urn:microsoft.com/office/officeart/2005/8/layout/hierarchy4"/>
+    <dgm:cxn modelId="{FC5A6B10-15AC-48E4-B1D2-319DCF57CC0C}" type="presParOf" srcId="{62150B2F-A653-4572-9AED-8EB256A8C325}" destId="{34AC7844-9858-490C-9110-BFB625F5774E}" srcOrd="5" destOrd="0" presId="urn:microsoft.com/office/officeart/2005/8/layout/hierarchy4"/>
+    <dgm:cxn modelId="{6580E597-CCDE-443B-9B5B-39992ACA76C8}" type="presParOf" srcId="{62150B2F-A653-4572-9AED-8EB256A8C325}" destId="{CA724E83-4B67-4FAE-9DAA-4729E9409F29}" srcOrd="6" destOrd="0" presId="urn:microsoft.com/office/officeart/2005/8/layout/hierarchy4"/>
+    <dgm:cxn modelId="{4FEA4569-F49A-42FD-9A92-0919E4B1F63F}" type="presParOf" srcId="{CA724E83-4B67-4FAE-9DAA-4729E9409F29}" destId="{33BE21C3-5489-45CA-8330-D1F9D9C1E1BE}" srcOrd="0" destOrd="0" presId="urn:microsoft.com/office/officeart/2005/8/layout/hierarchy4"/>
+    <dgm:cxn modelId="{FCEB7FC4-F6AD-4F22-907D-75EF1020A7E5}" type="presParOf" srcId="{CA724E83-4B67-4FAE-9DAA-4729E9409F29}" destId="{F50B4B25-E39A-414B-8045-A13194C3F852}" srcOrd="1" destOrd="0" presId="urn:microsoft.com/office/officeart/2005/8/layout/hierarchy4"/>
+  </dgm:cxnLst>
+  <dgm:bg/>
+  <dgm:whole/>
+  <dgm:extLst>
+    <a:ext uri="http://schemas.microsoft.com/office/drawing/2008/diagram">
+      <dsp:dataModelExt xmlns:dsp="http://schemas.microsoft.com/office/drawing/2008/diagram" relId="rId6" minVer="http://schemas.openxmlformats.org/drawingml/2006/diagram"/>
+    </a:ext>
+  </dgm:extLst>
+</dgm:dataModel>
+</file>
+
+<file path=ppt/diagrams/drawing1.xml><?xml version="1.0" encoding="utf-8"?>
+<dsp:drawing xmlns:dgm="http://schemas.openxmlformats.org/drawingml/2006/diagram" xmlns:dsp="http://schemas.microsoft.com/office/drawing/2008/diagram" xmlns:a="http://schemas.openxmlformats.org/drawingml/2006/main">
+  <dsp:spTree>
+    <dsp:nvGrpSpPr>
+      <dsp:cNvPr id="0" name=""/>
+      <dsp:cNvGrpSpPr/>
+    </dsp:nvGrpSpPr>
+    <dsp:grpSpPr/>
+    <dsp:sp modelId="{99A808D8-A71F-4233-A5CD-030C04833AE7}">
+      <dsp:nvSpPr>
+        <dsp:cNvPr id="0" name=""/>
+        <dsp:cNvSpPr/>
+      </dsp:nvSpPr>
+      <dsp:spPr>
+        <a:xfrm>
+          <a:off x="3248" y="3035"/>
+          <a:ext cx="8058399" cy="1301887"/>
+        </a:xfrm>
+        <a:prstGeom prst="roundRect">
+          <a:avLst>
+            <a:gd name="adj" fmla="val 10000"/>
+          </a:avLst>
+        </a:prstGeom>
+        <a:solidFill>
+          <a:schemeClr val="accent1">
+            <a:hueOff val="0"/>
+            <a:satOff val="0"/>
+            <a:lumOff val="0"/>
+            <a:alphaOff val="0"/>
+          </a:schemeClr>
+        </a:solidFill>
+        <a:ln>
+          <a:noFill/>
+        </a:ln>
+        <a:effectLst>
+          <a:outerShdw blurRad="40000" dist="20000" dir="5400000" rotWithShape="0">
+            <a:srgbClr val="000000">
+              <a:alpha val="38000"/>
+            </a:srgbClr>
+          </a:outerShdw>
+        </a:effectLst>
+        <a:scene3d>
+          <a:camera prst="orthographicFront">
+            <a:rot lat="0" lon="0" rev="0"/>
+          </a:camera>
+          <a:lightRig rig="contrasting" dir="t">
+            <a:rot lat="0" lon="0" rev="1200000"/>
+          </a:lightRig>
+        </a:scene3d>
+        <a:sp3d contourW="19050" prstMaterial="metal">
+          <a:bevelT w="88900" h="203200"/>
+          <a:bevelB w="165100" h="254000"/>
+        </a:sp3d>
+      </dsp:spPr>
+      <dsp:style>
+        <a:lnRef idx="0">
+          <a:scrgbClr r="0" g="0" b="0"/>
+        </a:lnRef>
+        <a:fillRef idx="1">
+          <a:scrgbClr r="0" g="0" b="0"/>
+        </a:fillRef>
+        <a:effectRef idx="1">
+          <a:scrgbClr r="0" g="0" b="0"/>
+        </a:effectRef>
+        <a:fontRef idx="minor">
+          <a:schemeClr val="lt1"/>
+        </a:fontRef>
+      </dsp:style>
+      <dsp:txBody>
+        <a:bodyPr spcFirstLastPara="0" vert="horz" wrap="square" lIns="213360" tIns="213360" rIns="213360" bIns="213360" numCol="1" spcCol="1270" anchor="ctr" anchorCtr="0">
+          <a:noAutofit/>
+        </a:bodyPr>
+        <a:lstStyle/>
+        <a:p>
+          <a:pPr lvl="0" algn="ctr" defTabSz="2489200">
+            <a:lnSpc>
+              <a:spcPct val="90000"/>
+            </a:lnSpc>
+            <a:spcBef>
+              <a:spcPct val="0"/>
+            </a:spcBef>
+            <a:spcAft>
+              <a:spcPct val="35000"/>
+            </a:spcAft>
+          </a:pPr>
+          <a:r>
+            <a:rPr lang="en-US" sz="5600" kern="1200" dirty="0" smtClean="0"/>
+            <a:t>S#.API</a:t>
+          </a:r>
+          <a:endParaRPr lang="ru-RU" sz="5600" kern="1200" dirty="0"/>
+        </a:p>
+      </dsp:txBody>
+      <dsp:txXfrm>
+        <a:off x="41379" y="41166"/>
+        <a:ext cx="7982137" cy="1225625"/>
+      </dsp:txXfrm>
+    </dsp:sp>
+    <dsp:sp modelId="{B75A30F1-34AB-4163-8644-87E1B8EBE650}">
+      <dsp:nvSpPr>
+        <dsp:cNvPr id="0" name=""/>
+        <dsp:cNvSpPr/>
+      </dsp:nvSpPr>
+      <dsp:spPr>
+        <a:xfrm>
+          <a:off x="11113" y="1445176"/>
+          <a:ext cx="1204637" cy="1301887"/>
+        </a:xfrm>
+        <a:prstGeom prst="roundRect">
+          <a:avLst>
+            <a:gd name="adj" fmla="val 10000"/>
+          </a:avLst>
+        </a:prstGeom>
+        <a:solidFill>
+          <a:schemeClr val="accent1">
+            <a:hueOff val="0"/>
+            <a:satOff val="0"/>
+            <a:lumOff val="0"/>
+            <a:alphaOff val="0"/>
+          </a:schemeClr>
+        </a:solidFill>
+        <a:ln>
+          <a:noFill/>
+        </a:ln>
+        <a:effectLst>
+          <a:outerShdw blurRad="40000" dist="20000" dir="5400000" rotWithShape="0">
+            <a:srgbClr val="000000">
+              <a:alpha val="38000"/>
+            </a:srgbClr>
+          </a:outerShdw>
+        </a:effectLst>
+        <a:scene3d>
+          <a:camera prst="orthographicFront">
+            <a:rot lat="0" lon="0" rev="0"/>
+          </a:camera>
+          <a:lightRig rig="contrasting" dir="t">
+            <a:rot lat="0" lon="0" rev="1200000"/>
+          </a:lightRig>
+        </a:scene3d>
+        <a:sp3d contourW="19050" prstMaterial="metal">
+          <a:bevelT w="88900" h="203200"/>
+          <a:bevelB w="165100" h="254000"/>
+        </a:sp3d>
+      </dsp:spPr>
+      <dsp:style>
+        <a:lnRef idx="0">
+          <a:scrgbClr r="0" g="0" b="0"/>
+        </a:lnRef>
+        <a:fillRef idx="1">
+          <a:scrgbClr r="0" g="0" b="0"/>
+        </a:fillRef>
+        <a:effectRef idx="1">
+          <a:scrgbClr r="0" g="0" b="0"/>
+        </a:effectRef>
+        <a:fontRef idx="minor">
+          <a:schemeClr val="lt1"/>
+        </a:fontRef>
+      </dsp:style>
+      <dsp:txBody>
+        <a:bodyPr spcFirstLastPara="0" vert="horz" wrap="square" lIns="45720" tIns="45720" rIns="45720" bIns="45720" numCol="1" spcCol="1270" anchor="ctr" anchorCtr="0">
+          <a:noAutofit/>
+        </a:bodyPr>
+        <a:lstStyle/>
+        <a:p>
+          <a:pPr lvl="0" algn="ctr" defTabSz="533400">
+            <a:lnSpc>
+              <a:spcPct val="90000"/>
+            </a:lnSpc>
+            <a:spcBef>
+              <a:spcPct val="0"/>
+            </a:spcBef>
+            <a:spcAft>
+              <a:spcPct val="35000"/>
+            </a:spcAft>
+          </a:pPr>
+          <a:r>
+            <a:rPr lang="en-US" sz="1200" kern="1200" dirty="0" err="1" smtClean="0"/>
+            <a:t>BusinessEntities</a:t>
+          </a:r>
+          <a:endParaRPr lang="ru-RU" sz="1200" kern="1200" dirty="0"/>
+        </a:p>
+      </dsp:txBody>
+      <dsp:txXfrm>
+        <a:off x="46396" y="1480459"/>
+        <a:ext cx="1134071" cy="1231321"/>
+      </dsp:txXfrm>
+    </dsp:sp>
+    <dsp:sp modelId="{DB790EFB-7427-481F-B625-024D9E8D1877}">
+      <dsp:nvSpPr>
+        <dsp:cNvPr id="0" name=""/>
+        <dsp:cNvSpPr/>
+      </dsp:nvSpPr>
+      <dsp:spPr>
+        <a:xfrm>
+          <a:off x="1245588" y="1445176"/>
+          <a:ext cx="2205769" cy="1301887"/>
+        </a:xfrm>
+        <a:prstGeom prst="roundRect">
+          <a:avLst>
+            <a:gd name="adj" fmla="val 10000"/>
+          </a:avLst>
+        </a:prstGeom>
+        <a:solidFill>
+          <a:schemeClr val="accent1">
+            <a:hueOff val="0"/>
+            <a:satOff val="0"/>
+            <a:lumOff val="0"/>
+            <a:alphaOff val="0"/>
+          </a:schemeClr>
+        </a:solidFill>
+        <a:ln>
+          <a:noFill/>
+        </a:ln>
+        <a:effectLst>
+          <a:outerShdw blurRad="40000" dist="20000" dir="5400000" rotWithShape="0">
+            <a:srgbClr val="000000">
+              <a:alpha val="38000"/>
+            </a:srgbClr>
+          </a:outerShdw>
+        </a:effectLst>
+        <a:scene3d>
+          <a:camera prst="orthographicFront">
+            <a:rot lat="0" lon="0" rev="0"/>
+          </a:camera>
+          <a:lightRig rig="contrasting" dir="t">
+            <a:rot lat="0" lon="0" rev="1200000"/>
+          </a:lightRig>
+        </a:scene3d>
+        <a:sp3d contourW="19050" prstMaterial="metal">
+          <a:bevelT w="88900" h="203200"/>
+          <a:bevelB w="165100" h="254000"/>
+        </a:sp3d>
+      </dsp:spPr>
+      <dsp:style>
+        <a:lnRef idx="0">
+          <a:scrgbClr r="0" g="0" b="0"/>
+        </a:lnRef>
+        <a:fillRef idx="1">
+          <a:scrgbClr r="0" g="0" b="0"/>
+        </a:fillRef>
+        <a:effectRef idx="1">
+          <a:scrgbClr r="0" g="0" b="0"/>
+        </a:effectRef>
+        <a:fontRef idx="minor">
+          <a:schemeClr val="lt1"/>
+        </a:fontRef>
+      </dsp:style>
+      <dsp:txBody>
+        <a:bodyPr spcFirstLastPara="0" vert="horz" wrap="square" lIns="45720" tIns="45720" rIns="45720" bIns="45720" numCol="1" spcCol="1270" anchor="ctr" anchorCtr="0">
+          <a:noAutofit/>
+        </a:bodyPr>
+        <a:lstStyle/>
+        <a:p>
+          <a:pPr lvl="0" algn="ctr" defTabSz="533400">
+            <a:lnSpc>
+              <a:spcPct val="90000"/>
+            </a:lnSpc>
+            <a:spcBef>
+              <a:spcPct val="0"/>
+            </a:spcBef>
+            <a:spcAft>
+              <a:spcPct val="35000"/>
+            </a:spcAft>
+          </a:pPr>
+          <a:r>
+            <a:rPr lang="en-US" sz="1200" kern="1200" dirty="0" err="1" smtClean="0"/>
+            <a:t>Algo</a:t>
+          </a:r>
+          <a:endParaRPr lang="ru-RU" sz="1200" kern="1200" dirty="0"/>
+        </a:p>
+      </dsp:txBody>
+      <dsp:txXfrm>
+        <a:off x="1283719" y="1483307"/>
+        <a:ext cx="2129507" cy="1225625"/>
+      </dsp:txXfrm>
+    </dsp:sp>
+    <dsp:sp modelId="{278D5E58-0AE7-4334-A9AE-161C2C48C553}">
+      <dsp:nvSpPr>
+        <dsp:cNvPr id="0" name=""/>
+        <dsp:cNvSpPr/>
+      </dsp:nvSpPr>
+      <dsp:spPr>
+        <a:xfrm>
+          <a:off x="1245588" y="2887317"/>
+          <a:ext cx="355196" cy="1301887"/>
+        </a:xfrm>
+        <a:prstGeom prst="roundRect">
+          <a:avLst>
+            <a:gd name="adj" fmla="val 10000"/>
+          </a:avLst>
+        </a:prstGeom>
+        <a:solidFill>
+          <a:schemeClr val="accent1">
+            <a:hueOff val="0"/>
+            <a:satOff val="0"/>
+            <a:lumOff val="0"/>
+            <a:alphaOff val="0"/>
+          </a:schemeClr>
+        </a:solidFill>
+        <a:ln>
+          <a:noFill/>
+        </a:ln>
+        <a:effectLst>
+          <a:outerShdw blurRad="40000" dist="20000" dir="5400000" rotWithShape="0">
+            <a:srgbClr val="000000">
+              <a:alpha val="38000"/>
+            </a:srgbClr>
+          </a:outerShdw>
+        </a:effectLst>
+        <a:scene3d>
+          <a:camera prst="orthographicFront">
+            <a:rot lat="0" lon="0" rev="0"/>
+          </a:camera>
+          <a:lightRig rig="contrasting" dir="t">
+            <a:rot lat="0" lon="0" rev="1200000"/>
+          </a:lightRig>
+        </a:scene3d>
+        <a:sp3d contourW="19050" prstMaterial="metal">
+          <a:bevelT w="88900" h="203200"/>
+          <a:bevelB w="165100" h="254000"/>
+        </a:sp3d>
+      </dsp:spPr>
+      <dsp:style>
+        <a:lnRef idx="0">
+          <a:scrgbClr r="0" g="0" b="0"/>
+        </a:lnRef>
+        <a:fillRef idx="1">
+          <a:scrgbClr r="0" g="0" b="0"/>
+        </a:fillRef>
+        <a:effectRef idx="1">
+          <a:scrgbClr r="0" g="0" b="0"/>
+        </a:effectRef>
+        <a:fontRef idx="minor">
+          <a:schemeClr val="lt1"/>
+        </a:fontRef>
+      </dsp:style>
+      <dsp:txBody>
+        <a:bodyPr spcFirstLastPara="0" vert="vert270" wrap="square" lIns="45720" tIns="45720" rIns="45720" bIns="45720" numCol="1" spcCol="1270" anchor="ctr" anchorCtr="0">
+          <a:noAutofit/>
+        </a:bodyPr>
+        <a:lstStyle/>
+        <a:p>
+          <a:pPr lvl="0" algn="ctr" defTabSz="533400">
+            <a:lnSpc>
+              <a:spcPct val="90000"/>
+            </a:lnSpc>
+            <a:spcBef>
+              <a:spcPct val="0"/>
+            </a:spcBef>
+            <a:spcAft>
+              <a:spcPct val="35000"/>
+            </a:spcAft>
+          </a:pPr>
+          <a:r>
+            <a:rPr lang="en-US" sz="1200" kern="1200" dirty="0" smtClean="0"/>
+            <a:t>Strategies</a:t>
+          </a:r>
+          <a:endParaRPr lang="ru-RU" sz="1200" kern="1200" dirty="0"/>
+        </a:p>
+      </dsp:txBody>
+      <dsp:txXfrm>
+        <a:off x="1255991" y="2897720"/>
+        <a:ext cx="334390" cy="1281081"/>
+      </dsp:txXfrm>
+    </dsp:sp>
+    <dsp:sp modelId="{0EF4B248-7CD2-4F22-A8DE-5F56A6220591}">
+      <dsp:nvSpPr>
+        <dsp:cNvPr id="0" name=""/>
+        <dsp:cNvSpPr/>
+      </dsp:nvSpPr>
+      <dsp:spPr>
+        <a:xfrm>
+          <a:off x="1615702" y="2887317"/>
+          <a:ext cx="355196" cy="1301887"/>
+        </a:xfrm>
+        <a:prstGeom prst="roundRect">
+          <a:avLst>
+            <a:gd name="adj" fmla="val 10000"/>
+          </a:avLst>
+        </a:prstGeom>
+        <a:solidFill>
+          <a:schemeClr val="accent1">
+            <a:hueOff val="0"/>
+            <a:satOff val="0"/>
+            <a:lumOff val="0"/>
+            <a:alphaOff val="0"/>
+          </a:schemeClr>
+        </a:solidFill>
+        <a:ln>
+          <a:noFill/>
+        </a:ln>
+        <a:effectLst>
+          <a:outerShdw blurRad="40000" dist="20000" dir="5400000" rotWithShape="0">
+            <a:srgbClr val="000000">
+              <a:alpha val="38000"/>
+            </a:srgbClr>
+          </a:outerShdw>
+        </a:effectLst>
+        <a:scene3d>
+          <a:camera prst="orthographicFront">
+            <a:rot lat="0" lon="0" rev="0"/>
+          </a:camera>
+          <a:lightRig rig="contrasting" dir="t">
+            <a:rot lat="0" lon="0" rev="1200000"/>
+          </a:lightRig>
+        </a:scene3d>
+        <a:sp3d contourW="19050" prstMaterial="metal">
+          <a:bevelT w="88900" h="203200"/>
+          <a:bevelB w="165100" h="254000"/>
+        </a:sp3d>
+      </dsp:spPr>
+      <dsp:style>
+        <a:lnRef idx="0">
+          <a:scrgbClr r="0" g="0" b="0"/>
+        </a:lnRef>
+        <a:fillRef idx="1">
+          <a:scrgbClr r="0" g="0" b="0"/>
+        </a:fillRef>
+        <a:effectRef idx="1">
+          <a:scrgbClr r="0" g="0" b="0"/>
+        </a:effectRef>
+        <a:fontRef idx="minor">
+          <a:schemeClr val="lt1"/>
+        </a:fontRef>
+      </dsp:style>
+      <dsp:txBody>
+        <a:bodyPr spcFirstLastPara="0" vert="vert270" wrap="square" lIns="45720" tIns="45720" rIns="45720" bIns="45720" numCol="1" spcCol="1270" anchor="ctr" anchorCtr="0">
+          <a:noAutofit/>
+        </a:bodyPr>
+        <a:lstStyle/>
+        <a:p>
+          <a:pPr lvl="0" algn="ctr" defTabSz="533400">
+            <a:lnSpc>
+              <a:spcPct val="90000"/>
+            </a:lnSpc>
+            <a:spcBef>
+              <a:spcPct val="0"/>
+            </a:spcBef>
+            <a:spcAft>
+              <a:spcPct val="35000"/>
+            </a:spcAft>
+          </a:pPr>
+          <a:r>
+            <a:rPr lang="en-US" sz="1200" kern="1200" dirty="0" smtClean="0"/>
+            <a:t>Candles</a:t>
+          </a:r>
+          <a:endParaRPr lang="ru-RU" sz="1200" kern="1200" dirty="0"/>
+        </a:p>
+      </dsp:txBody>
+      <dsp:txXfrm>
+        <a:off x="1626105" y="2897720"/>
+        <a:ext cx="334390" cy="1281081"/>
+      </dsp:txXfrm>
+    </dsp:sp>
+    <dsp:sp modelId="{0369BADB-708A-4FBA-AFEE-5AD5C0DF51E7}">
+      <dsp:nvSpPr>
+        <dsp:cNvPr id="0" name=""/>
+        <dsp:cNvSpPr/>
+      </dsp:nvSpPr>
+      <dsp:spPr>
+        <a:xfrm>
+          <a:off x="1985817" y="2887317"/>
+          <a:ext cx="355196" cy="1301887"/>
+        </a:xfrm>
+        <a:prstGeom prst="roundRect">
+          <a:avLst>
+            <a:gd name="adj" fmla="val 10000"/>
+          </a:avLst>
+        </a:prstGeom>
+        <a:solidFill>
+          <a:schemeClr val="accent1">
+            <a:hueOff val="0"/>
+            <a:satOff val="0"/>
+            <a:lumOff val="0"/>
+            <a:alphaOff val="0"/>
+          </a:schemeClr>
+        </a:solidFill>
+        <a:ln>
+          <a:noFill/>
+        </a:ln>
+        <a:effectLst>
+          <a:outerShdw blurRad="40000" dist="20000" dir="5400000" rotWithShape="0">
+            <a:srgbClr val="000000">
+              <a:alpha val="38000"/>
+            </a:srgbClr>
+          </a:outerShdw>
+        </a:effectLst>
+        <a:scene3d>
+          <a:camera prst="orthographicFront">
+            <a:rot lat="0" lon="0" rev="0"/>
+          </a:camera>
+          <a:lightRig rig="contrasting" dir="t">
+            <a:rot lat="0" lon="0" rev="1200000"/>
+          </a:lightRig>
+        </a:scene3d>
+        <a:sp3d contourW="19050" prstMaterial="metal">
+          <a:bevelT w="88900" h="203200"/>
+          <a:bevelB w="165100" h="254000"/>
+        </a:sp3d>
+      </dsp:spPr>
+      <dsp:style>
+        <a:lnRef idx="0">
+          <a:scrgbClr r="0" g="0" b="0"/>
+        </a:lnRef>
+        <a:fillRef idx="1">
+          <a:scrgbClr r="0" g="0" b="0"/>
+        </a:fillRef>
+        <a:effectRef idx="1">
+          <a:scrgbClr r="0" g="0" b="0"/>
+        </a:effectRef>
+        <a:fontRef idx="minor">
+          <a:schemeClr val="lt1"/>
+        </a:fontRef>
+      </dsp:style>
+      <dsp:txBody>
+        <a:bodyPr spcFirstLastPara="0" vert="vert270" wrap="square" lIns="45720" tIns="45720" rIns="45720" bIns="45720" numCol="1" spcCol="1270" anchor="ctr" anchorCtr="0">
+          <a:noAutofit/>
+        </a:bodyPr>
+        <a:lstStyle/>
+        <a:p>
+          <a:pPr lvl="0" algn="ctr" defTabSz="533400">
+            <a:lnSpc>
+              <a:spcPct val="90000"/>
+            </a:lnSpc>
+            <a:spcBef>
+              <a:spcPct val="0"/>
+            </a:spcBef>
+            <a:spcAft>
+              <a:spcPct val="35000"/>
+            </a:spcAft>
+          </a:pPr>
+          <a:r>
+            <a:rPr lang="en-US" sz="1200" kern="1200" dirty="0" smtClean="0"/>
+            <a:t>Indicators</a:t>
+          </a:r>
+          <a:endParaRPr lang="ru-RU" sz="1200" kern="1200" dirty="0"/>
+        </a:p>
+      </dsp:txBody>
+      <dsp:txXfrm>
+        <a:off x="1996220" y="2897720"/>
+        <a:ext cx="334390" cy="1281081"/>
+      </dsp:txXfrm>
+    </dsp:sp>
+    <dsp:sp modelId="{5BB26245-4ADF-4EA6-BB67-B96ABC874DD3}">
+      <dsp:nvSpPr>
+        <dsp:cNvPr id="0" name=""/>
+        <dsp:cNvSpPr/>
+      </dsp:nvSpPr>
+      <dsp:spPr>
+        <a:xfrm>
+          <a:off x="2355931" y="2887317"/>
+          <a:ext cx="355196" cy="1301887"/>
+        </a:xfrm>
+        <a:prstGeom prst="roundRect">
+          <a:avLst>
+            <a:gd name="adj" fmla="val 10000"/>
+          </a:avLst>
+        </a:prstGeom>
+        <a:solidFill>
+          <a:schemeClr val="accent1">
+            <a:hueOff val="0"/>
+            <a:satOff val="0"/>
+            <a:lumOff val="0"/>
+            <a:alphaOff val="0"/>
+          </a:schemeClr>
+        </a:solidFill>
+        <a:ln>
+          <a:noFill/>
+        </a:ln>
+        <a:effectLst>
+          <a:outerShdw blurRad="40000" dist="20000" dir="5400000" rotWithShape="0">
+            <a:srgbClr val="000000">
+              <a:alpha val="38000"/>
+            </a:srgbClr>
+          </a:outerShdw>
+        </a:effectLst>
+        <a:scene3d>
+          <a:camera prst="orthographicFront">
+            <a:rot lat="0" lon="0" rev="0"/>
+          </a:camera>
+          <a:lightRig rig="contrasting" dir="t">
+            <a:rot lat="0" lon="0" rev="1200000"/>
+          </a:lightRig>
+        </a:scene3d>
+        <a:sp3d contourW="19050" prstMaterial="metal">
+          <a:bevelT w="88900" h="203200"/>
+          <a:bevelB w="165100" h="254000"/>
+        </a:sp3d>
+      </dsp:spPr>
+      <dsp:style>
+        <a:lnRef idx="0">
+          <a:scrgbClr r="0" g="0" b="0"/>
+        </a:lnRef>
+        <a:fillRef idx="1">
+          <a:scrgbClr r="0" g="0" b="0"/>
+        </a:fillRef>
+        <a:effectRef idx="1">
+          <a:scrgbClr r="0" g="0" b="0"/>
+        </a:effectRef>
+        <a:fontRef idx="minor">
+          <a:schemeClr val="lt1"/>
+        </a:fontRef>
+      </dsp:style>
+      <dsp:txBody>
+        <a:bodyPr spcFirstLastPara="0" vert="vert270" wrap="square" lIns="45720" tIns="45720" rIns="45720" bIns="45720" numCol="1" spcCol="1270" anchor="ctr" anchorCtr="0">
+          <a:noAutofit/>
+        </a:bodyPr>
+        <a:lstStyle/>
+        <a:p>
+          <a:pPr lvl="0" algn="ctr" defTabSz="533400">
+            <a:lnSpc>
+              <a:spcPct val="90000"/>
+            </a:lnSpc>
+            <a:spcBef>
+              <a:spcPct val="0"/>
+            </a:spcBef>
+            <a:spcAft>
+              <a:spcPct val="35000"/>
+            </a:spcAft>
+          </a:pPr>
+          <a:r>
+            <a:rPr lang="en-US" sz="1200" kern="1200" dirty="0" smtClean="0"/>
+            <a:t>Derivatives</a:t>
+          </a:r>
+          <a:endParaRPr lang="ru-RU" sz="1200" kern="1200" dirty="0"/>
+        </a:p>
+      </dsp:txBody>
+      <dsp:txXfrm>
+        <a:off x="2366334" y="2897720"/>
+        <a:ext cx="334390" cy="1281081"/>
+      </dsp:txXfrm>
+    </dsp:sp>
+    <dsp:sp modelId="{657CCB44-FE5F-4994-98B9-539847CE454E}">
+      <dsp:nvSpPr>
+        <dsp:cNvPr id="0" name=""/>
+        <dsp:cNvSpPr/>
+      </dsp:nvSpPr>
+      <dsp:spPr>
+        <a:xfrm>
+          <a:off x="2726046" y="2887317"/>
+          <a:ext cx="355196" cy="1301887"/>
+        </a:xfrm>
+        <a:prstGeom prst="roundRect">
+          <a:avLst>
+            <a:gd name="adj" fmla="val 10000"/>
+          </a:avLst>
+        </a:prstGeom>
+        <a:solidFill>
+          <a:schemeClr val="accent1">
+            <a:hueOff val="0"/>
+            <a:satOff val="0"/>
+            <a:lumOff val="0"/>
+            <a:alphaOff val="0"/>
+          </a:schemeClr>
+        </a:solidFill>
+        <a:ln>
+          <a:noFill/>
+        </a:ln>
+        <a:effectLst>
+          <a:outerShdw blurRad="40000" dist="20000" dir="5400000" rotWithShape="0">
+            <a:srgbClr val="000000">
+              <a:alpha val="38000"/>
+            </a:srgbClr>
+          </a:outerShdw>
+        </a:effectLst>
+        <a:scene3d>
+          <a:camera prst="orthographicFront">
+            <a:rot lat="0" lon="0" rev="0"/>
+          </a:camera>
+          <a:lightRig rig="contrasting" dir="t">
+            <a:rot lat="0" lon="0" rev="1200000"/>
+          </a:lightRig>
+        </a:scene3d>
+        <a:sp3d contourW="19050" prstMaterial="metal">
+          <a:bevelT w="88900" h="203200"/>
+          <a:bevelB w="165100" h="254000"/>
+        </a:sp3d>
+      </dsp:spPr>
+      <dsp:style>
+        <a:lnRef idx="0">
+          <a:scrgbClr r="0" g="0" b="0"/>
+        </a:lnRef>
+        <a:fillRef idx="1">
+          <a:scrgbClr r="0" g="0" b="0"/>
+        </a:fillRef>
+        <a:effectRef idx="1">
+          <a:scrgbClr r="0" g="0" b="0"/>
+        </a:effectRef>
+        <a:fontRef idx="minor">
+          <a:schemeClr val="lt1"/>
+        </a:fontRef>
+      </dsp:style>
+      <dsp:txBody>
+        <a:bodyPr spcFirstLastPara="0" vert="vert270" wrap="square" lIns="45720" tIns="45720" rIns="45720" bIns="45720" numCol="1" spcCol="1270" anchor="ctr" anchorCtr="0">
+          <a:noAutofit/>
+        </a:bodyPr>
+        <a:lstStyle/>
+        <a:p>
+          <a:pPr lvl="0" algn="ctr" defTabSz="533400">
+            <a:lnSpc>
+              <a:spcPct val="90000"/>
+            </a:lnSpc>
+            <a:spcBef>
+              <a:spcPct val="0"/>
+            </a:spcBef>
+            <a:spcAft>
+              <a:spcPct val="35000"/>
+            </a:spcAft>
+          </a:pPr>
+          <a:r>
+            <a:rPr lang="en-US" sz="1200" kern="1200" dirty="0" smtClean="0"/>
+            <a:t>Testing</a:t>
+          </a:r>
+          <a:endParaRPr lang="ru-RU" sz="1200" kern="1200" dirty="0"/>
+        </a:p>
+      </dsp:txBody>
+      <dsp:txXfrm>
+        <a:off x="2736449" y="2897720"/>
+        <a:ext cx="334390" cy="1281081"/>
+      </dsp:txXfrm>
+    </dsp:sp>
+    <dsp:sp modelId="{EC049FDC-941B-42BD-B0E0-A9DD8CB9D7C0}">
+      <dsp:nvSpPr>
+        <dsp:cNvPr id="0" name=""/>
+        <dsp:cNvSpPr/>
+      </dsp:nvSpPr>
+      <dsp:spPr>
+        <a:xfrm>
+          <a:off x="3096161" y="2887317"/>
+          <a:ext cx="355196" cy="1301887"/>
+        </a:xfrm>
+        <a:prstGeom prst="roundRect">
+          <a:avLst>
+            <a:gd name="adj" fmla="val 10000"/>
+          </a:avLst>
+        </a:prstGeom>
+        <a:solidFill>
+          <a:schemeClr val="accent1">
+            <a:hueOff val="0"/>
+            <a:satOff val="0"/>
+            <a:lumOff val="0"/>
+            <a:alphaOff val="0"/>
+          </a:schemeClr>
+        </a:solidFill>
+        <a:ln>
+          <a:noFill/>
+        </a:ln>
+        <a:effectLst>
+          <a:outerShdw blurRad="40000" dist="20000" dir="5400000" rotWithShape="0">
+            <a:srgbClr val="000000">
+              <a:alpha val="38000"/>
+            </a:srgbClr>
+          </a:outerShdw>
+        </a:effectLst>
+        <a:scene3d>
+          <a:camera prst="orthographicFront">
+            <a:rot lat="0" lon="0" rev="0"/>
+          </a:camera>
+          <a:lightRig rig="contrasting" dir="t">
+            <a:rot lat="0" lon="0" rev="1200000"/>
+          </a:lightRig>
+        </a:scene3d>
+        <a:sp3d contourW="19050" prstMaterial="metal">
+          <a:bevelT w="88900" h="203200"/>
+          <a:bevelB w="165100" h="254000"/>
+        </a:sp3d>
+      </dsp:spPr>
+      <dsp:style>
+        <a:lnRef idx="0">
+          <a:scrgbClr r="0" g="0" b="0"/>
+        </a:lnRef>
+        <a:fillRef idx="1">
+          <a:scrgbClr r="0" g="0" b="0"/>
+        </a:fillRef>
+        <a:effectRef idx="1">
+          <a:scrgbClr r="0" g="0" b="0"/>
+        </a:effectRef>
+        <a:fontRef idx="minor">
+          <a:schemeClr val="lt1"/>
+        </a:fontRef>
+      </dsp:style>
+      <dsp:txBody>
+        <a:bodyPr spcFirstLastPara="0" vert="vert270" wrap="square" lIns="45720" tIns="45720" rIns="45720" bIns="45720" numCol="1" spcCol="1270" anchor="ctr" anchorCtr="0">
+          <a:noAutofit/>
+        </a:bodyPr>
+        <a:lstStyle/>
+        <a:p>
+          <a:pPr lvl="0" algn="ctr" defTabSz="533400">
+            <a:lnSpc>
+              <a:spcPct val="90000"/>
+            </a:lnSpc>
+            <a:spcBef>
+              <a:spcPct val="0"/>
+            </a:spcBef>
+            <a:spcAft>
+              <a:spcPct val="35000"/>
+            </a:spcAft>
+          </a:pPr>
+          <a:r>
+            <a:rPr lang="en-US" sz="1200" kern="1200" dirty="0" smtClean="0"/>
+            <a:t>Storages</a:t>
+          </a:r>
+          <a:endParaRPr lang="ru-RU" sz="1200" kern="1200" dirty="0"/>
+        </a:p>
+      </dsp:txBody>
+      <dsp:txXfrm>
+        <a:off x="3106564" y="2897720"/>
+        <a:ext cx="334390" cy="1281081"/>
+      </dsp:txXfrm>
+    </dsp:sp>
+    <dsp:sp modelId="{55969C33-DF2B-45B0-BB17-B236CA6747AD}">
+      <dsp:nvSpPr>
+        <dsp:cNvPr id="0" name=""/>
+        <dsp:cNvSpPr/>
+      </dsp:nvSpPr>
+      <dsp:spPr>
+        <a:xfrm>
+          <a:off x="3481193" y="1445176"/>
+          <a:ext cx="1114918" cy="1301887"/>
+        </a:xfrm>
+        <a:prstGeom prst="roundRect">
+          <a:avLst>
+            <a:gd name="adj" fmla="val 10000"/>
+          </a:avLst>
+        </a:prstGeom>
+        <a:solidFill>
+          <a:schemeClr val="accent1">
+            <a:hueOff val="0"/>
+            <a:satOff val="0"/>
+            <a:lumOff val="0"/>
+            <a:alphaOff val="0"/>
+          </a:schemeClr>
+        </a:solidFill>
+        <a:ln>
+          <a:noFill/>
+        </a:ln>
+        <a:effectLst>
+          <a:outerShdw blurRad="40000" dist="20000" dir="5400000" rotWithShape="0">
+            <a:srgbClr val="000000">
+              <a:alpha val="38000"/>
+            </a:srgbClr>
+          </a:outerShdw>
+        </a:effectLst>
+        <a:scene3d>
+          <a:camera prst="orthographicFront">
+            <a:rot lat="0" lon="0" rev="0"/>
+          </a:camera>
+          <a:lightRig rig="contrasting" dir="t">
+            <a:rot lat="0" lon="0" rev="1200000"/>
+          </a:lightRig>
+        </a:scene3d>
+        <a:sp3d contourW="19050" prstMaterial="metal">
+          <a:bevelT w="88900" h="203200"/>
+          <a:bevelB w="165100" h="254000"/>
+        </a:sp3d>
+      </dsp:spPr>
+      <dsp:style>
+        <a:lnRef idx="0">
+          <a:scrgbClr r="0" g="0" b="0"/>
+        </a:lnRef>
+        <a:fillRef idx="1">
+          <a:scrgbClr r="0" g="0" b="0"/>
+        </a:fillRef>
+        <a:effectRef idx="1">
+          <a:scrgbClr r="0" g="0" b="0"/>
+        </a:effectRef>
+        <a:fontRef idx="minor">
+          <a:schemeClr val="lt1"/>
+        </a:fontRef>
+      </dsp:style>
+      <dsp:txBody>
+        <a:bodyPr spcFirstLastPara="0" vert="horz" wrap="square" lIns="45720" tIns="45720" rIns="45720" bIns="45720" numCol="1" spcCol="1270" anchor="ctr" anchorCtr="0">
+          <a:noAutofit/>
+        </a:bodyPr>
+        <a:lstStyle/>
+        <a:p>
+          <a:pPr lvl="0" algn="ctr" defTabSz="533400">
+            <a:lnSpc>
+              <a:spcPct val="90000"/>
+            </a:lnSpc>
+            <a:spcBef>
+              <a:spcPct val="0"/>
+            </a:spcBef>
+            <a:spcAft>
+              <a:spcPct val="35000"/>
+            </a:spcAft>
+          </a:pPr>
+          <a:r>
+            <a:rPr lang="en-US" sz="1200" kern="1200" dirty="0" smtClean="0"/>
+            <a:t>Messages</a:t>
+          </a:r>
+          <a:endParaRPr lang="ru-RU" sz="1200" kern="1200" dirty="0"/>
+        </a:p>
+      </dsp:txBody>
+      <dsp:txXfrm>
+        <a:off x="3513848" y="1477831"/>
+        <a:ext cx="1049608" cy="1236577"/>
+      </dsp:txXfrm>
+    </dsp:sp>
+    <dsp:sp modelId="{9B60E18F-F86E-4506-9459-068008E814BC}">
+      <dsp:nvSpPr>
+        <dsp:cNvPr id="0" name=""/>
+        <dsp:cNvSpPr/>
+      </dsp:nvSpPr>
+      <dsp:spPr>
+        <a:xfrm>
+          <a:off x="4625949" y="1445176"/>
+          <a:ext cx="1177308" cy="1301887"/>
+        </a:xfrm>
+        <a:prstGeom prst="roundRect">
+          <a:avLst>
+            <a:gd name="adj" fmla="val 10000"/>
+          </a:avLst>
+        </a:prstGeom>
+        <a:solidFill>
+          <a:schemeClr val="accent1">
+            <a:hueOff val="0"/>
+            <a:satOff val="0"/>
+            <a:lumOff val="0"/>
+            <a:alphaOff val="0"/>
+          </a:schemeClr>
+        </a:solidFill>
+        <a:ln>
+          <a:noFill/>
+        </a:ln>
+        <a:effectLst>
+          <a:outerShdw blurRad="40000" dist="20000" dir="5400000" rotWithShape="0">
+            <a:srgbClr val="000000">
+              <a:alpha val="38000"/>
+            </a:srgbClr>
+          </a:outerShdw>
+        </a:effectLst>
+        <a:scene3d>
+          <a:camera prst="orthographicFront">
+            <a:rot lat="0" lon="0" rev="0"/>
+          </a:camera>
+          <a:lightRig rig="contrasting" dir="t">
+            <a:rot lat="0" lon="0" rev="1200000"/>
+          </a:lightRig>
+        </a:scene3d>
+        <a:sp3d contourW="19050" prstMaterial="metal">
+          <a:bevelT w="88900" h="203200"/>
+          <a:bevelB w="165100" h="254000"/>
+        </a:sp3d>
+      </dsp:spPr>
+      <dsp:style>
+        <a:lnRef idx="0">
+          <a:scrgbClr r="0" g="0" b="0"/>
+        </a:lnRef>
+        <a:fillRef idx="1">
+          <a:scrgbClr r="0" g="0" b="0"/>
+        </a:fillRef>
+        <a:effectRef idx="1">
+          <a:scrgbClr r="0" g="0" b="0"/>
+        </a:effectRef>
+        <a:fontRef idx="minor">
+          <a:schemeClr val="lt1"/>
+        </a:fontRef>
+      </dsp:style>
+      <dsp:txBody>
+        <a:bodyPr spcFirstLastPara="0" vert="horz" wrap="square" lIns="45720" tIns="45720" rIns="45720" bIns="45720" numCol="1" spcCol="1270" anchor="ctr" anchorCtr="0">
+          <a:noAutofit/>
+        </a:bodyPr>
+        <a:lstStyle/>
+        <a:p>
+          <a:pPr lvl="0" algn="ctr" defTabSz="533400">
+            <a:lnSpc>
+              <a:spcPct val="90000"/>
+            </a:lnSpc>
+            <a:spcBef>
+              <a:spcPct val="0"/>
+            </a:spcBef>
+            <a:spcAft>
+              <a:spcPct val="35000"/>
+            </a:spcAft>
+          </a:pPr>
+          <a:r>
+            <a:rPr lang="en-US" sz="1200" kern="1200" dirty="0" smtClean="0"/>
+            <a:t>Logging</a:t>
+          </a:r>
+          <a:endParaRPr lang="ru-RU" sz="1200" kern="1200" dirty="0"/>
+        </a:p>
+      </dsp:txBody>
+      <dsp:txXfrm>
+        <a:off x="4660431" y="1479658"/>
+        <a:ext cx="1108344" cy="1232923"/>
+      </dsp:txXfrm>
+    </dsp:sp>
+    <dsp:sp modelId="{542C1045-3F2B-44B0-AF3E-644027C904C4}">
+      <dsp:nvSpPr>
+        <dsp:cNvPr id="0" name=""/>
+        <dsp:cNvSpPr/>
+      </dsp:nvSpPr>
+      <dsp:spPr>
+        <a:xfrm>
+          <a:off x="5833094" y="1445176"/>
+          <a:ext cx="725310" cy="1301887"/>
+        </a:xfrm>
+        <a:prstGeom prst="roundRect">
+          <a:avLst>
+            <a:gd name="adj" fmla="val 10000"/>
+          </a:avLst>
+        </a:prstGeom>
+        <a:solidFill>
+          <a:schemeClr val="accent1">
+            <a:hueOff val="0"/>
+            <a:satOff val="0"/>
+            <a:lumOff val="0"/>
+            <a:alphaOff val="0"/>
+          </a:schemeClr>
+        </a:solidFill>
+        <a:ln>
+          <a:noFill/>
+        </a:ln>
+        <a:effectLst>
+          <a:outerShdw blurRad="40000" dist="20000" dir="5400000" rotWithShape="0">
+            <a:srgbClr val="000000">
+              <a:alpha val="38000"/>
+            </a:srgbClr>
+          </a:outerShdw>
+        </a:effectLst>
+        <a:scene3d>
+          <a:camera prst="orthographicFront">
+            <a:rot lat="0" lon="0" rev="0"/>
+          </a:camera>
+          <a:lightRig rig="contrasting" dir="t">
+            <a:rot lat="0" lon="0" rev="1200000"/>
+          </a:lightRig>
+        </a:scene3d>
+        <a:sp3d contourW="19050" prstMaterial="metal">
+          <a:bevelT w="88900" h="203200"/>
+          <a:bevelB w="165100" h="254000"/>
+        </a:sp3d>
+      </dsp:spPr>
+      <dsp:style>
+        <a:lnRef idx="0">
+          <a:scrgbClr r="0" g="0" b="0"/>
+        </a:lnRef>
+        <a:fillRef idx="1">
+          <a:scrgbClr r="0" g="0" b="0"/>
+        </a:fillRef>
+        <a:effectRef idx="1">
+          <a:scrgbClr r="0" g="0" b="0"/>
+        </a:effectRef>
+        <a:fontRef idx="minor">
+          <a:schemeClr val="lt1"/>
+        </a:fontRef>
+      </dsp:style>
+      <dsp:txBody>
+        <a:bodyPr spcFirstLastPara="0" vert="horz" wrap="square" lIns="45720" tIns="45720" rIns="45720" bIns="45720" numCol="1" spcCol="1270" anchor="ctr" anchorCtr="0">
+          <a:noAutofit/>
+        </a:bodyPr>
+        <a:lstStyle/>
+        <a:p>
+          <a:pPr lvl="0" algn="ctr" defTabSz="533400">
+            <a:lnSpc>
+              <a:spcPct val="90000"/>
+            </a:lnSpc>
+            <a:spcBef>
+              <a:spcPct val="0"/>
+            </a:spcBef>
+            <a:spcAft>
+              <a:spcPct val="35000"/>
+            </a:spcAft>
+          </a:pPr>
+          <a:r>
+            <a:rPr lang="en-US" sz="1200" kern="1200" dirty="0" smtClean="0"/>
+            <a:t>XAML</a:t>
+          </a:r>
+          <a:endParaRPr lang="ru-RU" sz="1200" kern="1200" dirty="0"/>
+        </a:p>
+      </dsp:txBody>
+      <dsp:txXfrm>
+        <a:off x="5854338" y="1466420"/>
+        <a:ext cx="682822" cy="1259399"/>
+      </dsp:txXfrm>
+    </dsp:sp>
+    <dsp:sp modelId="{72472CD8-0F33-4E33-BF87-72DE4B846920}">
+      <dsp:nvSpPr>
+        <dsp:cNvPr id="0" name=""/>
+        <dsp:cNvSpPr/>
+      </dsp:nvSpPr>
+      <dsp:spPr>
+        <a:xfrm>
+          <a:off x="5833094" y="2887317"/>
+          <a:ext cx="355196" cy="1301887"/>
+        </a:xfrm>
+        <a:prstGeom prst="roundRect">
+          <a:avLst>
+            <a:gd name="adj" fmla="val 10000"/>
+          </a:avLst>
+        </a:prstGeom>
+        <a:solidFill>
+          <a:schemeClr val="accent1">
+            <a:hueOff val="0"/>
+            <a:satOff val="0"/>
+            <a:lumOff val="0"/>
+            <a:alphaOff val="0"/>
+          </a:schemeClr>
+        </a:solidFill>
+        <a:ln>
+          <a:noFill/>
+        </a:ln>
+        <a:effectLst>
+          <a:outerShdw blurRad="40000" dist="20000" dir="5400000" rotWithShape="0">
+            <a:srgbClr val="000000">
+              <a:alpha val="38000"/>
+            </a:srgbClr>
+          </a:outerShdw>
+        </a:effectLst>
+        <a:scene3d>
+          <a:camera prst="orthographicFront">
+            <a:rot lat="0" lon="0" rev="0"/>
+          </a:camera>
+          <a:lightRig rig="contrasting" dir="t">
+            <a:rot lat="0" lon="0" rev="1200000"/>
+          </a:lightRig>
+        </a:scene3d>
+        <a:sp3d contourW="19050" prstMaterial="metal">
+          <a:bevelT w="88900" h="203200"/>
+          <a:bevelB w="165100" h="254000"/>
+        </a:sp3d>
+      </dsp:spPr>
+      <dsp:style>
+        <a:lnRef idx="0">
+          <a:scrgbClr r="0" g="0" b="0"/>
+        </a:lnRef>
+        <a:fillRef idx="1">
+          <a:scrgbClr r="0" g="0" b="0"/>
+        </a:fillRef>
+        <a:effectRef idx="1">
+          <a:scrgbClr r="0" g="0" b="0"/>
+        </a:effectRef>
+        <a:fontRef idx="minor">
+          <a:schemeClr val="lt1"/>
+        </a:fontRef>
+      </dsp:style>
+      <dsp:txBody>
+        <a:bodyPr spcFirstLastPara="0" vert="vert270" wrap="square" lIns="45720" tIns="45720" rIns="45720" bIns="45720" numCol="1" spcCol="1270" anchor="ctr" anchorCtr="0">
+          <a:noAutofit/>
+        </a:bodyPr>
+        <a:lstStyle/>
+        <a:p>
+          <a:pPr lvl="0" algn="ctr" defTabSz="533400">
+            <a:lnSpc>
+              <a:spcPct val="90000"/>
+            </a:lnSpc>
+            <a:spcBef>
+              <a:spcPct val="0"/>
+            </a:spcBef>
+            <a:spcAft>
+              <a:spcPct val="35000"/>
+            </a:spcAft>
+          </a:pPr>
+          <a:r>
+            <a:rPr lang="en-US" sz="1200" kern="1200" dirty="0" smtClean="0"/>
+            <a:t>Charting</a:t>
+          </a:r>
+          <a:endParaRPr lang="ru-RU" sz="1200" kern="1200" dirty="0"/>
+        </a:p>
+      </dsp:txBody>
+      <dsp:txXfrm>
+        <a:off x="5843497" y="2897720"/>
+        <a:ext cx="334390" cy="1281081"/>
+      </dsp:txXfrm>
+    </dsp:sp>
+    <dsp:sp modelId="{943C3CB3-9AD4-4BB9-9D47-C8E267BB4703}">
+      <dsp:nvSpPr>
+        <dsp:cNvPr id="0" name=""/>
+        <dsp:cNvSpPr/>
+      </dsp:nvSpPr>
+      <dsp:spPr>
+        <a:xfrm>
+          <a:off x="6203209" y="2887317"/>
+          <a:ext cx="355196" cy="1301887"/>
+        </a:xfrm>
+        <a:prstGeom prst="roundRect">
+          <a:avLst>
+            <a:gd name="adj" fmla="val 10000"/>
+          </a:avLst>
+        </a:prstGeom>
+        <a:solidFill>
+          <a:schemeClr val="accent1">
+            <a:hueOff val="0"/>
+            <a:satOff val="0"/>
+            <a:lumOff val="0"/>
+            <a:alphaOff val="0"/>
+          </a:schemeClr>
+        </a:solidFill>
+        <a:ln>
+          <a:noFill/>
+        </a:ln>
+        <a:effectLst>
+          <a:outerShdw blurRad="40000" dist="20000" dir="5400000" rotWithShape="0">
+            <a:srgbClr val="000000">
+              <a:alpha val="38000"/>
+            </a:srgbClr>
+          </a:outerShdw>
+        </a:effectLst>
+        <a:scene3d>
+          <a:camera prst="orthographicFront">
+            <a:rot lat="0" lon="0" rev="0"/>
+          </a:camera>
+          <a:lightRig rig="contrasting" dir="t">
+            <a:rot lat="0" lon="0" rev="1200000"/>
+          </a:lightRig>
+        </a:scene3d>
+        <a:sp3d contourW="19050" prstMaterial="metal">
+          <a:bevelT w="88900" h="203200"/>
+          <a:bevelB w="165100" h="254000"/>
+        </a:sp3d>
+      </dsp:spPr>
+      <dsp:style>
+        <a:lnRef idx="0">
+          <a:scrgbClr r="0" g="0" b="0"/>
+        </a:lnRef>
+        <a:fillRef idx="1">
+          <a:scrgbClr r="0" g="0" b="0"/>
+        </a:fillRef>
+        <a:effectRef idx="1">
+          <a:scrgbClr r="0" g="0" b="0"/>
+        </a:effectRef>
+        <a:fontRef idx="minor">
+          <a:schemeClr val="lt1"/>
+        </a:fontRef>
+      </dsp:style>
+      <dsp:txBody>
+        <a:bodyPr spcFirstLastPara="0" vert="vert270" wrap="square" lIns="45720" tIns="45720" rIns="45720" bIns="45720" numCol="1" spcCol="1270" anchor="ctr" anchorCtr="0">
+          <a:noAutofit/>
+        </a:bodyPr>
+        <a:lstStyle/>
+        <a:p>
+          <a:pPr lvl="0" algn="ctr" defTabSz="533400">
+            <a:lnSpc>
+              <a:spcPct val="90000"/>
+            </a:lnSpc>
+            <a:spcBef>
+              <a:spcPct val="0"/>
+            </a:spcBef>
+            <a:spcAft>
+              <a:spcPct val="35000"/>
+            </a:spcAft>
+          </a:pPr>
+          <a:r>
+            <a:rPr lang="en-US" sz="1200" kern="1200" dirty="0" smtClean="0"/>
+            <a:t>Diagrams</a:t>
+          </a:r>
+          <a:endParaRPr lang="ru-RU" sz="1200" kern="1200" dirty="0"/>
+        </a:p>
+      </dsp:txBody>
+      <dsp:txXfrm>
+        <a:off x="6213612" y="2897720"/>
+        <a:ext cx="334390" cy="1281081"/>
+      </dsp:txXfrm>
+    </dsp:sp>
+    <dsp:sp modelId="{92528642-5369-4C8A-9DBA-CA20405501DC}">
+      <dsp:nvSpPr>
+        <dsp:cNvPr id="0" name=""/>
+        <dsp:cNvSpPr/>
+      </dsp:nvSpPr>
+      <dsp:spPr>
+        <a:xfrm>
+          <a:off x="6588241" y="1445176"/>
+          <a:ext cx="1465540" cy="1301887"/>
+        </a:xfrm>
+        <a:prstGeom prst="roundRect">
+          <a:avLst>
+            <a:gd name="adj" fmla="val 10000"/>
+          </a:avLst>
+        </a:prstGeom>
+        <a:solidFill>
+          <a:schemeClr val="accent1">
+            <a:hueOff val="0"/>
+            <a:satOff val="0"/>
+            <a:lumOff val="0"/>
+            <a:alphaOff val="0"/>
+          </a:schemeClr>
+        </a:solidFill>
+        <a:ln>
+          <a:noFill/>
+        </a:ln>
+        <a:effectLst>
+          <a:outerShdw blurRad="40000" dist="20000" dir="5400000" rotWithShape="0">
+            <a:srgbClr val="000000">
+              <a:alpha val="38000"/>
+            </a:srgbClr>
+          </a:outerShdw>
+        </a:effectLst>
+        <a:scene3d>
+          <a:camera prst="orthographicFront">
+            <a:rot lat="0" lon="0" rev="0"/>
+          </a:camera>
+          <a:lightRig rig="contrasting" dir="t">
+            <a:rot lat="0" lon="0" rev="1200000"/>
+          </a:lightRig>
+        </a:scene3d>
+        <a:sp3d contourW="19050" prstMaterial="metal">
+          <a:bevelT w="88900" h="203200"/>
+          <a:bevelB w="165100" h="254000"/>
+        </a:sp3d>
+      </dsp:spPr>
+      <dsp:style>
+        <a:lnRef idx="0">
+          <a:scrgbClr r="0" g="0" b="0"/>
+        </a:lnRef>
+        <a:fillRef idx="1">
+          <a:scrgbClr r="0" g="0" b="0"/>
+        </a:fillRef>
+        <a:effectRef idx="1">
+          <a:scrgbClr r="0" g="0" b="0"/>
+        </a:effectRef>
+        <a:fontRef idx="minor">
+          <a:schemeClr val="lt1"/>
+        </a:fontRef>
+      </dsp:style>
+      <dsp:txBody>
+        <a:bodyPr spcFirstLastPara="0" vert="horz" wrap="square" lIns="45720" tIns="45720" rIns="45720" bIns="45720" numCol="1" spcCol="1270" anchor="ctr" anchorCtr="0">
+          <a:noAutofit/>
+        </a:bodyPr>
+        <a:lstStyle/>
+        <a:p>
+          <a:pPr lvl="0" algn="ctr" defTabSz="533400">
+            <a:lnSpc>
+              <a:spcPct val="90000"/>
+            </a:lnSpc>
+            <a:spcBef>
+              <a:spcPct val="0"/>
+            </a:spcBef>
+            <a:spcAft>
+              <a:spcPct val="35000"/>
+            </a:spcAft>
+          </a:pPr>
+          <a:r>
+            <a:rPr lang="en-US" sz="1200" kern="1200" dirty="0" smtClean="0"/>
+            <a:t>Connectors</a:t>
+          </a:r>
+          <a:endParaRPr lang="ru-RU" sz="1200" kern="1200" dirty="0"/>
+        </a:p>
+      </dsp:txBody>
+      <dsp:txXfrm>
+        <a:off x="6626372" y="1483307"/>
+        <a:ext cx="1389278" cy="1225625"/>
+      </dsp:txXfrm>
+    </dsp:sp>
+    <dsp:sp modelId="{7D0CDDB4-E6BC-4965-BBD6-F61438D6B531}">
+      <dsp:nvSpPr>
+        <dsp:cNvPr id="0" name=""/>
+        <dsp:cNvSpPr/>
+      </dsp:nvSpPr>
+      <dsp:spPr>
+        <a:xfrm>
+          <a:off x="6588241" y="2887317"/>
+          <a:ext cx="355196" cy="1301887"/>
+        </a:xfrm>
+        <a:prstGeom prst="roundRect">
+          <a:avLst>
+            <a:gd name="adj" fmla="val 10000"/>
+          </a:avLst>
+        </a:prstGeom>
+        <a:solidFill>
+          <a:schemeClr val="accent1">
+            <a:hueOff val="0"/>
+            <a:satOff val="0"/>
+            <a:lumOff val="0"/>
+            <a:alphaOff val="0"/>
+          </a:schemeClr>
+        </a:solidFill>
+        <a:ln>
+          <a:noFill/>
+        </a:ln>
+        <a:effectLst>
+          <a:outerShdw blurRad="40000" dist="20000" dir="5400000" rotWithShape="0">
+            <a:srgbClr val="000000">
+              <a:alpha val="38000"/>
+            </a:srgbClr>
+          </a:outerShdw>
+        </a:effectLst>
+        <a:scene3d>
+          <a:camera prst="orthographicFront">
+            <a:rot lat="0" lon="0" rev="0"/>
+          </a:camera>
+          <a:lightRig rig="contrasting" dir="t">
+            <a:rot lat="0" lon="0" rev="1200000"/>
+          </a:lightRig>
+        </a:scene3d>
+        <a:sp3d contourW="19050" prstMaterial="metal">
+          <a:bevelT w="88900" h="203200"/>
+          <a:bevelB w="165100" h="254000"/>
+        </a:sp3d>
+      </dsp:spPr>
+      <dsp:style>
+        <a:lnRef idx="0">
+          <a:scrgbClr r="0" g="0" b="0"/>
+        </a:lnRef>
+        <a:fillRef idx="1">
+          <a:scrgbClr r="0" g="0" b="0"/>
+        </a:fillRef>
+        <a:effectRef idx="1">
+          <a:scrgbClr r="0" g="0" b="0"/>
+        </a:effectRef>
+        <a:fontRef idx="minor">
+          <a:schemeClr val="lt1"/>
+        </a:fontRef>
+      </dsp:style>
+      <dsp:txBody>
+        <a:bodyPr spcFirstLastPara="0" vert="vert270" wrap="square" lIns="45720" tIns="45720" rIns="45720" bIns="45720" numCol="1" spcCol="1270" anchor="ctr" anchorCtr="0">
+          <a:noAutofit/>
+        </a:bodyPr>
+        <a:lstStyle/>
+        <a:p>
+          <a:pPr lvl="0" algn="ctr" defTabSz="533400">
+            <a:lnSpc>
+              <a:spcPct val="90000"/>
+            </a:lnSpc>
+            <a:spcBef>
+              <a:spcPct val="0"/>
+            </a:spcBef>
+            <a:spcAft>
+              <a:spcPct val="35000"/>
+            </a:spcAft>
+          </a:pPr>
+          <a:r>
+            <a:rPr lang="en-US" sz="1200" kern="1200" dirty="0" err="1" smtClean="0"/>
+            <a:t>Quik</a:t>
+          </a:r>
+          <a:endParaRPr lang="ru-RU" sz="1200" kern="1200" dirty="0"/>
+        </a:p>
+      </dsp:txBody>
+      <dsp:txXfrm>
+        <a:off x="6598644" y="2897720"/>
+        <a:ext cx="334390" cy="1281081"/>
+      </dsp:txXfrm>
+    </dsp:sp>
+    <dsp:sp modelId="{9DC30703-A463-4762-8ECA-47271E92F468}">
+      <dsp:nvSpPr>
+        <dsp:cNvPr id="0" name=""/>
+        <dsp:cNvSpPr/>
+      </dsp:nvSpPr>
+      <dsp:spPr>
+        <a:xfrm>
+          <a:off x="6958356" y="2887317"/>
+          <a:ext cx="355196" cy="1301887"/>
+        </a:xfrm>
+        <a:prstGeom prst="roundRect">
+          <a:avLst>
+            <a:gd name="adj" fmla="val 10000"/>
+          </a:avLst>
+        </a:prstGeom>
+        <a:solidFill>
+          <a:schemeClr val="accent1">
+            <a:hueOff val="0"/>
+            <a:satOff val="0"/>
+            <a:lumOff val="0"/>
+            <a:alphaOff val="0"/>
+          </a:schemeClr>
+        </a:solidFill>
+        <a:ln>
+          <a:noFill/>
+        </a:ln>
+        <a:effectLst>
+          <a:outerShdw blurRad="40000" dist="20000" dir="5400000" rotWithShape="0">
+            <a:srgbClr val="000000">
+              <a:alpha val="38000"/>
+            </a:srgbClr>
+          </a:outerShdw>
+        </a:effectLst>
+        <a:scene3d>
+          <a:camera prst="orthographicFront">
+            <a:rot lat="0" lon="0" rev="0"/>
+          </a:camera>
+          <a:lightRig rig="contrasting" dir="t">
+            <a:rot lat="0" lon="0" rev="1200000"/>
+          </a:lightRig>
+        </a:scene3d>
+        <a:sp3d contourW="19050" prstMaterial="metal">
+          <a:bevelT w="88900" h="203200"/>
+          <a:bevelB w="165100" h="254000"/>
+        </a:sp3d>
+      </dsp:spPr>
+      <dsp:style>
+        <a:lnRef idx="0">
+          <a:scrgbClr r="0" g="0" b="0"/>
+        </a:lnRef>
+        <a:fillRef idx="1">
+          <a:scrgbClr r="0" g="0" b="0"/>
+        </a:fillRef>
+        <a:effectRef idx="1">
+          <a:scrgbClr r="0" g="0" b="0"/>
+        </a:effectRef>
+        <a:fontRef idx="minor">
+          <a:schemeClr val="lt1"/>
+        </a:fontRef>
+      </dsp:style>
+      <dsp:txBody>
+        <a:bodyPr spcFirstLastPara="0" vert="vert270" wrap="square" lIns="45720" tIns="45720" rIns="45720" bIns="45720" numCol="1" spcCol="1270" anchor="ctr" anchorCtr="0">
+          <a:noAutofit/>
+        </a:bodyPr>
+        <a:lstStyle/>
+        <a:p>
+          <a:pPr lvl="0" algn="ctr" defTabSz="533400">
+            <a:lnSpc>
+              <a:spcPct val="90000"/>
+            </a:lnSpc>
+            <a:spcBef>
+              <a:spcPct val="0"/>
+            </a:spcBef>
+            <a:spcAft>
+              <a:spcPct val="35000"/>
+            </a:spcAft>
+          </a:pPr>
+          <a:r>
+            <a:rPr lang="en-US" sz="1200" kern="1200" dirty="0" err="1" smtClean="0"/>
+            <a:t>SmartCom</a:t>
+          </a:r>
+          <a:endParaRPr lang="ru-RU" sz="1200" kern="1200" dirty="0"/>
+        </a:p>
+      </dsp:txBody>
+      <dsp:txXfrm>
+        <a:off x="6968759" y="2897720"/>
+        <a:ext cx="334390" cy="1281081"/>
+      </dsp:txXfrm>
+    </dsp:sp>
+    <dsp:sp modelId="{7DE7E6BE-3F51-40C8-9CEE-DA3FE12317FE}">
+      <dsp:nvSpPr>
+        <dsp:cNvPr id="0" name=""/>
+        <dsp:cNvSpPr/>
+      </dsp:nvSpPr>
+      <dsp:spPr>
+        <a:xfrm>
+          <a:off x="7328471" y="2887317"/>
+          <a:ext cx="355196" cy="1301887"/>
+        </a:xfrm>
+        <a:prstGeom prst="roundRect">
+          <a:avLst>
+            <a:gd name="adj" fmla="val 10000"/>
+          </a:avLst>
+        </a:prstGeom>
+        <a:solidFill>
+          <a:schemeClr val="accent1">
+            <a:hueOff val="0"/>
+            <a:satOff val="0"/>
+            <a:lumOff val="0"/>
+            <a:alphaOff val="0"/>
+          </a:schemeClr>
+        </a:solidFill>
+        <a:ln>
+          <a:noFill/>
+        </a:ln>
+        <a:effectLst>
+          <a:outerShdw blurRad="40000" dist="20000" dir="5400000" rotWithShape="0">
+            <a:srgbClr val="000000">
+              <a:alpha val="38000"/>
+            </a:srgbClr>
+          </a:outerShdw>
+        </a:effectLst>
+        <a:scene3d>
+          <a:camera prst="orthographicFront">
+            <a:rot lat="0" lon="0" rev="0"/>
+          </a:camera>
+          <a:lightRig rig="contrasting" dir="t">
+            <a:rot lat="0" lon="0" rev="1200000"/>
+          </a:lightRig>
+        </a:scene3d>
+        <a:sp3d contourW="19050" prstMaterial="metal">
+          <a:bevelT w="88900" h="203200"/>
+          <a:bevelB w="165100" h="254000"/>
+        </a:sp3d>
+      </dsp:spPr>
+      <dsp:style>
+        <a:lnRef idx="0">
+          <a:scrgbClr r="0" g="0" b="0"/>
+        </a:lnRef>
+        <a:fillRef idx="1">
+          <a:scrgbClr r="0" g="0" b="0"/>
+        </a:fillRef>
+        <a:effectRef idx="1">
+          <a:scrgbClr r="0" g="0" b="0"/>
+        </a:effectRef>
+        <a:fontRef idx="minor">
+          <a:schemeClr val="lt1"/>
+        </a:fontRef>
+      </dsp:style>
+      <dsp:txBody>
+        <a:bodyPr spcFirstLastPara="0" vert="vert270" wrap="square" lIns="45720" tIns="45720" rIns="45720" bIns="45720" numCol="1" spcCol="1270" anchor="ctr" anchorCtr="0">
+          <a:noAutofit/>
+        </a:bodyPr>
+        <a:lstStyle/>
+        <a:p>
+          <a:pPr lvl="0" algn="ctr" defTabSz="533400">
+            <a:lnSpc>
+              <a:spcPct val="90000"/>
+            </a:lnSpc>
+            <a:spcBef>
+              <a:spcPct val="0"/>
+            </a:spcBef>
+            <a:spcAft>
+              <a:spcPct val="35000"/>
+            </a:spcAft>
+          </a:pPr>
+          <a:r>
+            <a:rPr lang="en-US" sz="1200" kern="1200" dirty="0" smtClean="0"/>
+            <a:t>Plaza II</a:t>
+          </a:r>
+          <a:endParaRPr lang="ru-RU" sz="1200" kern="1200" dirty="0"/>
+        </a:p>
+      </dsp:txBody>
+      <dsp:txXfrm>
+        <a:off x="7338874" y="2897720"/>
+        <a:ext cx="334390" cy="1281081"/>
+      </dsp:txXfrm>
+    </dsp:sp>
+    <dsp:sp modelId="{33BE21C3-5489-45CA-8330-D1F9D9C1E1BE}">
+      <dsp:nvSpPr>
+        <dsp:cNvPr id="0" name=""/>
+        <dsp:cNvSpPr/>
+      </dsp:nvSpPr>
+      <dsp:spPr>
+        <a:xfrm>
+          <a:off x="7698585" y="2887317"/>
+          <a:ext cx="355196" cy="1301887"/>
+        </a:xfrm>
+        <a:prstGeom prst="roundRect">
+          <a:avLst>
+            <a:gd name="adj" fmla="val 10000"/>
+          </a:avLst>
+        </a:prstGeom>
+        <a:solidFill>
+          <a:schemeClr val="accent1">
+            <a:hueOff val="0"/>
+            <a:satOff val="0"/>
+            <a:lumOff val="0"/>
+            <a:alphaOff val="0"/>
+          </a:schemeClr>
+        </a:solidFill>
+        <a:ln>
+          <a:noFill/>
+        </a:ln>
+        <a:effectLst>
+          <a:outerShdw blurRad="40000" dist="20000" dir="5400000" rotWithShape="0">
+            <a:srgbClr val="000000">
+              <a:alpha val="38000"/>
+            </a:srgbClr>
+          </a:outerShdw>
+        </a:effectLst>
+        <a:scene3d>
+          <a:camera prst="orthographicFront">
+            <a:rot lat="0" lon="0" rev="0"/>
+          </a:camera>
+          <a:lightRig rig="contrasting" dir="t">
+            <a:rot lat="0" lon="0" rev="1200000"/>
+          </a:lightRig>
+        </a:scene3d>
+        <a:sp3d contourW="19050" prstMaterial="metal">
+          <a:bevelT w="88900" h="203200"/>
+          <a:bevelB w="165100" h="254000"/>
+        </a:sp3d>
+      </dsp:spPr>
+      <dsp:style>
+        <a:lnRef idx="0">
+          <a:scrgbClr r="0" g="0" b="0"/>
+        </a:lnRef>
+        <a:fillRef idx="1">
+          <a:scrgbClr r="0" g="0" b="0"/>
+        </a:fillRef>
+        <a:effectRef idx="1">
+          <a:scrgbClr r="0" g="0" b="0"/>
+        </a:effectRef>
+        <a:fontRef idx="minor">
+          <a:schemeClr val="lt1"/>
+        </a:fontRef>
+      </dsp:style>
+      <dsp:txBody>
+        <a:bodyPr spcFirstLastPara="0" vert="vert270" wrap="square" lIns="45720" tIns="45720" rIns="45720" bIns="45720" numCol="1" spcCol="1270" anchor="ctr" anchorCtr="0">
+          <a:noAutofit/>
+        </a:bodyPr>
+        <a:lstStyle/>
+        <a:p>
+          <a:pPr lvl="0" algn="ctr" defTabSz="533400">
+            <a:lnSpc>
+              <a:spcPct val="90000"/>
+            </a:lnSpc>
+            <a:spcBef>
+              <a:spcPct val="0"/>
+            </a:spcBef>
+            <a:spcAft>
+              <a:spcPct val="35000"/>
+            </a:spcAft>
+          </a:pPr>
+          <a:r>
+            <a:rPr lang="en-US" sz="1200" kern="1200" dirty="0" smtClean="0"/>
+            <a:t>Other</a:t>
+          </a:r>
+          <a:endParaRPr lang="ru-RU" sz="1200" kern="1200" dirty="0"/>
+        </a:p>
+      </dsp:txBody>
+      <dsp:txXfrm>
+        <a:off x="7708988" y="2897720"/>
+        <a:ext cx="334390" cy="1281081"/>
+      </dsp:txXfrm>
+    </dsp:sp>
+  </dsp:spTree>
+</dsp:drawing>
+</file>
+
+<file path=ppt/diagrams/layout1.xml><?xml version="1.0" encoding="utf-8"?>
+<dgm:layoutDef xmlns:dgm="http://schemas.openxmlformats.org/drawingml/2006/diagram" xmlns:a="http://schemas.openxmlformats.org/drawingml/2006/main" uniqueId="urn:microsoft.com/office/officeart/2005/8/layout/hierarchy4">
+  <dgm:title val=""/>
+  <dgm:desc val=""/>
+  <dgm:catLst>
+    <dgm:cat type="hierarchy" pri="4000"/>
+    <dgm:cat type="list" pri="24000"/>
+    <dgm:cat type="relationship" pri="10000"/>
+  </dgm:catLst>
+  <dgm:sampData>
+    <dgm:dataModel>
+      <dgm:ptLst>
+        <dgm:pt modelId="0" type="doc"/>
+        <dgm:pt modelId="1">
+          <dgm:prSet phldr="1"/>
+        </dgm:pt>
+        <dgm:pt modelId="2">
+          <dgm:prSet phldr="1"/>
+        </dgm:pt>
+        <dgm:pt modelId="21">
+          <dgm:prSet phldr="1"/>
+        </dgm:pt>
+        <dgm:pt modelId="22">
+          <dgm:prSet phldr="1"/>
+        </dgm:pt>
+        <dgm:pt modelId="3">
+          <dgm:prSet phldr="1"/>
+        </dgm:pt>
+        <dgm:pt modelId="31">
+          <dgm:prSet phldr="1"/>
+        </dgm:pt>
+      </dgm:ptLst>
+      <dgm:cxnLst>
+        <dgm:cxn modelId="4" srcId="0" destId="1" srcOrd="0" destOrd="0"/>
+        <dgm:cxn modelId="5" srcId="1" destId="2" srcOrd="0" destOrd="0"/>
+        <dgm:cxn modelId="6" srcId="1" destId="3" srcOrd="1" destOrd="0"/>
+        <dgm:cxn modelId="23" srcId="2" destId="21" srcOrd="0" destOrd="0"/>
+        <dgm:cxn modelId="24" srcId="2" destId="22" srcOrd="1" destOrd="0"/>
+        <dgm:cxn modelId="33" srcId="3" destId="31" srcOrd="0" destOrd="0"/>
+      </dgm:cxnLst>
+      <dgm:bg/>
+      <dgm:whole/>
+    </dgm:dataModel>
+  </dgm:sampData>
+  <dgm:styleData>
+    <dgm:dataModel>
+      <dgm:ptLst>
+        <dgm:pt modelId="0" type="doc"/>
+        <dgm:pt modelId="1"/>
+        <dgm:pt modelId="11"/>
+        <dgm:pt modelId="12"/>
+      </dgm:ptLst>
+      <dgm:cxnLst>
+        <dgm:cxn modelId="2" srcId="0" destId="1" srcOrd="0" destOrd="0"/>
+        <dgm:cxn modelId="13" srcId="1" destId="11" srcOrd="0" destOrd="0"/>
+        <dgm:cxn modelId="14" srcId="1" destId="12" srcOrd="1" destOrd="0"/>
+      </dgm:cxnLst>
+      <dgm:bg/>
+      <dgm:whole/>
+    </dgm:dataModel>
+  </dgm:styleData>
+  <dgm:clrData>
+    <dgm:dataModel>
+      <dgm:ptLst>
+        <dgm:pt modelId="0" type="doc"/>
+        <dgm:pt modelId="1"/>
+        <dgm:pt modelId="2"/>
+        <dgm:pt modelId="21"/>
+        <dgm:pt modelId="211"/>
+        <dgm:pt modelId="3"/>
+        <dgm:pt modelId="31"/>
+        <dgm:pt modelId="311"/>
+      </dgm:ptLst>
+      <dgm:cxnLst>
+        <dgm:cxn modelId="4" srcId="0" destId="1" srcOrd="0" destOrd="0"/>
+        <dgm:cxn modelId="5" srcId="1" destId="2" srcOrd="0" destOrd="0"/>
+        <dgm:cxn modelId="6" srcId="1" destId="3" srcOrd="1" destOrd="0"/>
+        <dgm:cxn modelId="23" srcId="2" destId="21" srcOrd="0" destOrd="0"/>
+        <dgm:cxn modelId="24" srcId="21" destId="211" srcOrd="0" destOrd="0"/>
+        <dgm:cxn modelId="33" srcId="3" destId="31" srcOrd="0" destOrd="0"/>
+        <dgm:cxn modelId="34" srcId="31" destId="311" srcOrd="0" destOrd="0"/>
+      </dgm:cxnLst>
+      <dgm:bg/>
+      <dgm:whole/>
+    </dgm:dataModel>
+  </dgm:clrData>
+  <dgm:layoutNode name="Name0">
+    <dgm:varLst>
+      <dgm:chPref val="1"/>
+      <dgm:dir/>
+      <dgm:animOne val="branch"/>
+      <dgm:animLvl val="lvl"/>
+      <dgm:resizeHandles/>
+    </dgm:varLst>
+    <dgm:choose name="Name1">
+      <dgm:if name="Name2" func="var" arg="dir" op="equ" val="norm">
+        <dgm:alg type="lin">
+          <dgm:param type="linDir" val="fromL"/>
+          <dgm:param type="nodeVertAlign" val="t"/>
+        </dgm:alg>
+      </dgm:if>
+      <dgm:else name="Name3">
+        <dgm:alg type="lin">
+          <dgm:param type="linDir" val="fromR"/>
+          <dgm:param type="nodeVertAlign" val="t"/>
+        </dgm:alg>
+      </dgm:else>
+    </dgm:choose>
+    <dgm:shape xmlns:r="http://schemas.openxmlformats.org/officeDocument/2006/relationships" r:blip="">
+      <dgm:adjLst/>
+    </dgm:shape>
+    <dgm:presOf/>
+    <dgm:constrLst>
+      <dgm:constr type="w" for="ch" forName="vertOne" refType="w"/>
+      <dgm:constr type="w" for="des" forName="horzOne" refType="w"/>
+      <dgm:constr type="w" for="des" forName="txOne" refType="w"/>
+      <dgm:constr type="w" for="des" forName="vertTwo" refType="w"/>
+      <dgm:constr type="w" for="des" forName="horzTwo" refType="w"/>
+      <dgm:constr type="w" for="des" forName="txTwo" refType="w"/>
+      <dgm:constr type="w" for="des" forName="vertThree" refType="w"/>
+      <dgm:constr type="w" for="des" forName="horzThree" refType="w"/>
+      <dgm:constr type="w" for="des" forName="txThree" refType="w"/>
+      <dgm:constr type="w" for="des" forName="vertFour" refType="w"/>
+      <dgm:constr type="w" for="des" forName="horzFour" refType="w"/>
+      <dgm:constr type="w" for="des" forName="txFour" refType="w"/>
+      <dgm:constr type="h" for="des" ptType="node" op="equ"/>
+      <dgm:constr type="h" for="des" forName="txOne" refType="h"/>
+      <dgm:constr type="userH" for="des" ptType="node" refType="h" refFor="des" refForName="txOne"/>
+      <dgm:constr type="primFontSz" for="des" forName="txOne" val="65"/>
+      <dgm:constr type="primFontSz" for="des" forName="txTwo" val="65"/>
+      <dgm:constr type="primFontSz" for="des" forName="txTwo" refType="primFontSz" refFor="des" refForName="txOne" op="lte"/>
+      <dgm:constr type="primFontSz" for="des" forName="txThree" val="65"/>
+      <dgm:constr type="primFontSz" for="des" forName="txThree" refType="primFontSz" refFor="des" refForName="txOne" op="lte"/>
+      <dgm:constr type="primFontSz" for="des" forName="txThree" refType="primFontSz" refFor="des" refForName="txTwo" op="lte"/>
+      <dgm:constr type="primFontSz" for="des" forName="txFour" val="65"/>
+      <dgm:constr type="primFontSz" for="des" forName="txFour" refType="primFontSz" refFor="des" refForName="txOne" op="lte"/>
+      <dgm:constr type="primFontSz" for="des" forName="txFour" refType="primFontSz" refFor="des" refForName="txTwo" op="lte"/>
+      <dgm:constr type="primFontSz" for="des" forName="txFour" refType="primFontSz" refFor="des" refForName="txThree" op="lte"/>
+      <dgm:constr type="w" for="des" forName="sibSpaceOne" refType="w" fact="0.168"/>
+      <dgm:constr type="w" for="des" forName="sibSpaceTwo" refType="w" refFor="des" refForName="sibSpaceOne" op="equ" fact="0.5"/>
+      <dgm:constr type="w" for="des" forName="sibSpaceThree" refType="w" refFor="des" refForName="sibSpaceTwo" op="equ" fact="0.5"/>
+      <dgm:constr type="w" for="des" forName="sibSpaceFour" refType="w" refFor="des" refForName="sibSpaceThree" op="equ" fact="0.5"/>
+      <dgm:constr type="h" for="des" forName="parTransOne" refType="w" fact="0.056"/>
+      <dgm:constr type="h" for="des" forName="parTransTwo" refType="h" refFor="des" refForName="parTransOne" op="equ"/>
+      <dgm:constr type="h" for="des" forName="parTransThree" refType="h" refFor="des" refForName="parTransTwo" op="equ"/>
+      <dgm:constr type="h" for="des" forName="parTransFour" refType="h" refFor="des" refForName="parTransThree" op="equ"/>
+    </dgm:constrLst>
+    <dgm:ruleLst/>
+    <dgm:forEach name="Name4" axis="ch" ptType="node">
+      <dgm:layoutNode name="vertOne">
+        <dgm:alg type="lin">
+          <dgm:param type="linDir" val="fromT"/>
+        </dgm:alg>
+        <dgm:shape xmlns:r="http://schemas.openxmlformats.org/officeDocument/2006/relationships" r:blip="">
+          <dgm:adjLst/>
+        </dgm:shape>
+        <dgm:presOf/>
+        <dgm:constrLst>
+          <dgm:constr type="w" for="ch" forName="txOne" refType="w" refFor="ch" refForName="horzOne" op="gte"/>
+        </dgm:constrLst>
+        <dgm:ruleLst/>
+        <dgm:layoutNode name="txOne" styleLbl="node0">
+          <dgm:varLst>
+            <dgm:chPref val="3"/>
+          </dgm:varLst>
+          <dgm:alg type="tx"/>
+          <dgm:shape xmlns:r="http://schemas.openxmlformats.org/officeDocument/2006/relationships" type="roundRect" r:blip="">
+            <dgm:adjLst>
+              <dgm:adj idx="1" val="0.1"/>
+            </dgm:adjLst>
+          </dgm:shape>
+          <dgm:presOf axis="self"/>
+          <dgm:constrLst>
+            <dgm:constr type="tMarg" refType="primFontSz" fact="0.3"/>
+            <dgm:constr type="bMarg" refType="primFontSz" fact="0.3"/>
+            <dgm:constr type="lMarg" refType="primFontSz" fact="0.3"/>
+            <dgm:constr type="rMarg" refType="primFontSz" fact="0.3"/>
+          </dgm:constrLst>
+          <dgm:ruleLst>
+            <dgm:rule type="primFontSz" val="5" fact="NaN" max="NaN"/>
+          </dgm:ruleLst>
+        </dgm:layoutNode>
+        <dgm:choose name="Name5">
+          <dgm:if name="Name6" axis="des" ptType="node" func="cnt" op="gt" val="0">
+            <dgm:layoutNode name="parTransOne">
+              <dgm:alg type="sp"/>
+              <dgm:shape xmlns:r="http://schemas.openxmlformats.org/officeDocument/2006/relationships" r:blip="">
+                <dgm:adjLst/>
+              </dgm:shape>
+              <dgm:presOf/>
+              <dgm:constrLst/>
+              <dgm:ruleLst/>
+            </dgm:layoutNode>
+          </dgm:if>
+          <dgm:else name="Name7"/>
+        </dgm:choose>
+        <dgm:layoutNode name="horzOne">
+          <dgm:choose name="Name8">
+            <dgm:if name="Name9" func="var" arg="dir" op="equ" val="norm">
+              <dgm:alg type="lin">
+                <dgm:param type="linDir" val="fromL"/>
+                <dgm:param type="nodeVertAlign" val="t"/>
+              </dgm:alg>
+            </dgm:if>
+            <dgm:else name="Name10">
+              <dgm:alg type="lin">
+                <dgm:param type="linDir" val="fromR"/>
+                <dgm:param type="nodeVertAlign" val="t"/>
+              </dgm:alg>
+            </dgm:else>
+          </dgm:choose>
+          <dgm:shape xmlns:r="http://schemas.openxmlformats.org/officeDocument/2006/relationships" r:blip="">
+            <dgm:adjLst/>
+          </dgm:shape>
+          <dgm:presOf/>
+          <dgm:constrLst/>
+          <dgm:ruleLst>
+            <dgm:rule type="w" val="INF" fact="NaN" max="NaN"/>
+          </dgm:ruleLst>
+          <dgm:forEach name="Name11" axis="ch" ptType="node">
+            <dgm:layoutNode name="vertTwo">
+              <dgm:alg type="lin">
+                <dgm:param type="linDir" val="fromT"/>
+              </dgm:alg>
+              <dgm:shape xmlns:r="http://schemas.openxmlformats.org/officeDocument/2006/relationships" r:blip="">
+                <dgm:adjLst/>
+              </dgm:shape>
+              <dgm:presOf/>
+              <dgm:constrLst>
+                <dgm:constr type="w" for="ch" forName="txTwo" refType="w" refFor="ch" refForName="horzTwo" op="gte"/>
+              </dgm:constrLst>
+              <dgm:ruleLst/>
+              <dgm:layoutNode name="txTwo">
+                <dgm:varLst>
+                  <dgm:chPref val="3"/>
+                </dgm:varLst>
+                <dgm:alg type="tx"/>
+                <dgm:shape xmlns:r="http://schemas.openxmlformats.org/officeDocument/2006/relationships" type="roundRect" r:blip="">
+                  <dgm:adjLst>
+                    <dgm:adj idx="1" val="0.1"/>
+                  </dgm:adjLst>
+                </dgm:shape>
+                <dgm:presOf axis="self"/>
+                <dgm:constrLst>
+                  <dgm:constr type="userH"/>
+                  <dgm:constr type="h" refType="userH"/>
+                  <dgm:constr type="tMarg" refType="primFontSz" fact="0.3"/>
+                  <dgm:constr type="bMarg" refType="primFontSz" fact="0.3"/>
+                  <dgm:constr type="lMarg" refType="primFontSz" fact="0.3"/>
+                  <dgm:constr type="rMarg" refType="primFontSz" fact="0.3"/>
+                </dgm:constrLst>
+                <dgm:ruleLst>
+                  <dgm:rule type="primFontSz" val="5" fact="NaN" max="NaN"/>
+                </dgm:ruleLst>
+              </dgm:layoutNode>
+              <dgm:choose name="Name12">
+                <dgm:if name="Name13" axis="des" ptType="node" func="cnt" op="gt" val="0">
+                  <dgm:layoutNode name="parTransTwo">
+                    <dgm:alg type="sp"/>
+                    <dgm:shape xmlns:r="http://schemas.openxmlformats.org/officeDocument/2006/relationships" r:blip="">
+                      <dgm:adjLst/>
+                    </dgm:shape>
+                    <dgm:presOf/>
+                    <dgm:constrLst/>
+                    <dgm:ruleLst/>
+                  </dgm:layoutNode>
+                </dgm:if>
+                <dgm:else name="Name14"/>
+              </dgm:choose>
+              <dgm:layoutNode name="horzTwo">
+                <dgm:choose name="Name15">
+                  <dgm:if name="Name16" func="var" arg="dir" op="equ" val="norm">
+                    <dgm:alg type="lin">
+                      <dgm:param type="linDir" val="fromL"/>
+                      <dgm:param type="nodeVertAlign" val="t"/>
+                    </dgm:alg>
+                  </dgm:if>
+                  <dgm:else name="Name17">
+                    <dgm:alg type="lin">
+                      <dgm:param type="linDir" val="fromR"/>
+                      <dgm:param type="nodeVertAlign" val="t"/>
+                    </dgm:alg>
+                  </dgm:else>
+                </dgm:choose>
+                <dgm:shape xmlns:r="http://schemas.openxmlformats.org/officeDocument/2006/relationships" r:blip="">
+                  <dgm:adjLst/>
+                </dgm:shape>
+                <dgm:presOf/>
+                <dgm:constrLst/>
+                <dgm:ruleLst>
+                  <dgm:rule type="w" val="INF" fact="NaN" max="NaN"/>
+                </dgm:ruleLst>
+                <dgm:forEach name="Name18" axis="ch" ptType="node">
+                  <dgm:layoutNode name="vertThree">
+                    <dgm:alg type="lin">
+                      <dgm:param type="linDir" val="fromT"/>
+                    </dgm:alg>
+                    <dgm:shape xmlns:r="http://schemas.openxmlformats.org/officeDocument/2006/relationships" r:blip="">
+                      <dgm:adjLst/>
+                    </dgm:shape>
+                    <dgm:presOf/>
+                    <dgm:constrLst>
+                      <dgm:constr type="w" for="ch" forName="txThree" refType="w" refFor="ch" refForName="horzThree" op="gte"/>
+                    </dgm:constrLst>
+                    <dgm:ruleLst/>
+                    <dgm:layoutNode name="txThree">
+                      <dgm:varLst>
+                        <dgm:chPref val="3"/>
+                      </dgm:varLst>
+                      <dgm:alg type="tx"/>
+                      <dgm:shape xmlns:r="http://schemas.openxmlformats.org/officeDocument/2006/relationships" type="roundRect" r:blip="">
+                        <dgm:adjLst>
+                          <dgm:adj idx="1" val="0.1"/>
+                        </dgm:adjLst>
+                      </dgm:shape>
+                      <dgm:presOf axis="self"/>
+                      <dgm:constrLst>
+                        <dgm:constr type="userH"/>
+                        <dgm:constr type="h" refType="userH"/>
+                        <dgm:constr type="tMarg" refType="primFontSz" fact="0.3"/>
+                        <dgm:constr type="bMarg" refType="primFontSz" fact="0.3"/>
+                        <dgm:constr type="lMarg" refType="primFontSz" fact="0.3"/>
+                        <dgm:constr type="rMarg" refType="primFontSz" fact="0.3"/>
+                      </dgm:constrLst>
+                      <dgm:ruleLst>
+                        <dgm:rule type="primFontSz" val="5" fact="NaN" max="NaN"/>
+                      </dgm:ruleLst>
+                    </dgm:layoutNode>
+                    <dgm:choose name="Name19">
+                      <dgm:if name="Name20" axis="des" ptType="node" func="cnt" op="gt" val="0">
+                        <dgm:layoutNode name="parTransThree">
+                          <dgm:alg type="sp"/>
+                          <dgm:shape xmlns:r="http://schemas.openxmlformats.org/officeDocument/2006/relationships" r:blip="">
+                            <dgm:adjLst/>
+                          </dgm:shape>
+                          <dgm:presOf/>
+                          <dgm:constrLst/>
+                          <dgm:ruleLst/>
+                        </dgm:layoutNode>
+                      </dgm:if>
+                      <dgm:else name="Name21"/>
+                    </dgm:choose>
+                    <dgm:layoutNode name="horzThree">
+                      <dgm:choose name="Name22">
+                        <dgm:if name="Name23" func="var" arg="dir" op="equ" val="norm">
+                          <dgm:alg type="lin">
+                            <dgm:param type="linDir" val="fromL"/>
+                            <dgm:param type="nodeVertAlign" val="t"/>
+                          </dgm:alg>
+                        </dgm:if>
+                        <dgm:else name="Name24">
+                          <dgm:alg type="lin">
+                            <dgm:param type="linDir" val="fromR"/>
+                            <dgm:param type="nodeVertAlign" val="t"/>
+                          </dgm:alg>
+                        </dgm:else>
+                      </dgm:choose>
+                      <dgm:shape xmlns:r="http://schemas.openxmlformats.org/officeDocument/2006/relationships" r:blip="">
+                        <dgm:adjLst/>
+                      </dgm:shape>
+                      <dgm:presOf/>
+                      <dgm:constrLst/>
+                      <dgm:ruleLst>
+                        <dgm:rule type="w" val="INF" fact="NaN" max="NaN"/>
+                      </dgm:ruleLst>
+                      <dgm:forEach name="repeat" axis="ch" ptType="node">
+                        <dgm:layoutNode name="vertFour">
+                          <dgm:varLst>
+                            <dgm:chPref val="3"/>
+                          </dgm:varLst>
+                          <dgm:alg type="lin">
+                            <dgm:param type="linDir" val="fromT"/>
+                          </dgm:alg>
+                          <dgm:shape xmlns:r="http://schemas.openxmlformats.org/officeDocument/2006/relationships" r:blip="">
+                            <dgm:adjLst/>
+                          </dgm:shape>
+                          <dgm:presOf/>
+                          <dgm:constrLst>
+                            <dgm:constr type="w" for="ch" forName="txFour" refType="w" refFor="ch" refForName="horzFour" op="gte"/>
+                          </dgm:constrLst>
+                          <dgm:ruleLst/>
+                          <dgm:layoutNode name="txFour">
+                            <dgm:varLst>
+                              <dgm:chPref val="3"/>
+                            </dgm:varLst>
+                            <dgm:alg type="tx"/>
+                            <dgm:shape xmlns:r="http://schemas.openxmlformats.org/officeDocument/2006/relationships" type="roundRect" r:blip="">
+                              <dgm:adjLst>
+                                <dgm:adj idx="1" val="0.1"/>
+                              </dgm:adjLst>
+                            </dgm:shape>
+                            <dgm:presOf axis="self"/>
+                            <dgm:constrLst>
+                              <dgm:constr type="userH"/>
+                              <dgm:constr type="h" refType="userH"/>
+                              <dgm:constr type="tMarg" refType="primFontSz" fact="0.3"/>
+                              <dgm:constr type="bMarg" refType="primFontSz" fact="0.3"/>
+                              <dgm:constr type="lMarg" refType="primFontSz" fact="0.3"/>
+                              <dgm:constr type="rMarg" refType="primFontSz" fact="0.3"/>
+                            </dgm:constrLst>
+                            <dgm:ruleLst>
+                              <dgm:rule type="primFontSz" val="5" fact="NaN" max="NaN"/>
+                            </dgm:ruleLst>
+                          </dgm:layoutNode>
+                          <dgm:choose name="Name25">
+                            <dgm:if name="Name26" axis="des" ptType="node" func="cnt" op="gt" val="0">
+                              <dgm:layoutNode name="parTransFour">
+                                <dgm:alg type="sp"/>
+                                <dgm:shape xmlns:r="http://schemas.openxmlformats.org/officeDocument/2006/relationships" r:blip="">
+                                  <dgm:adjLst/>
+                                </dgm:shape>
+                                <dgm:presOf/>
+                                <dgm:constrLst/>
+                                <dgm:ruleLst/>
+                              </dgm:layoutNode>
+                            </dgm:if>
+                            <dgm:else name="Name27"/>
+                          </dgm:choose>
+                          <dgm:layoutNode name="horzFour">
+                            <dgm:choose name="Name28">
+                              <dgm:if name="Name29" func="var" arg="dir" op="equ" val="norm">
+                                <dgm:alg type="lin">
+                                  <dgm:param type="linDir" val="fromL"/>
+                                  <dgm:param type="nodeVertAlign" val="t"/>
+                                </dgm:alg>
+                              </dgm:if>
+                              <dgm:else name="Name30">
+                                <dgm:alg type="lin">
+                                  <dgm:param type="linDir" val="fromR"/>
+                                  <dgm:param type="nodeVertAlign" val="t"/>
+                                </dgm:alg>
+                              </dgm:else>
+                            </dgm:choose>
+                            <dgm:shape xmlns:r="http://schemas.openxmlformats.org/officeDocument/2006/relationships" r:blip="">
+                              <dgm:adjLst/>
+                            </dgm:shape>
+                            <dgm:presOf/>
+                            <dgm:constrLst/>
+                            <dgm:ruleLst>
+                              <dgm:rule type="w" val="INF" fact="NaN" max="NaN"/>
+                            </dgm:ruleLst>
+                            <dgm:forEach name="Name31" ref="repeat"/>
+                          </dgm:layoutNode>
+                        </dgm:layoutNode>
+                        <dgm:choose name="Name32">
+                          <dgm:if name="Name33" axis="self" ptType="node" func="revPos" op="gte" val="2">
+                            <dgm:forEach name="Name34" axis="followSib" ptType="sibTrans" cnt="1">
+                              <dgm:layoutNode name="sibSpaceFour">
+                                <dgm:alg type="sp"/>
+                                <dgm:shape xmlns:r="http://schemas.openxmlformats.org/officeDocument/2006/relationships" r:blip="">
+                                  <dgm:adjLst/>
+                                </dgm:shape>
+                                <dgm:presOf/>
+                                <dgm:constrLst/>
+                                <dgm:ruleLst/>
+                              </dgm:layoutNode>
+                            </dgm:forEach>
+                          </dgm:if>
+                          <dgm:else name="Name35"/>
+                        </dgm:choose>
+                      </dgm:forEach>
+                    </dgm:layoutNode>
+                  </dgm:layoutNode>
+                  <dgm:choose name="Name36">
+                    <dgm:if name="Name37" axis="self" ptType="node" func="revPos" op="gte" val="2">
+                      <dgm:forEach name="Name38" axis="followSib" ptType="sibTrans" cnt="1">
+                        <dgm:layoutNode name="sibSpaceThree">
+                          <dgm:alg type="sp"/>
+                          <dgm:shape xmlns:r="http://schemas.openxmlformats.org/officeDocument/2006/relationships" r:blip="">
+                            <dgm:adjLst/>
+                          </dgm:shape>
+                          <dgm:presOf/>
+                          <dgm:constrLst/>
+                          <dgm:ruleLst/>
+                        </dgm:layoutNode>
+                      </dgm:forEach>
+                    </dgm:if>
+                    <dgm:else name="Name39"/>
+                  </dgm:choose>
+                </dgm:forEach>
+              </dgm:layoutNode>
+            </dgm:layoutNode>
+            <dgm:choose name="Name40">
+              <dgm:if name="Name41" axis="self" ptType="node" func="revPos" op="gte" val="2">
+                <dgm:forEach name="Name42" axis="followSib" ptType="sibTrans" cnt="1">
+                  <dgm:layoutNode name="sibSpaceTwo">
+                    <dgm:alg type="sp"/>
+                    <dgm:shape xmlns:r="http://schemas.openxmlformats.org/officeDocument/2006/relationships" r:blip="">
+                      <dgm:adjLst/>
+                    </dgm:shape>
+                    <dgm:presOf/>
+                    <dgm:constrLst/>
+                    <dgm:ruleLst/>
+                  </dgm:layoutNode>
+                </dgm:forEach>
+              </dgm:if>
+              <dgm:else name="Name43"/>
+            </dgm:choose>
+          </dgm:forEach>
+        </dgm:layoutNode>
+      </dgm:layoutNode>
+      <dgm:choose name="Name44">
+        <dgm:if name="Name45" axis="self" ptType="node" func="revPos" op="gte" val="2">
+          <dgm:forEach name="Name46" axis="followSib" ptType="sibTrans" cnt="1">
+            <dgm:layoutNode name="sibSpaceOne">
+              <dgm:alg type="sp"/>
+              <dgm:shape xmlns:r="http://schemas.openxmlformats.org/officeDocument/2006/relationships" r:blip="">
+                <dgm:adjLst/>
+              </dgm:shape>
+              <dgm:presOf/>
+              <dgm:constrLst/>
+              <dgm:ruleLst/>
+            </dgm:layoutNode>
+          </dgm:forEach>
+        </dgm:if>
+        <dgm:else name="Name47"/>
+      </dgm:choose>
+    </dgm:forEach>
+  </dgm:layoutNode>
+</dgm:layoutDef>
+</file>
+
+<file path=ppt/diagrams/quickStyle1.xml><?xml version="1.0" encoding="utf-8"?>
+<dgm:styleDef xmlns:dgm="http://schemas.openxmlformats.org/drawingml/2006/diagram" xmlns:a="http://schemas.openxmlformats.org/drawingml/2006/main" uniqueId="urn:microsoft.com/office/officeart/2005/8/quickstyle/3d3">
+  <dgm:title val=""/>
+  <dgm:desc val=""/>
+  <dgm:catLst>
+    <dgm:cat type="3D" pri="11300"/>
+  </dgm:catLst>
+  <dgm:scene3d>
+    <a:camera prst="orthographicFront"/>
+    <a:lightRig rig="threePt" dir="t"/>
+  </dgm:scene3d>
+  <dgm:styleLbl name="node0">
+    <dgm:scene3d>
+      <a:camera prst="orthographicFront">
+        <a:rot lat="0" lon="0" rev="0"/>
+      </a:camera>
+      <a:lightRig rig="contrasting" dir="t">
+        <a:rot lat="0" lon="0" rev="1200000"/>
+      </a:lightRig>
+    </dgm:scene3d>
+    <dgm:sp3d contourW="19050" prstMaterial="metal">
+      <a:bevelT w="88900" h="203200"/>
+      <a:bevelB w="165100" h="254000"/>
+    </dgm:sp3d>
+    <dgm:txPr/>
+    <dgm:style>
+      <a:lnRef idx="0">
+        <a:scrgbClr r="0" g="0" b="0"/>
+      </a:lnRef>
+      <a:fillRef idx="1">
+        <a:scrgbClr r="0" g="0" b="0"/>
+      </a:fillRef>
+      <a:effectRef idx="1">
+        <a:scrgbClr r="0" g="0" b="0"/>
+      </a:effectRef>
+      <a:fontRef idx="minor">
+        <a:schemeClr val="lt1"/>
+      </a:fontRef>
+    </dgm:style>
+  </dgm:styleLbl>
+  <dgm:styleLbl name="lnNode1">
+    <dgm:scene3d>
+      <a:camera prst="orthographicFront">
+        <a:rot lat="0" lon="0" rev="0"/>
+      </a:camera>
+      <a:lightRig rig="contrasting" dir="t">
+        <a:rot lat="0" lon="0" rev="1200000"/>
+      </a:lightRig>
+    </dgm:scene3d>
+    <dgm:sp3d contourW="19050" prstMaterial="metal">
+      <a:bevelT w="88900" h="203200"/>
+      <a:bevelB w="165100" h="254000"/>
+    </dgm:sp3d>
+    <dgm:txPr/>
+    <dgm:style>
+      <a:lnRef idx="0">
+        <a:scrgbClr r="0" g="0" b="0"/>
+      </a:lnRef>
+      <a:fillRef idx="1">
+        <a:scrgbClr r="0" g="0" b="0"/>
+      </a:fillRef>
+      <a:effectRef idx="1">
+        <a:scrgbClr r="0" g="0" b="0"/>
+      </a:effectRef>
+      <a:fontRef idx="minor">
+        <a:schemeClr val="lt1"/>
+      </a:fontRef>
+    </dgm:style>
+  </dgm:styleLbl>
+  <dgm:styleLbl name="vennNode1">
+    <dgm:scene3d>
+      <a:camera prst="orthographicFront">
+        <a:rot lat="0" lon="0" rev="0"/>
+      </a:camera>
+      <a:lightRig rig="contrasting" dir="t">
+        <a:rot lat="0" lon="0" rev="1200000"/>
+      </a:lightRig>
+    </dgm:scene3d>
+    <dgm:sp3d contourW="12700" prstMaterial="clear">
+      <a:bevelT w="177800" h="254000"/>
+      <a:bevelB w="152400"/>
+    </dgm:sp3d>
+    <dgm:txPr/>
+    <dgm:style>
+      <a:lnRef idx="0">
+        <a:scrgbClr r="0" g="0" b="0"/>
+      </a:lnRef>
+      <a:fillRef idx="1">
+        <a:scrgbClr r="0" g="0" b="0"/>
+      </a:fillRef>
+      <a:effectRef idx="0">
+        <a:scrgbClr r="0" g="0" b="0"/>
+      </a:effectRef>
+      <a:fontRef idx="minor">
+        <a:schemeClr val="tx1"/>
+      </a:fontRef>
+    </dgm:style>
+  </dgm:styleLbl>
+  <dgm:styleLbl name="alignNode1">
+    <dgm:scene3d>
+      <a:camera prst="orthographicFront">
+        <a:rot lat="0" lon="0" rev="0"/>
+      </a:camera>
+      <a:lightRig rig="contrasting" dir="t">
+        <a:rot lat="0" lon="0" rev="1200000"/>
+      </a:lightRig>
+    </dgm:scene3d>
+    <dgm:sp3d contourW="19050" prstMaterial="metal">
+      <a:bevelT w="88900" h="203200"/>
+      <a:bevelB w="165100" h="254000"/>
+    </dgm:sp3d>
+    <dgm:txPr/>
+    <dgm:style>
+      <a:lnRef idx="0">
+        <a:scrgbClr r="0" g="0" b="0"/>
+      </a:lnRef>
+      <a:fillRef idx="1">
+        <a:scrgbClr r="0" g="0" b="0"/>
+      </a:fillRef>
+      <a:effectRef idx="2">
+        <a:scrgbClr r="0" g="0" b="0"/>
+      </a:effectRef>
+      <a:fontRef idx="minor">
+        <a:schemeClr val="lt1"/>
+      </a:fontRef>
+    </dgm:style>
+  </dgm:styleLbl>
+  <dgm:styleLbl name="node1">
+    <dgm:scene3d>
+      <a:camera prst="orthographicFront">
+        <a:rot lat="0" lon="0" rev="0"/>
+      </a:camera>
+      <a:lightRig rig="contrasting" dir="t">
+        <a:rot lat="0" lon="0" rev="1200000"/>
+      </a:lightRig>
+    </dgm:scene3d>
+    <dgm:sp3d contourW="19050" prstMaterial="metal">
+      <a:bevelT w="88900" h="203200"/>
+      <a:bevelB w="165100" h="254000"/>
+    </dgm:sp3d>
+    <dgm:txPr/>
+    <dgm:style>
+      <a:lnRef idx="0">
+        <a:scrgbClr r="0" g="0" b="0"/>
+      </a:lnRef>
+      <a:fillRef idx="1">
+        <a:scrgbClr r="0" g="0" b="0"/>
+      </a:fillRef>
+      <a:effectRef idx="2">
+        <a:scrgbClr r="0" g="0" b="0"/>
+      </a:effectRef>
+      <a:fontRef idx="minor">
+        <a:schemeClr val="lt1"/>
+      </a:fontRef>
+    </dgm:style>
+  </dgm:styleLbl>
+  <dgm:styleLbl name="node2">
+    <dgm:scene3d>
+      <a:camera prst="orthographicFront">
+        <a:rot lat="0" lon="0" rev="0"/>
+      </a:camera>
+      <a:lightRig rig="contrasting" dir="t">
+        <a:rot lat="0" lon="0" rev="1200000"/>
+      </a:lightRig>
+    </dgm:scene3d>
+    <dgm:sp3d contourW="19050" prstMaterial="metal">
+      <a:bevelT w="88900" h="203200"/>
+      <a:bevelB w="165100" h="254000"/>
+    </dgm:sp3d>
+    <dgm:txPr/>
+    <dgm:style>
+      <a:lnRef idx="0">
+        <a:scrgbClr r="0" g="0" b="0"/>
+      </a:lnRef>
+      <a:fillRef idx="1">
+        <a:scrgbClr r="0" g="0" b="0"/>
+      </a:fillRef>
+      <a:effectRef idx="1">
+        <a:scrgbClr r="0" g="0" b="0"/>
+      </a:effectRef>
+      <a:fontRef idx="minor">
+        <a:schemeClr val="lt1"/>
+      </a:fontRef>
+    </dgm:style>
+  </dgm:styleLbl>
+  <dgm:styleLbl name="node3">
+    <dgm:scene3d>
+      <a:camera prst="orthographicFront">
+        <a:rot lat="0" lon="0" rev="0"/>
+      </a:camera>
+      <a:lightRig rig="contrasting" dir="t">
+        <a:rot lat="0" lon="0" rev="1200000"/>
+      </a:lightRig>
+    </dgm:scene3d>
+    <dgm:sp3d contourW="19050" prstMaterial="metal">
+      <a:bevelT w="88900" h="203200"/>
+      <a:bevelB w="165100" h="254000"/>
+    </dgm:sp3d>
+    <dgm:txPr/>
+    <dgm:style>
+      <a:lnRef idx="0">
+        <a:scrgbClr r="0" g="0" b="0"/>
+      </a:lnRef>
+      <a:fillRef idx="1">
+        <a:scrgbClr r="0" g="0" b="0"/>
+      </a:fillRef>
+      <a:effectRef idx="1">
+        <a:scrgbClr r="0" g="0" b="0"/>
+      </a:effectRef>
+      <a:fontRef idx="minor">
+        <a:schemeClr val="lt1"/>
+      </a:fontRef>
+    </dgm:style>
+  </dgm:styleLbl>
+  <dgm:styleLbl name="node4">
+    <dgm:scene3d>
+      <a:camera prst="orthographicFront">
+        <a:rot lat="0" lon="0" rev="0"/>
+      </a:camera>
+      <a:lightRig rig="contrasting" dir="t">
+        <a:rot lat="0" lon="0" rev="1200000"/>
+      </a:lightRig>
+    </dgm:scene3d>
+    <dgm:sp3d contourW="19050" prstMaterial="metal">
+      <a:bevelT w="88900" h="203200"/>
+      <a:bevelB w="165100" h="254000"/>
+    </dgm:sp3d>
+    <dgm:txPr/>
+    <dgm:style>
+      <a:lnRef idx="0">
+        <a:scrgbClr r="0" g="0" b="0"/>
+      </a:lnRef>
+      <a:fillRef idx="1">
+        <a:scrgbClr r="0" g="0" b="0"/>
+      </a:fillRef>
+      <a:effectRef idx="1">
+        <a:scrgbClr r="0" g="0" b="0"/>
+      </a:effectRef>
+      <a:fontRef idx="minor">
+        <a:schemeClr val="lt1"/>
+      </a:fontRef>
+    </dgm:style>
+  </dgm:styleLbl>
+  <dgm:styleLbl name="fgImgPlace1">
+    <dgm:scene3d>
+      <a:camera prst="orthographicFront">
+        <a:rot lat="0" lon="0" rev="0"/>
+      </a:camera>
+      <a:lightRig rig="contrasting" dir="t">
+        <a:rot lat="0" lon="0" rev="1200000"/>
+      </a:lightRig>
+    </dgm:scene3d>
+    <dgm:sp3d z="300000" contourW="19050" prstMaterial="metal">
+      <a:bevelT w="88900" h="203200"/>
+      <a:bevelB w="165100" h="254000"/>
+    </dgm:sp3d>
+    <dgm:txPr/>
+    <dgm:style>
+      <a:lnRef idx="0">
+        <a:scrgbClr r="0" g="0" b="0"/>
+      </a:lnRef>
+      <a:fillRef idx="1">
+        <a:scrgbClr r="0" g="0" b="0"/>
+      </a:fillRef>
+      <a:effectRef idx="1">
+        <a:scrgbClr r="0" g="0" b="0"/>
+      </a:effectRef>
+      <a:fontRef idx="minor"/>
+    </dgm:style>
+  </dgm:styleLbl>
+  <dgm:styleLbl name="alignImgPlace1">
+    <dgm:scene3d>
+      <a:camera prst="orthographicFront">
+        <a:rot lat="0" lon="0" rev="0"/>
+      </a:camera>
+      <a:lightRig rig="contrasting" dir="t">
+        <a:rot lat="0" lon="0" rev="1200000"/>
+      </a:lightRig>
+    </dgm:scene3d>
+    <dgm:sp3d contourW="12700" prstMaterial="flat">
+      <a:bevelT w="177800" h="254000"/>
+      <a:bevelB w="152400"/>
+    </dgm:sp3d>
+    <dgm:txPr/>
+    <dgm:style>
+      <a:lnRef idx="0">
+        <a:scrgbClr r="0" g="0" b="0"/>
+      </a:lnRef>
+      <a:fillRef idx="1">
+        <a:scrgbClr r="0" g="0" b="0"/>
+      </a:fillRef>
+      <a:effectRef idx="1">
+        <a:scrgbClr r="0" g="0" b="0"/>
+      </a:effectRef>
+      <a:fontRef idx="minor"/>
+    </dgm:style>
+  </dgm:styleLbl>
+  <dgm:styleLbl name="bgImgPlace1">
+    <dgm:scene3d>
+      <a:camera prst="orthographicFront">
+        <a:rot lat="0" lon="0" rev="0"/>
+      </a:camera>
+      <a:lightRig rig="contrasting" dir="t">
+        <a:rot lat="0" lon="0" rev="1200000"/>
+      </a:lightRig>
+    </dgm:scene3d>
+    <dgm:sp3d z="-300000" contourW="19050" prstMaterial="metal">
+      <a:bevelT w="88900" h="203200"/>
+      <a:bevelB w="165100" h="254000"/>
+    </dgm:sp3d>
+    <dgm:txPr/>
+    <dgm:style>
+      <a:lnRef idx="0">
+        <a:scrgbClr r="0" g="0" b="0"/>
+      </a:lnRef>
+      <a:fillRef idx="1">
+        <a:scrgbClr r="0" g="0" b="0"/>
+      </a:fillRef>
+      <a:effectRef idx="1">
+        <a:scrgbClr r="0" g="0" b="0"/>
+      </a:effectRef>
+      <a:fontRef idx="minor"/>
+    </dgm:style>
+  </dgm:styleLbl>
+  <dgm:styleLbl name="sibTrans2D1">
+    <dgm:scene3d>
+      <a:camera prst="orthographicFront">
+        <a:rot lat="0" lon="0" rev="0"/>
+      </a:camera>
+      <a:lightRig rig="contrasting" dir="t">
+        <a:rot lat="0" lon="0" rev="1200000"/>
+      </a:lightRig>
+    </dgm:scene3d>
+    <dgm:sp3d z="-182000" contourW="19050" prstMaterial="metal">
+      <a:bevelT w="88900" h="203200"/>
+      <a:bevelB w="165100" h="254000"/>
+    </dgm:sp3d>
+    <dgm:txPr/>
+    <dgm:style>
+      <a:lnRef idx="0">
+        <a:scrgbClr r="0" g="0" b="0"/>
+      </a:lnRef>
+      <a:fillRef idx="1">
+        <a:scrgbClr r="0" g="0" b="0"/>
+      </a:fillRef>
+      <a:effectRef idx="0">
+        <a:scrgbClr r="0" g="0" b="0"/>
+      </a:effectRef>
+      <a:fontRef idx="minor">
+        <a:schemeClr val="lt1"/>
+      </a:fontRef>
+    </dgm:style>
+  </dgm:styleLbl>
+  <dgm:styleLbl name="fgSibTrans2D1">
+    <dgm:scene3d>
+      <a:camera prst="orthographicFront">
+        <a:rot lat="0" lon="0" rev="0"/>
+      </a:camera>
+      <a:lightRig rig="contrasting" dir="t">
+        <a:rot lat="0" lon="0" rev="1200000"/>
+      </a:lightRig>
+    </dgm:scene3d>
+    <dgm:sp3d z="300000" contourW="19050" prstMaterial="metal">
+      <a:bevelT w="88900" h="203200"/>
+      <a:bevelB w="165100" h="254000"/>
+    </dgm:sp3d>
+    <dgm:txPr/>
+    <dgm:style>
+      <a:lnRef idx="0">
+        <a:scrgbClr r="0" g="0" b="0"/>
+      </a:lnRef>
+      <a:fillRef idx="1">
+        <a:scrgbClr r="0" g="0" b="0"/>
+      </a:fillRef>
+      <a:effectRef idx="0">
+        <a:scrgbClr r="0" g="0" b="0"/>
+      </a:effectRef>
+      <a:fontRef idx="minor"/>
+    </dgm:style>
+  </dgm:styleLbl>
+  <dgm:styleLbl name="bgSibTrans2D1">
+    <dgm:scene3d>
+      <a:camera prst="orthographicFront">
+        <a:rot lat="0" lon="0" rev="0"/>
+      </a:camera>
+      <a:lightRig rig="contrasting" dir="t">
+        <a:rot lat="0" lon="0" rev="1200000"/>
+      </a:lightRig>
+    </dgm:scene3d>
+    <dgm:sp3d z="-300000" contourW="19050" prstMaterial="metal">
+      <a:bevelT w="88900" h="203200"/>
+      <a:bevelB w="165100" h="254000"/>
+    </dgm:sp3d>
+    <dgm:txPr/>
+    <dgm:style>
+      <a:lnRef idx="0">
+        <a:scrgbClr r="0" g="0" b="0"/>
+      </a:lnRef>
+      <a:fillRef idx="1">
+        <a:scrgbClr r="0" g="0" b="0"/>
+      </a:fillRef>
+      <a:effectRef idx="0">
+        <a:scrgbClr r="0" g="0" b="0"/>
+      </a:effectRef>
+      <a:fontRef idx="minor"/>
+    </dgm:style>
+  </dgm:styleLbl>
+  <dgm:styleLbl name="sibTrans1D1">
+    <dgm:scene3d>
+      <a:camera prst="orthographicFront">
+        <a:rot lat="0" lon="0" rev="0"/>
+      </a:camera>
+      <a:lightRig rig="contrasting" dir="t">
+        <a:rot lat="0" lon="0" rev="1200000"/>
+      </a:lightRig>
+    </dgm:scene3d>
+    <dgm:sp3d z="-110000"/>
+    <dgm:txPr/>
+    <dgm:style>
+      <a:lnRef idx="1">
+        <a:scrgbClr r="0" g="0" b="0"/>
+      </a:lnRef>
+      <a:fillRef idx="0">
+        <a:scrgbClr r="0" g="0" b="0"/>
+      </a:fillRef>
+      <a:effectRef idx="0">
+        <a:scrgbClr r="0" g="0" b="0"/>
+      </a:effectRef>
+      <a:fontRef idx="minor"/>
+    </dgm:style>
+  </dgm:styleLbl>
+  <dgm:styleLbl name="callout">
+    <dgm:scene3d>
+      <a:camera prst="orthographicFront">
+        <a:rot lat="0" lon="0" rev="0"/>
+      </a:camera>
+      <a:lightRig rig="contrasting" dir="t">
+        <a:rot lat="0" lon="0" rev="1200000"/>
+      </a:lightRig>
+    </dgm:scene3d>
+    <dgm:sp3d z="10000"/>
+    <dgm:txPr/>
+    <dgm:style>
+      <a:lnRef idx="2">
+        <a:scrgbClr r="0" g="0" b="0"/>
+      </a:lnRef>
+      <a:fillRef idx="1">
+        <a:scrgbClr r="0" g="0" b="0"/>
+      </a:fillRef>
+      <a:effectRef idx="0">
+        <a:scrgbClr r="0" g="0" b="0"/>
+      </a:effectRef>
+      <a:fontRef idx="minor"/>
+    </dgm:style>
+  </dgm:styleLbl>
+  <dgm:styleLbl name="asst0">
+    <dgm:scene3d>
+      <a:camera prst="orthographicFront">
+        <a:rot lat="0" lon="0" rev="0"/>
+      </a:camera>
+      <a:lightRig rig="contrasting" dir="t">
+        <a:rot lat="0" lon="0" rev="1200000"/>
+      </a:lightRig>
+    </dgm:scene3d>
+    <dgm:sp3d contourW="19050" prstMaterial="metal">
+      <a:bevelT w="88900" h="203200"/>
+      <a:bevelB w="165100" h="254000"/>
+    </dgm:sp3d>
+    <dgm:txPr/>
+    <dgm:style>
+      <a:lnRef idx="0">
+        <a:scrgbClr r="0" g="0" b="0"/>
+      </a:lnRef>
+      <a:fillRef idx="1">
+        <a:scrgbClr r="0" g="0" b="0"/>
+      </a:fillRef>
+      <a:effectRef idx="1">
+        <a:scrgbClr r="0" g="0" b="0"/>
+      </a:effectRef>
+      <a:fontRef idx="minor">
+        <a:schemeClr val="lt1"/>
+      </a:fontRef>
+    </dgm:style>
+  </dgm:styleLbl>
+  <dgm:styleLbl name="asst1">
+    <dgm:scene3d>
+      <a:camera prst="orthographicFront">
+        <a:rot lat="0" lon="0" rev="0"/>
+      </a:camera>
+      <a:lightRig rig="contrasting" dir="t">
+        <a:rot lat="0" lon="0" rev="1200000"/>
+      </a:lightRig>
+    </dgm:scene3d>
+    <dgm:sp3d contourW="19050" prstMaterial="metal">
+      <a:bevelT w="88900" h="203200"/>
+      <a:bevelB w="165100" h="254000"/>
+    </dgm:sp3d>
+    <dgm:txPr/>
+    <dgm:style>
+      <a:lnRef idx="0">
+        <a:scrgbClr r="0" g="0" b="0"/>
+      </a:lnRef>
+      <a:fillRef idx="1">
+        <a:scrgbClr r="0" g="0" b="0"/>
+      </a:fillRef>
+      <a:effectRef idx="1">
+        <a:scrgbClr r="0" g="0" b="0"/>
+      </a:effectRef>
+      <a:fontRef idx="minor">
+        <a:schemeClr val="lt1"/>
+      </a:fontRef>
+    </dgm:style>
+  </dgm:styleLbl>
+  <dgm:styleLbl name="asst2">
+    <dgm:scene3d>
+      <a:camera prst="orthographicFront">
+        <a:rot lat="0" lon="0" rev="0"/>
+      </a:camera>
+      <a:lightRig rig="contrasting" dir="t">
+        <a:rot lat="0" lon="0" rev="1200000"/>
+      </a:lightRig>
+    </dgm:scene3d>
+    <dgm:sp3d contourW="19050" prstMaterial="metal">
+      <a:bevelT w="88900" h="203200"/>
+      <a:bevelB w="165100" h="254000"/>
+    </dgm:sp3d>
+    <dgm:txPr/>
+    <dgm:style>
+      <a:lnRef idx="0">
+        <a:scrgbClr r="0" g="0" b="0"/>
+      </a:lnRef>
+      <a:fillRef idx="1">
+        <a:scrgbClr r="0" g="0" b="0"/>
+      </a:fillRef>
+      <a:effectRef idx="1">
+        <a:scrgbClr r="0" g="0" b="0"/>
+      </a:effectRef>
+      <a:fontRef idx="minor">
+        <a:schemeClr val="lt1"/>
+      </a:fontRef>
+    </dgm:style>
+  </dgm:styleLbl>
+  <dgm:styleLbl name="asst3">
+    <dgm:scene3d>
+      <a:camera prst="orthographicFront">
+        <a:rot lat="0" lon="0" rev="0"/>
+      </a:camera>
+      <a:lightRig rig="contrasting" dir="t">
+        <a:rot lat="0" lon="0" rev="1200000"/>
+      </a:lightRig>
+    </dgm:scene3d>
+    <dgm:sp3d contourW="19050" prstMaterial="metal">
+      <a:bevelT w="88900" h="203200"/>
+      <a:bevelB w="165100" h="254000"/>
+    </dgm:sp3d>
+    <dgm:txPr/>
+    <dgm:style>
+      <a:lnRef idx="0">
+        <a:scrgbClr r="0" g="0" b="0"/>
+      </a:lnRef>
+      <a:fillRef idx="1">
+        <a:scrgbClr r="0" g="0" b="0"/>
+      </a:fillRef>
+      <a:effectRef idx="1">
+        <a:scrgbClr r="0" g="0" b="0"/>
+      </a:effectRef>
+      <a:fontRef idx="minor">
+        <a:schemeClr val="lt1"/>
+      </a:fontRef>
+    </dgm:style>
+  </dgm:styleLbl>
+  <dgm:styleLbl name="asst4">
+    <dgm:scene3d>
+      <a:camera prst="orthographicFront"/>
+      <a:lightRig rig="threePt" dir="t"/>
+    </dgm:scene3d>
+    <dgm:sp3d contourW="19050" prstMaterial="metal">
+      <a:bevelT w="88900" h="203200"/>
+      <a:bevelB w="165100" h="254000"/>
+    </dgm:sp3d>
+    <dgm:txPr/>
+    <dgm:style>
+      <a:lnRef idx="0">
+        <a:scrgbClr r="0" g="0" b="0"/>
+      </a:lnRef>
+      <a:fillRef idx="1">
+        <a:scrgbClr r="0" g="0" b="0"/>
+      </a:fillRef>
+      <a:effectRef idx="1">
+        <a:scrgbClr r="0" g="0" b="0"/>
+      </a:effectRef>
+      <a:fontRef idx="minor">
+        <a:schemeClr val="lt1"/>
+      </a:fontRef>
+    </dgm:style>
+  </dgm:styleLbl>
+  <dgm:styleLbl name="parChTrans2D1">
+    <dgm:scene3d>
+      <a:camera prst="orthographicFront">
+        <a:rot lat="0" lon="0" rev="0"/>
+      </a:camera>
+      <a:lightRig rig="contrasting" dir="t">
+        <a:rot lat="0" lon="0" rev="1200000"/>
+      </a:lightRig>
+    </dgm:scene3d>
+    <dgm:sp3d contourW="19050" prstMaterial="metal">
+      <a:bevelT w="88900" h="203200"/>
+      <a:bevelB w="165100" h="254000"/>
+    </dgm:sp3d>
+    <dgm:txPr/>
+    <dgm:style>
+      <a:lnRef idx="0">
+        <a:scrgbClr r="0" g="0" b="0"/>
+      </a:lnRef>
+      <a:fillRef idx="1">
+        <a:scrgbClr r="0" g="0" b="0"/>
+      </a:fillRef>
+      <a:effectRef idx="0">
+        <a:scrgbClr r="0" g="0" b="0"/>
+      </a:effectRef>
+      <a:fontRef idx="minor"/>
+    </dgm:style>
+  </dgm:styleLbl>
+  <dgm:styleLbl name="parChTrans2D2">
+    <dgm:scene3d>
+      <a:camera prst="orthographicFront">
+        <a:rot lat="0" lon="0" rev="0"/>
+      </a:camera>
+      <a:lightRig rig="contrasting" dir="t">
+        <a:rot lat="0" lon="0" rev="1200000"/>
+      </a:lightRig>
+    </dgm:scene3d>
+    <dgm:sp3d contourW="19050" prstMaterial="metal">
+      <a:bevelT w="88900" h="203200"/>
+      <a:bevelB w="165100" h="254000"/>
+    </dgm:sp3d>
+    <dgm:txPr/>
+    <dgm:style>
+      <a:lnRef idx="0">
+        <a:scrgbClr r="0" g="0" b="0"/>
+      </a:lnRef>
+      <a:fillRef idx="1">
+        <a:scrgbClr r="0" g="0" b="0"/>
+      </a:fillRef>
+      <a:effectRef idx="0">
+        <a:scrgbClr r="0" g="0" b="0"/>
+      </a:effectRef>
+      <a:fontRef idx="minor"/>
+    </dgm:style>
+  </dgm:styleLbl>
+  <dgm:styleLbl name="parChTrans2D3">
+    <dgm:scene3d>
+      <a:camera prst="orthographicFront">
+        <a:rot lat="0" lon="0" rev="0"/>
+      </a:camera>
+      <a:lightRig rig="contrasting" dir="t">
+        <a:rot lat="0" lon="0" rev="1200000"/>
+      </a:lightRig>
+    </dgm:scene3d>
+    <dgm:sp3d contourW="19050" prstMaterial="metal">
+      <a:bevelT w="88900" h="203200"/>
+      <a:bevelB w="165100" h="254000"/>
+    </dgm:sp3d>
+    <dgm:txPr/>
+    <dgm:style>
+      <a:lnRef idx="0">
+        <a:scrgbClr r="0" g="0" b="0"/>
+      </a:lnRef>
+      <a:fillRef idx="1">
+        <a:scrgbClr r="0" g="0" b="0"/>
+      </a:fillRef>
+      <a:effectRef idx="0">
+        <a:scrgbClr r="0" g="0" b="0"/>
+      </a:effectRef>
+      <a:fontRef idx="minor"/>
+    </dgm:style>
+  </dgm:styleLbl>
+  <dgm:styleLbl name="parChTrans2D4">
+    <dgm:scene3d>
+      <a:camera prst="orthographicFront">
+        <a:rot lat="0" lon="0" rev="0"/>
+      </a:camera>
+      <a:lightRig rig="contrasting" dir="t">
+        <a:rot lat="0" lon="0" rev="1200000"/>
+      </a:lightRig>
+    </dgm:scene3d>
+    <dgm:sp3d contourW="19050" prstMaterial="metal">
+      <a:bevelT w="88900" h="203200"/>
+      <a:bevelB w="165100" h="254000"/>
+    </dgm:sp3d>
+    <dgm:txPr/>
+    <dgm:style>
+      <a:lnRef idx="0">
+        <a:scrgbClr r="0" g="0" b="0"/>
+      </a:lnRef>
+      <a:fillRef idx="1">
+        <a:scrgbClr r="0" g="0" b="0"/>
+      </a:fillRef>
+      <a:effectRef idx="0">
+        <a:scrgbClr r="0" g="0" b="0"/>
+      </a:effectRef>
+      <a:fontRef idx="minor"/>
+    </dgm:style>
+  </dgm:styleLbl>
+  <dgm:styleLbl name="parChTrans1D1">
+    <dgm:scene3d>
+      <a:camera prst="orthographicFront">
+        <a:rot lat="0" lon="0" rev="0"/>
+      </a:camera>
+      <a:lightRig rig="contrasting" dir="t">
+        <a:rot lat="0" lon="0" rev="1200000"/>
+      </a:lightRig>
+    </dgm:scene3d>
+    <dgm:sp3d z="-110000"/>
+    <dgm:txPr/>
+    <dgm:style>
+      <a:lnRef idx="2">
+        <a:scrgbClr r="0" g="0" b="0"/>
+      </a:lnRef>
+      <a:fillRef idx="0">
+        <a:scrgbClr r="0" g="0" b="0"/>
+      </a:fillRef>
+      <a:effectRef idx="0">
+        <a:scrgbClr r="0" g="0" b="0"/>
+      </a:effectRef>
+      <a:fontRef idx="minor"/>
+    </dgm:style>
+  </dgm:styleLbl>
+  <dgm:styleLbl name="parChTrans1D2">
+    <dgm:scene3d>
+      <a:camera prst="orthographicFront">
+        <a:rot lat="0" lon="0" rev="0"/>
+      </a:camera>
+      <a:lightRig rig="contrasting" dir="t">
+        <a:rot lat="0" lon="0" rev="1200000"/>
+      </a:lightRig>
+    </dgm:scene3d>
+    <dgm:sp3d z="-110000"/>
+    <dgm:txPr/>
+    <dgm:style>
+      <a:lnRef idx="2">
+        <a:scrgbClr r="0" g="0" b="0"/>
+      </a:lnRef>
+      <a:fillRef idx="0">
+        <a:scrgbClr r="0" g="0" b="0"/>
+      </a:fillRef>
+      <a:effectRef idx="0">
+        <a:scrgbClr r="0" g="0" b="0"/>
+      </a:effectRef>
+      <a:fontRef idx="minor"/>
+    </dgm:style>
+  </dgm:styleLbl>
+  <dgm:styleLbl name="parChTrans1D3">
+    <dgm:scene3d>
+      <a:camera prst="orthographicFront">
+        <a:rot lat="0" lon="0" rev="0"/>
+      </a:camera>
+      <a:lightRig rig="contrasting" dir="t">
+        <a:rot lat="0" lon="0" rev="1200000"/>
+      </a:lightRig>
+    </dgm:scene3d>
+    <dgm:sp3d z="-110000"/>
+    <dgm:txPr/>
+    <dgm:style>
+      <a:lnRef idx="2">
+        <a:scrgbClr r="0" g="0" b="0"/>
+      </a:lnRef>
+      <a:fillRef idx="0">
+        <a:scrgbClr r="0" g="0" b="0"/>
+      </a:fillRef>
+      <a:effectRef idx="0">
+        <a:scrgbClr r="0" g="0" b="0"/>
+      </a:effectRef>
+      <a:fontRef idx="minor"/>
+    </dgm:style>
+  </dgm:styleLbl>
+  <dgm:styleLbl name="parChTrans1D4">
+    <dgm:scene3d>
+      <a:camera prst="orthographicFront">
+        <a:rot lat="0" lon="0" rev="0"/>
+      </a:camera>
+      <a:lightRig rig="contrasting" dir="t">
+        <a:rot lat="0" lon="0" rev="1200000"/>
+      </a:lightRig>
+    </dgm:scene3d>
+    <dgm:sp3d z="-110000"/>
+    <dgm:txPr/>
+    <dgm:style>
+      <a:lnRef idx="2">
+        <a:scrgbClr r="0" g="0" b="0"/>
+      </a:lnRef>
+      <a:fillRef idx="0">
+        <a:scrgbClr r="0" g="0" b="0"/>
+      </a:fillRef>
+      <a:effectRef idx="0">
+        <a:scrgbClr r="0" g="0" b="0"/>
+      </a:effectRef>
+      <a:fontRef idx="minor"/>
+    </dgm:style>
+  </dgm:styleLbl>
+  <dgm:styleLbl name="fgAcc1">
+    <dgm:scene3d>
+      <a:camera prst="orthographicFront">
+        <a:rot lat="0" lon="0" rev="0"/>
+      </a:camera>
+      <a:lightRig rig="contrasting" dir="t">
+        <a:rot lat="0" lon="0" rev="1200000"/>
+      </a:lightRig>
+    </dgm:scene3d>
+    <dgm:sp3d z="300000" contourW="19050" prstMaterial="metal">
+      <a:bevelT w="88900" h="203200"/>
+      <a:bevelB w="165100" h="254000"/>
+    </dgm:sp3d>
+    <dgm:txPr/>
+    <dgm:style>
+      <a:lnRef idx="0">
+        <a:scrgbClr r="0" g="0" b="0"/>
+      </a:lnRef>
+      <a:fillRef idx="1">
+        <a:scrgbClr r="0" g="0" b="0"/>
+      </a:fillRef>
+      <a:effectRef idx="0">
+        <a:scrgbClr r="0" g="0" b="0"/>
+      </a:effectRef>
+      <a:fontRef idx="minor"/>
+    </dgm:style>
+  </dgm:styleLbl>
+  <dgm:styleLbl name="conFgAcc1">
+    <dgm:scene3d>
+      <a:camera prst="orthographicFront">
+        <a:rot lat="0" lon="0" rev="0"/>
+      </a:camera>
+      <a:lightRig rig="contrasting" dir="t">
+        <a:rot lat="0" lon="0" rev="1200000"/>
+      </a:lightRig>
+    </dgm:scene3d>
+    <dgm:sp3d z="300000" contourW="19050" prstMaterial="metal">
+      <a:bevelT w="88900" h="203200"/>
+      <a:bevelB w="165100" h="254000"/>
+    </dgm:sp3d>
+    <dgm:txPr/>
+    <dgm:style>
+      <a:lnRef idx="0">
+        <a:scrgbClr r="0" g="0" b="0"/>
+      </a:lnRef>
+      <a:fillRef idx="1">
+        <a:scrgbClr r="0" g="0" b="0"/>
+      </a:fillRef>
+      <a:effectRef idx="0">
+        <a:scrgbClr r="0" g="0" b="0"/>
+      </a:effectRef>
+      <a:fontRef idx="minor"/>
+    </dgm:style>
+  </dgm:styleLbl>
+  <dgm:styleLbl name="alignAcc1">
+    <dgm:scene3d>
+      <a:camera prst="orthographicFront">
+        <a:rot lat="0" lon="0" rev="0"/>
+      </a:camera>
+      <a:lightRig rig="contrasting" dir="t">
+        <a:rot lat="0" lon="0" rev="1200000"/>
+      </a:lightRig>
+    </dgm:scene3d>
+    <dgm:sp3d contourW="19050" prstMaterial="metal">
+      <a:bevelT w="88900" h="203200"/>
+      <a:bevelB w="165100" h="254000"/>
+    </dgm:sp3d>
+    <dgm:txPr/>
+    <dgm:style>
+      <a:lnRef idx="0">
+        <a:scrgbClr r="0" g="0" b="0"/>
+      </a:lnRef>
+      <a:fillRef idx="1">
+        <a:scrgbClr r="0" g="0" b="0"/>
+      </a:fillRef>
+      <a:effectRef idx="0">
+        <a:scrgbClr r="0" g="0" b="0"/>
+      </a:effectRef>
+      <a:fontRef idx="minor"/>
+    </dgm:style>
+  </dgm:styleLbl>
+  <dgm:styleLbl name="trAlignAcc1">
+    <dgm:scene3d>
+      <a:camera prst="orthographicFront">
+        <a:rot lat="0" lon="0" rev="0"/>
+      </a:camera>
+      <a:lightRig rig="contrasting" dir="t">
+        <a:rot lat="0" lon="0" rev="1200000"/>
+      </a:lightRig>
+    </dgm:scene3d>
+    <dgm:sp3d contourW="19050" prstMaterial="metal">
+      <a:bevelT w="88900" h="203200"/>
+      <a:bevelB w="165100" h="254000"/>
+    </dgm:sp3d>
+    <dgm:txPr/>
+    <dgm:style>
+      <a:lnRef idx="0">
+        <a:scrgbClr r="0" g="0" b="0"/>
+      </a:lnRef>
+      <a:fillRef idx="1">
+        <a:scrgbClr r="0" g="0" b="0"/>
+      </a:fillRef>
+      <a:effectRef idx="1">
+        <a:scrgbClr r="0" g="0" b="0"/>
+      </a:effectRef>
+      <a:fontRef idx="minor"/>
+    </dgm:style>
+  </dgm:styleLbl>
+  <dgm:styleLbl name="bgAcc1">
+    <dgm:scene3d>
+      <a:camera prst="orthographicFront">
+        <a:rot lat="0" lon="0" rev="0"/>
+      </a:camera>
+      <a:lightRig rig="contrasting" dir="t">
+        <a:rot lat="0" lon="0" rev="1200000"/>
+      </a:lightRig>
+    </dgm:scene3d>
+    <dgm:sp3d z="-300000" contourW="19050" prstMaterial="metal">
+      <a:bevelT w="88900" h="203200"/>
+      <a:bevelB w="165100" h="254000"/>
+    </dgm:sp3d>
+    <dgm:txPr/>
+    <dgm:style>
+      <a:lnRef idx="0">
+        <a:scrgbClr r="0" g="0" b="0"/>
+      </a:lnRef>
+      <a:fillRef idx="1">
+        <a:scrgbClr r="0" g="0" b="0"/>
+      </a:fillRef>
+      <a:effectRef idx="0">
+        <a:scrgbClr r="0" g="0" b="0"/>
+      </a:effectRef>
+      <a:fontRef idx="minor"/>
+    </dgm:style>
+  </dgm:styleLbl>
+  <dgm:styleLbl name="solidFgAcc1">
+    <dgm:scene3d>
+      <a:camera prst="orthographicFront">
+        <a:rot lat="0" lon="0" rev="0"/>
+      </a:camera>
+      <a:lightRig rig="contrasting" dir="t">
+        <a:rot lat="0" lon="0" rev="1200000"/>
+      </a:lightRig>
+    </dgm:scene3d>
+    <dgm:sp3d z="300000" contourW="12700" prstMaterial="flat">
+      <a:bevelT w="177800" h="254000"/>
+      <a:bevelB w="152400"/>
+    </dgm:sp3d>
+    <dgm:txPr/>
+    <dgm:style>
+      <a:lnRef idx="0">
+        <a:scrgbClr r="0" g="0" b="0"/>
+      </a:lnRef>
+      <a:fillRef idx="1">
+        <a:scrgbClr r="0" g="0" b="0"/>
+      </a:fillRef>
+      <a:effectRef idx="0">
+        <a:scrgbClr r="0" g="0" b="0"/>
+      </a:effectRef>
+      <a:fontRef idx="minor"/>
+    </dgm:style>
+  </dgm:styleLbl>
+  <dgm:styleLbl name="solidAlignAcc1">
+    <dgm:scene3d>
+      <a:camera prst="orthographicFront">
+        <a:rot lat="0" lon="0" rev="0"/>
+      </a:camera>
+      <a:lightRig rig="contrasting" dir="t">
+        <a:rot lat="0" lon="0" rev="1200000"/>
+      </a:lightRig>
+    </dgm:scene3d>
+    <dgm:sp3d contourW="19050" prstMaterial="metal">
+      <a:bevelT w="88900" h="203200"/>
+      <a:bevelB w="165100" h="254000"/>
+    </dgm:sp3d>
+    <dgm:txPr/>
+    <dgm:style>
+      <a:lnRef idx="0">
+        <a:scrgbClr r="0" g="0" b="0"/>
+      </a:lnRef>
+      <a:fillRef idx="1">
+        <a:scrgbClr r="0" g="0" b="0"/>
+      </a:fillRef>
+      <a:effectRef idx="0">
+        <a:scrgbClr r="0" g="0" b="0"/>
+      </a:effectRef>
+      <a:fontRef idx="minor"/>
+    </dgm:style>
+  </dgm:styleLbl>
+  <dgm:styleLbl name="solidBgAcc1">
+    <dgm:scene3d>
+      <a:camera prst="orthographicFront">
+        <a:rot lat="0" lon="0" rev="0"/>
+      </a:camera>
+      <a:lightRig rig="contrasting" dir="t">
+        <a:rot lat="0" lon="0" rev="1200000"/>
+      </a:lightRig>
+    </dgm:scene3d>
+    <dgm:sp3d z="-300000" contourW="19050" prstMaterial="metal">
+      <a:bevelT w="88900" h="203200"/>
+      <a:bevelB w="165100" h="254000"/>
+    </dgm:sp3d>
+    <dgm:txPr/>
+    <dgm:style>
+      <a:lnRef idx="0">
+        <a:scrgbClr r="0" g="0" b="0"/>
+      </a:lnRef>
+      <a:fillRef idx="1">
+        <a:scrgbClr r="0" g="0" b="0"/>
+      </a:fillRef>
+      <a:effectRef idx="0">
+        <a:scrgbClr r="0" g="0" b="0"/>
+      </a:effectRef>
+      <a:fontRef idx="minor"/>
+    </dgm:style>
+  </dgm:styleLbl>
+  <dgm:styleLbl name="fgAccFollowNode1">
+    <dgm:scene3d>
+      <a:camera prst="orthographicFront">
+        <a:rot lat="0" lon="0" rev="0"/>
+      </a:camera>
+      <a:lightRig rig="contrasting" dir="t">
+        <a:rot lat="0" lon="0" rev="1200000"/>
+      </a:lightRig>
+    </dgm:scene3d>
+    <dgm:sp3d z="300000" contourW="19050" prstMaterial="metal">
+      <a:bevelT w="88900" h="203200"/>
+      <a:bevelB w="165100" h="254000"/>
+    </dgm:sp3d>
+    <dgm:txPr/>
+    <dgm:style>
+      <a:lnRef idx="0">
+        <a:scrgbClr r="0" g="0" b="0"/>
+      </a:lnRef>
+      <a:fillRef idx="1">
+        <a:scrgbClr r="0" g="0" b="0"/>
+      </a:fillRef>
+      <a:effectRef idx="0">
+        <a:scrgbClr r="0" g="0" b="0"/>
+      </a:effectRef>
+      <a:fontRef idx="minor"/>
+    </dgm:style>
+  </dgm:styleLbl>
+  <dgm:styleLbl name="alignAccFollowNode1">
+    <dgm:scene3d>
+      <a:camera prst="orthographicFront">
+        <a:rot lat="0" lon="0" rev="0"/>
+      </a:camera>
+      <a:lightRig rig="contrasting" dir="t">
+        <a:rot lat="0" lon="0" rev="1200000"/>
+      </a:lightRig>
+    </dgm:scene3d>
+    <dgm:sp3d contourW="19050" prstMaterial="metal">
+      <a:bevelT w="88900" h="203200"/>
+      <a:bevelB w="165100" h="254000"/>
+    </dgm:sp3d>
+    <dgm:txPr/>
+    <dgm:style>
+      <a:lnRef idx="0">
+        <a:scrgbClr r="0" g="0" b="0"/>
+      </a:lnRef>
+      <a:fillRef idx="1">
+        <a:scrgbClr r="0" g="0" b="0"/>
+      </a:fillRef>
+      <a:effectRef idx="0">
+        <a:scrgbClr r="0" g="0" b="0"/>
+      </a:effectRef>
+      <a:fontRef idx="minor"/>
+    </dgm:style>
+  </dgm:styleLbl>
+  <dgm:styleLbl name="bgAccFollowNode1">
+    <dgm:scene3d>
+      <a:camera prst="orthographicFront">
+        <a:rot lat="0" lon="0" rev="0"/>
+      </a:camera>
+      <a:lightRig rig="contrasting" dir="t">
+        <a:rot lat="0" lon="0" rev="1200000"/>
+      </a:lightRig>
+    </dgm:scene3d>
+    <dgm:sp3d z="-300000" contourW="19050" prstMaterial="metal">
+      <a:bevelT w="88900" h="203200"/>
+      <a:bevelB w="165100" h="254000"/>
+    </dgm:sp3d>
+    <dgm:txPr/>
+    <dgm:style>
+      <a:lnRef idx="0">
+        <a:scrgbClr r="0" g="0" b="0"/>
+      </a:lnRef>
+      <a:fillRef idx="1">
+        <a:scrgbClr r="0" g="0" b="0"/>
+      </a:fillRef>
+      <a:effectRef idx="0">
+        <a:scrgbClr r="0" g="0" b="0"/>
+      </a:effectRef>
+      <a:fontRef idx="minor"/>
+    </dgm:style>
+  </dgm:styleLbl>
+  <dgm:styleLbl name="fgAcc0">
+    <dgm:scene3d>
+      <a:camera prst="orthographicFront">
+        <a:rot lat="0" lon="0" rev="0"/>
+      </a:camera>
+      <a:lightRig rig="contrasting" dir="t">
+        <a:rot lat="0" lon="0" rev="1200000"/>
+      </a:lightRig>
+    </dgm:scene3d>
+    <dgm:sp3d z="300000" contourW="19050" prstMaterial="metal">
+      <a:bevelT w="88900" h="203200"/>
+      <a:bevelB w="165100" h="254000"/>
+    </dgm:sp3d>
+    <dgm:txPr/>
+    <dgm:style>
+      <a:lnRef idx="0">
+        <a:scrgbClr r="0" g="0" b="0"/>
+      </a:lnRef>
+      <a:fillRef idx="1">
+        <a:scrgbClr r="0" g="0" b="0"/>
+      </a:fillRef>
+      <a:effectRef idx="0">
+        <a:scrgbClr r="0" g="0" b="0"/>
+      </a:effectRef>
+      <a:fontRef idx="minor"/>
+    </dgm:style>
+  </dgm:styleLbl>
+  <dgm:styleLbl name="fgAcc2">
+    <dgm:scene3d>
+      <a:camera prst="orthographicFront">
+        <a:rot lat="0" lon="0" rev="0"/>
+      </a:camera>
+      <a:lightRig rig="contrasting" dir="t">
+        <a:rot lat="0" lon="0" rev="1200000"/>
+      </a:lightRig>
+    </dgm:scene3d>
+    <dgm:sp3d z="300000" contourW="19050" prstMaterial="metal">
+      <a:bevelT w="88900" h="203200"/>
+      <a:bevelB w="165100" h="254000"/>
+    </dgm:sp3d>
+    <dgm:txPr/>
+    <dgm:style>
+      <a:lnRef idx="0">
+        <a:scrgbClr r="0" g="0" b="0"/>
+      </a:lnRef>
+      <a:fillRef idx="1">
+        <a:scrgbClr r="0" g="0" b="0"/>
+      </a:fillRef>
+      <a:effectRef idx="0">
+        <a:scrgbClr r="0" g="0" b="0"/>
+      </a:effectRef>
+      <a:fontRef idx="minor"/>
+    </dgm:style>
+  </dgm:styleLbl>
+  <dgm:styleLbl name="fgAcc3">
+    <dgm:scene3d>
+      <a:camera prst="orthographicFront">
+        <a:rot lat="0" lon="0" rev="0"/>
+      </a:camera>
+      <a:lightRig rig="contrasting" dir="t">
+        <a:rot lat="0" lon="0" rev="1200000"/>
+      </a:lightRig>
+    </dgm:scene3d>
+    <dgm:sp3d z="300000" contourW="19050" prstMaterial="metal">
+      <a:bevelT w="88900" h="203200"/>
+      <a:bevelB w="165100" h="254000"/>
+    </dgm:sp3d>
+    <dgm:txPr/>
+    <dgm:style>
+      <a:lnRef idx="0">
+        <a:scrgbClr r="0" g="0" b="0"/>
+      </a:lnRef>
+      <a:fillRef idx="1">
+        <a:scrgbClr r="0" g="0" b="0"/>
+      </a:fillRef>
+      <a:effectRef idx="0">
+        <a:scrgbClr r="0" g="0" b="0"/>
+      </a:effectRef>
+      <a:fontRef idx="minor"/>
+    </dgm:style>
+  </dgm:styleLbl>
+  <dgm:styleLbl name="fgAcc4">
+    <dgm:scene3d>
+      <a:camera prst="orthographicFront">
+        <a:rot lat="0" lon="0" rev="0"/>
+      </a:camera>
+      <a:lightRig rig="contrasting" dir="t">
+        <a:rot lat="0" lon="0" rev="1200000"/>
+      </a:lightRig>
+    </dgm:scene3d>
+    <dgm:sp3d z="300000" contourW="19050" prstMaterial="metal">
+      <a:bevelT w="88900" h="203200"/>
+      <a:bevelB w="165100" h="254000"/>
+    </dgm:sp3d>
+    <dgm:txPr/>
+    <dgm:style>
+      <a:lnRef idx="0">
+        <a:scrgbClr r="0" g="0" b="0"/>
+      </a:lnRef>
+      <a:fillRef idx="1">
+        <a:scrgbClr r="0" g="0" b="0"/>
+      </a:fillRef>
+      <a:effectRef idx="0">
+        <a:scrgbClr r="0" g="0" b="0"/>
+      </a:effectRef>
+      <a:fontRef idx="minor"/>
+    </dgm:style>
+  </dgm:styleLbl>
+  <dgm:styleLbl name="bgShp">
+    <dgm:scene3d>
+      <a:camera prst="orthographicFront">
+        <a:rot lat="0" lon="0" rev="0"/>
+      </a:camera>
+      <a:lightRig rig="contrasting" dir="t">
+        <a:rot lat="0" lon="0" rev="1200000"/>
+      </a:lightRig>
+    </dgm:scene3d>
+    <dgm:sp3d z="-300000" prstMaterial="plastic"/>
+    <dgm:txPr/>
+    <dgm:style>
+      <a:lnRef idx="1">
+        <a:scrgbClr r="0" g="0" b="0"/>
+      </a:lnRef>
+      <a:fillRef idx="1">
+        <a:scrgbClr r="0" g="0" b="0"/>
+      </a:fillRef>
+      <a:effectRef idx="0">
+        <a:scrgbClr r="0" g="0" b="0"/>
+      </a:effectRef>
+      <a:fontRef idx="minor"/>
+    </dgm:style>
+  </dgm:styleLbl>
+  <dgm:styleLbl name="dkBgShp">
+    <dgm:scene3d>
+      <a:camera prst="orthographicFront">
+        <a:rot lat="0" lon="0" rev="0"/>
+      </a:camera>
+      <a:lightRig rig="contrasting" dir="t">
+        <a:rot lat="0" lon="0" rev="1200000"/>
+      </a:lightRig>
+    </dgm:scene3d>
+    <dgm:sp3d contourW="12700" prstMaterial="flat">
+      <a:bevelT w="100800" h="154000"/>
+      <a:bevelB w="152400"/>
+    </dgm:sp3d>
+    <dgm:txPr/>
+    <dgm:style>
+      <a:lnRef idx="0">
+        <a:scrgbClr r="0" g="0" b="0"/>
+      </a:lnRef>
+      <a:fillRef idx="1">
+        <a:scrgbClr r="0" g="0" b="0"/>
+      </a:fillRef>
+      <a:effectRef idx="0">
+        <a:scrgbClr r="0" g="0" b="0"/>
+      </a:effectRef>
+      <a:fontRef idx="minor"/>
+    </dgm:style>
+  </dgm:styleLbl>
+  <dgm:styleLbl name="trBgShp">
+    <dgm:scene3d>
+      <a:camera prst="orthographicFront">
+        <a:rot lat="0" lon="0" rev="0"/>
+      </a:camera>
+      <a:lightRig rig="contrasting" dir="t">
+        <a:rot lat="0" lon="0" rev="1200000"/>
+      </a:lightRig>
+    </dgm:scene3d>
+    <dgm:sp3d z="-152400" prstMaterial="matte"/>
+    <dgm:txPr/>
+    <dgm:style>
+      <a:lnRef idx="1">
+        <a:scrgbClr r="0" g="0" b="0"/>
+      </a:lnRef>
+      <a:fillRef idx="1">
+        <a:scrgbClr r="0" g="0" b="0"/>
+      </a:fillRef>
+      <a:effectRef idx="0">
+        <a:scrgbClr r="0" g="0" b="0"/>
+      </a:effectRef>
+      <a:fontRef idx="minor"/>
+    </dgm:style>
+  </dgm:styleLbl>
+  <dgm:styleLbl name="fgShp">
+    <dgm:scene3d>
+      <a:camera prst="orthographicFront">
+        <a:rot lat="0" lon="0" rev="0"/>
+      </a:camera>
+      <a:lightRig rig="contrasting" dir="t">
+        <a:rot lat="0" lon="0" rev="1200000"/>
+      </a:lightRig>
+    </dgm:scene3d>
+    <dgm:sp3d z="300000" contourW="19050" prstMaterial="metal">
+      <a:bevelT w="88900" h="203200"/>
+      <a:bevelB w="165100" h="254000"/>
+    </dgm:sp3d>
+    <dgm:txPr/>
+    <dgm:style>
+      <a:lnRef idx="0">
+        <a:scrgbClr r="0" g="0" b="0"/>
+      </a:lnRef>
+      <a:fillRef idx="1">
+        <a:scrgbClr r="0" g="0" b="0"/>
+      </a:fillRef>
+      <a:effectRef idx="0">
+        <a:scrgbClr r="0" g="0" b="0"/>
+      </a:effectRef>
+      <a:fontRef idx="minor"/>
+    </dgm:style>
+  </dgm:styleLbl>
+  <dgm:styleLbl name="revTx">
+    <dgm:scene3d>
+      <a:camera prst="orthographicFront"/>
+      <a:lightRig rig="threePt" dir="t"/>
+    </dgm:scene3d>
+    <dgm:sp3d/>
+    <dgm:txPr/>
+    <dgm:style>
+      <a:lnRef idx="1">
+        <a:scrgbClr r="0" g="0" b="0"/>
+      </a:lnRef>
+      <a:fillRef idx="0">
+        <a:scrgbClr r="0" g="0" b="0"/>
+      </a:fillRef>
+      <a:effectRef idx="0">
+        <a:scrgbClr r="0" g="0" b="0"/>
+      </a:effectRef>
+      <a:fontRef idx="minor"/>
+    </dgm:style>
+  </dgm:styleLbl>
+</dgm:styleDef>
+</file>
+
 <file path=ppt/slideLayouts/slideLayout1.xml><?xml version="1.0" encoding="utf-8"?>
 <p:sldLayout xmlns:a="http://schemas.openxmlformats.org/drawingml/2006/main" xmlns:r="http://schemas.openxmlformats.org/officeDocument/2006/relationships" xmlns:p="http://schemas.openxmlformats.org/presentationml/2006/main" type="title" preserve="1">
   <p:cSld name="Title Slide">
@@ -296,7 +5936,7 @@
             <a:fld id="{323832F1-9D64-4FED-BF15-F6ACED65FB22}" type="datetimeFigureOut">
               <a:rPr lang="en-US" smtClean="0"/>
               <a:pPr/>
-              <a:t>3/11/2012</a:t>
+              <a:t>8/12/2015</a:t>
             </a:fld>
             <a:endParaRPr lang="en-US"/>
           </a:p>
@@ -463,7 +6103,7 @@
             <a:fld id="{323832F1-9D64-4FED-BF15-F6ACED65FB22}" type="datetimeFigureOut">
               <a:rPr lang="en-US" smtClean="0"/>
               <a:pPr/>
-              <a:t>3/11/2012</a:t>
+              <a:t>8/12/2015</a:t>
             </a:fld>
             <a:endParaRPr lang="en-US"/>
           </a:p>
@@ -640,7 +6280,7 @@
             <a:fld id="{323832F1-9D64-4FED-BF15-F6ACED65FB22}" type="datetimeFigureOut">
               <a:rPr lang="en-US" smtClean="0"/>
               <a:pPr/>
-              <a:t>3/11/2012</a:t>
+              <a:t>8/12/2015</a:t>
             </a:fld>
             <a:endParaRPr lang="en-US"/>
           </a:p>
@@ -807,7 +6447,7 @@
             <a:fld id="{323832F1-9D64-4FED-BF15-F6ACED65FB22}" type="datetimeFigureOut">
               <a:rPr lang="en-US" smtClean="0"/>
               <a:pPr/>
-              <a:t>3/11/2012</a:t>
+              <a:t>8/12/2015</a:t>
             </a:fld>
             <a:endParaRPr lang="en-US"/>
           </a:p>
@@ -1050,7 +6690,7 @@
             <a:fld id="{323832F1-9D64-4FED-BF15-F6ACED65FB22}" type="datetimeFigureOut">
               <a:rPr lang="en-US" smtClean="0"/>
               <a:pPr/>
-              <a:t>3/11/2012</a:t>
+              <a:t>8/12/2015</a:t>
             </a:fld>
             <a:endParaRPr lang="en-US"/>
           </a:p>
@@ -1335,7 +6975,7 @@
             <a:fld id="{323832F1-9D64-4FED-BF15-F6ACED65FB22}" type="datetimeFigureOut">
               <a:rPr lang="en-US" smtClean="0"/>
               <a:pPr/>
-              <a:t>3/11/2012</a:t>
+              <a:t>8/12/2015</a:t>
             </a:fld>
             <a:endParaRPr lang="en-US"/>
           </a:p>
@@ -1754,7 +7394,7 @@
             <a:fld id="{323832F1-9D64-4FED-BF15-F6ACED65FB22}" type="datetimeFigureOut">
               <a:rPr lang="en-US" smtClean="0"/>
               <a:pPr/>
-              <a:t>3/11/2012</a:t>
+              <a:t>8/12/2015</a:t>
             </a:fld>
             <a:endParaRPr lang="en-US"/>
           </a:p>
@@ -1869,7 +7509,7 @@
             <a:fld id="{323832F1-9D64-4FED-BF15-F6ACED65FB22}" type="datetimeFigureOut">
               <a:rPr lang="en-US" smtClean="0"/>
               <a:pPr/>
-              <a:t>3/11/2012</a:t>
+              <a:t>8/12/2015</a:t>
             </a:fld>
             <a:endParaRPr lang="en-US"/>
           </a:p>
@@ -1961,7 +7601,7 @@
             <a:fld id="{323832F1-9D64-4FED-BF15-F6ACED65FB22}" type="datetimeFigureOut">
               <a:rPr lang="en-US" smtClean="0"/>
               <a:pPr/>
-              <a:t>3/11/2012</a:t>
+              <a:t>8/12/2015</a:t>
             </a:fld>
             <a:endParaRPr lang="en-US"/>
           </a:p>
@@ -2235,7 +7875,7 @@
             <a:fld id="{323832F1-9D64-4FED-BF15-F6ACED65FB22}" type="datetimeFigureOut">
               <a:rPr lang="en-US" smtClean="0"/>
               <a:pPr/>
-              <a:t>3/11/2012</a:t>
+              <a:t>8/12/2015</a:t>
             </a:fld>
             <a:endParaRPr lang="en-US"/>
           </a:p>
@@ -2485,7 +8125,7 @@
             <a:fld id="{323832F1-9D64-4FED-BF15-F6ACED65FB22}" type="datetimeFigureOut">
               <a:rPr lang="en-US" smtClean="0"/>
               <a:pPr/>
-              <a:t>3/11/2012</a:t>
+              <a:t>8/12/2015</a:t>
             </a:fld>
             <a:endParaRPr lang="en-US"/>
           </a:p>
@@ -2695,7 +8335,7 @@
             <a:fld id="{323832F1-9D64-4FED-BF15-F6ACED65FB22}" type="datetimeFigureOut">
               <a:rPr lang="en-US" smtClean="0"/>
               <a:pPr/>
-              <a:t>3/11/2012</a:t>
+              <a:t>8/12/2015</a:t>
             </a:fld>
             <a:endParaRPr lang="en-US"/>
           </a:p>
@@ -8696,6 +14336,65 @@
     <p:extLst>
       <p:ext uri="{BB962C8B-B14F-4D97-AF65-F5344CB8AC3E}">
         <p14:creationId xmlns:p14="http://schemas.microsoft.com/office/powerpoint/2010/main" val="1066308449"/>
+      </p:ext>
+    </p:extLst>
+  </p:cSld>
+  <p:clrMapOvr>
+    <a:masterClrMapping/>
+  </p:clrMapOvr>
+  <p:timing>
+    <p:tnLst>
+      <p:par>
+        <p:cTn id="1" dur="indefinite" restart="never" nodeType="tmRoot"/>
+      </p:par>
+    </p:tnLst>
+  </p:timing>
+</p:sld>
+</file>
+
+<file path=ppt/slides/slide9.xml><?xml version="1.0" encoding="utf-8"?>
+<p:sld xmlns:a="http://schemas.openxmlformats.org/drawingml/2006/main" xmlns:r="http://schemas.openxmlformats.org/officeDocument/2006/relationships" xmlns:p="http://schemas.openxmlformats.org/presentationml/2006/main">
+  <p:cSld>
+    <p:spTree>
+      <p:nvGrpSpPr>
+        <p:cNvPr id="1" name=""/>
+        <p:cNvGrpSpPr/>
+        <p:nvPr/>
+      </p:nvGrpSpPr>
+      <p:grpSpPr>
+        <a:xfrm>
+          <a:off x="0" y="0"/>
+          <a:ext cx="0" cy="0"/>
+          <a:chOff x="0" y="0"/>
+          <a:chExt cx="0" cy="0"/>
+        </a:xfrm>
+      </p:grpSpPr>
+      <p:graphicFrame>
+        <p:nvGraphicFramePr>
+          <p:cNvPr id="3" name="Схема 2"/>
+          <p:cNvGraphicFramePr/>
+          <p:nvPr>
+            <p:extLst>
+              <p:ext uri="{D42A27DB-BD31-4B8C-83A1-F6EECF244321}">
+                <p14:modId xmlns:p14="http://schemas.microsoft.com/office/powerpoint/2010/main" val="1602138082"/>
+              </p:ext>
+            </p:extLst>
+          </p:nvPr>
+        </p:nvGraphicFramePr>
+        <p:xfrm>
+          <a:off x="611560" y="1268760"/>
+          <a:ext cx="8064896" cy="4192240"/>
+        </p:xfrm>
+        <a:graphic>
+          <a:graphicData uri="http://schemas.openxmlformats.org/drawingml/2006/diagram">
+            <dgm:relIds xmlns:dgm="http://schemas.openxmlformats.org/drawingml/2006/diagram" xmlns:r="http://schemas.openxmlformats.org/officeDocument/2006/relationships" r:dm="rId2" r:lo="rId3" r:qs="rId4" r:cs="rId5"/>
+          </a:graphicData>
+        </a:graphic>
+      </p:graphicFrame>
+    </p:spTree>
+    <p:extLst>
+      <p:ext uri="{BB962C8B-B14F-4D97-AF65-F5344CB8AC3E}">
+        <p14:creationId xmlns:p14="http://schemas.microsoft.com/office/powerpoint/2010/main" val="2677997710"/>
       </p:ext>
     </p:extLst>
   </p:cSld>

--- a/Documentation/Ecng.Trading.pptx
+++ b/Documentation/Ecng.Trading.pptx
@@ -14,6 +14,7 @@
     <p:sldId id="262" r:id="rId8"/>
     <p:sldId id="263" r:id="rId9"/>
     <p:sldId id="264" r:id="rId10"/>
+    <p:sldId id="265" r:id="rId11"/>
   </p:sldIdLst>
   <p:sldSz cx="9144000" cy="6858000" type="screen4x3"/>
   <p:notesSz cx="6858000" cy="9144000"/>
@@ -112,6 +113,22 @@
       </a:defRPr>
     </a:lvl9pPr>
   </p:defaultTextStyle>
+  <p:extLst>
+    <p:ext uri="{EFAFB233-063F-42B5-8137-9DF3F51BA10A}">
+      <p15:sldGuideLst xmlns:p15="http://schemas.microsoft.com/office/powerpoint/2012/main">
+        <p15:guide id="1" orient="horz" pos="2160">
+          <p15:clr>
+            <a:srgbClr val="A4A3A4"/>
+          </p15:clr>
+        </p15:guide>
+        <p15:guide id="2" pos="2880">
+          <p15:clr>
+            <a:srgbClr val="A4A3A4"/>
+          </p15:clr>
+        </p15:guide>
+      </p15:sldGuideLst>
+    </p:ext>
+  </p:extLst>
 </p:presentation>
 </file>
 
@@ -1590,6 +1607,13 @@
         </dgm:presLayoutVars>
       </dgm:prSet>
       <dgm:spPr/>
+      <dgm:t>
+        <a:bodyPr/>
+        <a:lstStyle/>
+        <a:p>
+          <a:endParaRPr lang="en-US"/>
+        </a:p>
+      </dgm:t>
     </dgm:pt>
     <dgm:pt modelId="{41181D1B-2C56-44DE-B79A-7ADF3FD6011B}" type="pres">
       <dgm:prSet presAssocID="{87551E00-F112-4588-9D34-5F331373A439}" presName="vertOne" presStyleCnt="0"/>
@@ -1629,6 +1653,13 @@
         </dgm:presLayoutVars>
       </dgm:prSet>
       <dgm:spPr/>
+      <dgm:t>
+        <a:bodyPr/>
+        <a:lstStyle/>
+        <a:p>
+          <a:endParaRPr lang="en-US"/>
+        </a:p>
+      </dgm:t>
     </dgm:pt>
     <dgm:pt modelId="{0BAC6A71-E0B8-488F-890F-FE9D803728D6}" type="pres">
       <dgm:prSet presAssocID="{BF773FE7-E7A5-45F9-8E6C-62749678FEF5}" presName="horzTwo" presStyleCnt="0"/>
@@ -1649,6 +1680,13 @@
         </dgm:presLayoutVars>
       </dgm:prSet>
       <dgm:spPr/>
+      <dgm:t>
+        <a:bodyPr/>
+        <a:lstStyle/>
+        <a:p>
+          <a:endParaRPr lang="en-US"/>
+        </a:p>
+      </dgm:t>
     </dgm:pt>
     <dgm:pt modelId="{5566BE28-0A8B-4261-B446-9C6751394B02}" type="pres">
       <dgm:prSet presAssocID="{275C754B-CBCD-49A7-9408-AF9511CCB245}" presName="parTransTwo" presStyleCnt="0"/>
@@ -1831,6 +1869,13 @@
         </dgm:presLayoutVars>
       </dgm:prSet>
       <dgm:spPr/>
+      <dgm:t>
+        <a:bodyPr/>
+        <a:lstStyle/>
+        <a:p>
+          <a:endParaRPr lang="en-US"/>
+        </a:p>
+      </dgm:t>
     </dgm:pt>
     <dgm:pt modelId="{1C306BE2-CD69-4F93-B4CE-DF77B7BC2BB2}" type="pres">
       <dgm:prSet presAssocID="{4541B1E3-4382-4655-95AE-E164B7B3CBC9}" presName="horzTwo" presStyleCnt="0"/>
@@ -1851,6 +1896,13 @@
         </dgm:presLayoutVars>
       </dgm:prSet>
       <dgm:spPr/>
+      <dgm:t>
+        <a:bodyPr/>
+        <a:lstStyle/>
+        <a:p>
+          <a:endParaRPr lang="en-US"/>
+        </a:p>
+      </dgm:t>
     </dgm:pt>
     <dgm:pt modelId="{77A3F2B9-E58B-49AF-98C7-76D0E84AF98F}" type="pres">
       <dgm:prSet presAssocID="{06FE9DB2-851F-4E22-904D-E4B74A2A06C5}" presName="horzTwo" presStyleCnt="0"/>
@@ -9231,6 +9283,685 @@
 </p:sld>
 </file>
 
+<file path=ppt/slides/slide10.xml><?xml version="1.0" encoding="utf-8"?>
+<p:sld xmlns:a="http://schemas.openxmlformats.org/drawingml/2006/main" xmlns:r="http://schemas.openxmlformats.org/officeDocument/2006/relationships" xmlns:p="http://schemas.openxmlformats.org/presentationml/2006/main">
+  <p:cSld>
+    <p:spTree>
+      <p:nvGrpSpPr>
+        <p:cNvPr id="1" name=""/>
+        <p:cNvGrpSpPr/>
+        <p:nvPr/>
+      </p:nvGrpSpPr>
+      <p:grpSpPr>
+        <a:xfrm>
+          <a:off x="0" y="0"/>
+          <a:ext cx="0" cy="0"/>
+          <a:chOff x="0" y="0"/>
+          <a:chExt cx="0" cy="0"/>
+        </a:xfrm>
+      </p:grpSpPr>
+      <p:grpSp>
+        <p:nvGrpSpPr>
+          <p:cNvPr id="4" name="Group 3"/>
+          <p:cNvGrpSpPr/>
+          <p:nvPr/>
+        </p:nvGrpSpPr>
+        <p:grpSpPr>
+          <a:xfrm>
+            <a:off x="611560" y="470929"/>
+            <a:ext cx="8058399" cy="1301887"/>
+            <a:chOff x="3248" y="3035"/>
+            <a:chExt cx="8058399" cy="1301887"/>
+          </a:xfrm>
+          <a:scene3d>
+            <a:camera prst="orthographicFront">
+              <a:rot lat="0" lon="0" rev="0"/>
+            </a:camera>
+            <a:lightRig rig="contrasting" dir="t">
+              <a:rot lat="0" lon="0" rev="1200000"/>
+            </a:lightRig>
+          </a:scene3d>
+        </p:grpSpPr>
+        <p:sp>
+          <p:nvSpPr>
+            <p:cNvPr id="5" name="Rounded Rectangle 4"/>
+            <p:cNvSpPr/>
+            <p:nvPr/>
+          </p:nvSpPr>
+          <p:spPr>
+            <a:xfrm>
+              <a:off x="3248" y="3035"/>
+              <a:ext cx="8058399" cy="1301887"/>
+            </a:xfrm>
+            <a:prstGeom prst="roundRect">
+              <a:avLst>
+                <a:gd name="adj" fmla="val 10000"/>
+              </a:avLst>
+            </a:prstGeom>
+            <a:sp3d contourW="19050" prstMaterial="metal">
+              <a:bevelT w="88900" h="203200"/>
+              <a:bevelB w="165100" h="254000"/>
+            </a:sp3d>
+          </p:spPr>
+          <p:style>
+            <a:lnRef idx="0">
+              <a:schemeClr val="lt1">
+                <a:hueOff val="0"/>
+                <a:satOff val="0"/>
+                <a:lumOff val="0"/>
+                <a:alphaOff val="0"/>
+              </a:schemeClr>
+            </a:lnRef>
+            <a:fillRef idx="1">
+              <a:schemeClr val="accent1">
+                <a:hueOff val="0"/>
+                <a:satOff val="0"/>
+                <a:lumOff val="0"/>
+                <a:alphaOff val="0"/>
+              </a:schemeClr>
+            </a:fillRef>
+            <a:effectRef idx="1">
+              <a:schemeClr val="accent1">
+                <a:hueOff val="0"/>
+                <a:satOff val="0"/>
+                <a:lumOff val="0"/>
+                <a:alphaOff val="0"/>
+              </a:schemeClr>
+            </a:effectRef>
+            <a:fontRef idx="minor">
+              <a:schemeClr val="lt1"/>
+            </a:fontRef>
+          </p:style>
+        </p:sp>
+        <p:sp>
+          <p:nvSpPr>
+            <p:cNvPr id="6" name="Rounded Rectangle 4"/>
+            <p:cNvSpPr/>
+            <p:nvPr/>
+          </p:nvSpPr>
+          <p:spPr>
+            <a:xfrm>
+              <a:off x="41379" y="41166"/>
+              <a:ext cx="7982137" cy="1225625"/>
+            </a:xfrm>
+            <a:prstGeom prst="rect">
+              <a:avLst/>
+            </a:prstGeom>
+            <a:sp3d/>
+          </p:spPr>
+          <p:style>
+            <a:lnRef idx="0">
+              <a:scrgbClr r="0" g="0" b="0"/>
+            </a:lnRef>
+            <a:fillRef idx="0">
+              <a:scrgbClr r="0" g="0" b="0"/>
+            </a:fillRef>
+            <a:effectRef idx="0">
+              <a:scrgbClr r="0" g="0" b="0"/>
+            </a:effectRef>
+            <a:fontRef idx="minor">
+              <a:schemeClr val="lt1"/>
+            </a:fontRef>
+          </p:style>
+          <p:txBody>
+            <a:bodyPr spcFirstLastPara="0" vert="horz" wrap="square" lIns="213360" tIns="213360" rIns="213360" bIns="213360" numCol="1" spcCol="1270" anchor="ctr" anchorCtr="0">
+              <a:noAutofit/>
+            </a:bodyPr>
+            <a:lstStyle/>
+            <a:p>
+              <a:pPr lvl="0" algn="ctr" defTabSz="2489200">
+                <a:lnSpc>
+                  <a:spcPct val="90000"/>
+                </a:lnSpc>
+                <a:spcBef>
+                  <a:spcPct val="0"/>
+                </a:spcBef>
+                <a:spcAft>
+                  <a:spcPct val="35000"/>
+                </a:spcAft>
+              </a:pPr>
+              <a:r>
+                <a:rPr lang="en-US" sz="5600" kern="1200" dirty="0" smtClean="0"/>
+                <a:t>S#.API</a:t>
+              </a:r>
+              <a:endParaRPr lang="ru-RU" sz="5600" kern="1200" dirty="0"/>
+            </a:p>
+          </p:txBody>
+        </p:sp>
+      </p:grpSp>
+      <p:grpSp>
+        <p:nvGrpSpPr>
+          <p:cNvPr id="7" name="Group 6"/>
+          <p:cNvGrpSpPr/>
+          <p:nvPr/>
+        </p:nvGrpSpPr>
+        <p:grpSpPr>
+          <a:xfrm>
+            <a:off x="619949" y="1844823"/>
+            <a:ext cx="1935828" cy="1301887"/>
+            <a:chOff x="1245588" y="1445176"/>
+            <a:chExt cx="2205769" cy="1301887"/>
+          </a:xfrm>
+          <a:scene3d>
+            <a:camera prst="orthographicFront">
+              <a:rot lat="0" lon="0" rev="0"/>
+            </a:camera>
+            <a:lightRig rig="contrasting" dir="t">
+              <a:rot lat="0" lon="0" rev="1200000"/>
+            </a:lightRig>
+          </a:scene3d>
+        </p:grpSpPr>
+        <p:sp>
+          <p:nvSpPr>
+            <p:cNvPr id="8" name="Rounded Rectangle 7"/>
+            <p:cNvSpPr/>
+            <p:nvPr/>
+          </p:nvSpPr>
+          <p:spPr>
+            <a:xfrm>
+              <a:off x="1245588" y="1445176"/>
+              <a:ext cx="2205769" cy="1301887"/>
+            </a:xfrm>
+            <a:prstGeom prst="roundRect">
+              <a:avLst>
+                <a:gd name="adj" fmla="val 10000"/>
+              </a:avLst>
+            </a:prstGeom>
+            <a:sp3d contourW="19050" prstMaterial="metal">
+              <a:bevelT w="88900" h="203200"/>
+              <a:bevelB w="165100" h="254000"/>
+            </a:sp3d>
+          </p:spPr>
+          <p:style>
+            <a:lnRef idx="0">
+              <a:schemeClr val="lt1">
+                <a:hueOff val="0"/>
+                <a:satOff val="0"/>
+                <a:lumOff val="0"/>
+                <a:alphaOff val="0"/>
+              </a:schemeClr>
+            </a:lnRef>
+            <a:fillRef idx="1">
+              <a:schemeClr val="accent1">
+                <a:hueOff val="0"/>
+                <a:satOff val="0"/>
+                <a:lumOff val="0"/>
+                <a:alphaOff val="0"/>
+              </a:schemeClr>
+            </a:fillRef>
+            <a:effectRef idx="1">
+              <a:schemeClr val="accent1">
+                <a:hueOff val="0"/>
+                <a:satOff val="0"/>
+                <a:lumOff val="0"/>
+                <a:alphaOff val="0"/>
+              </a:schemeClr>
+            </a:effectRef>
+            <a:fontRef idx="minor">
+              <a:schemeClr val="lt1"/>
+            </a:fontRef>
+          </p:style>
+        </p:sp>
+        <p:sp>
+          <p:nvSpPr>
+            <p:cNvPr id="9" name="Rounded Rectangle 4"/>
+            <p:cNvSpPr/>
+            <p:nvPr/>
+          </p:nvSpPr>
+          <p:spPr>
+            <a:xfrm>
+              <a:off x="1283719" y="1483307"/>
+              <a:ext cx="2129507" cy="1225625"/>
+            </a:xfrm>
+            <a:prstGeom prst="rect">
+              <a:avLst/>
+            </a:prstGeom>
+            <a:sp3d/>
+          </p:spPr>
+          <p:style>
+            <a:lnRef idx="0">
+              <a:scrgbClr r="0" g="0" b="0"/>
+            </a:lnRef>
+            <a:fillRef idx="0">
+              <a:scrgbClr r="0" g="0" b="0"/>
+            </a:fillRef>
+            <a:effectRef idx="0">
+              <a:scrgbClr r="0" g="0" b="0"/>
+            </a:effectRef>
+            <a:fontRef idx="minor">
+              <a:schemeClr val="lt1"/>
+            </a:fontRef>
+          </p:style>
+          <p:txBody>
+            <a:bodyPr spcFirstLastPara="0" vert="horz" wrap="square" lIns="45720" tIns="45720" rIns="45720" bIns="45720" numCol="1" spcCol="1270" anchor="ctr" anchorCtr="0">
+              <a:noAutofit/>
+            </a:bodyPr>
+            <a:lstStyle/>
+            <a:p>
+              <a:pPr lvl="0" algn="ctr" defTabSz="533400">
+                <a:lnSpc>
+                  <a:spcPct val="90000"/>
+                </a:lnSpc>
+                <a:spcBef>
+                  <a:spcPct val="0"/>
+                </a:spcBef>
+                <a:spcAft>
+                  <a:spcPct val="35000"/>
+                </a:spcAft>
+              </a:pPr>
+              <a:r>
+                <a:rPr lang="en-US" sz="2400" dirty="0" smtClean="0"/>
+                <a:t>S#.Studio</a:t>
+              </a:r>
+              <a:endParaRPr lang="ru-RU" sz="2400" kern="1200" dirty="0"/>
+            </a:p>
+          </p:txBody>
+        </p:sp>
+      </p:grpSp>
+      <p:grpSp>
+        <p:nvGrpSpPr>
+          <p:cNvPr id="10" name="Group 9"/>
+          <p:cNvGrpSpPr/>
+          <p:nvPr/>
+        </p:nvGrpSpPr>
+        <p:grpSpPr>
+          <a:xfrm>
+            <a:off x="2584884" y="1844824"/>
+            <a:ext cx="2059125" cy="1301887"/>
+            <a:chOff x="1245588" y="1445176"/>
+            <a:chExt cx="2205769" cy="1301887"/>
+          </a:xfrm>
+          <a:scene3d>
+            <a:camera prst="orthographicFront">
+              <a:rot lat="0" lon="0" rev="0"/>
+            </a:camera>
+            <a:lightRig rig="contrasting" dir="t">
+              <a:rot lat="0" lon="0" rev="1200000"/>
+            </a:lightRig>
+          </a:scene3d>
+        </p:grpSpPr>
+        <p:sp>
+          <p:nvSpPr>
+            <p:cNvPr id="11" name="Rounded Rectangle 10"/>
+            <p:cNvSpPr/>
+            <p:nvPr/>
+          </p:nvSpPr>
+          <p:spPr>
+            <a:xfrm>
+              <a:off x="1245588" y="1445176"/>
+              <a:ext cx="2205769" cy="1301887"/>
+            </a:xfrm>
+            <a:prstGeom prst="roundRect">
+              <a:avLst>
+                <a:gd name="adj" fmla="val 10000"/>
+              </a:avLst>
+            </a:prstGeom>
+            <a:sp3d contourW="19050" prstMaterial="metal">
+              <a:bevelT w="88900" h="203200"/>
+              <a:bevelB w="165100" h="254000"/>
+            </a:sp3d>
+          </p:spPr>
+          <p:style>
+            <a:lnRef idx="0">
+              <a:schemeClr val="lt1">
+                <a:hueOff val="0"/>
+                <a:satOff val="0"/>
+                <a:lumOff val="0"/>
+                <a:alphaOff val="0"/>
+              </a:schemeClr>
+            </a:lnRef>
+            <a:fillRef idx="1">
+              <a:schemeClr val="accent1">
+                <a:hueOff val="0"/>
+                <a:satOff val="0"/>
+                <a:lumOff val="0"/>
+                <a:alphaOff val="0"/>
+              </a:schemeClr>
+            </a:fillRef>
+            <a:effectRef idx="1">
+              <a:schemeClr val="accent1">
+                <a:hueOff val="0"/>
+                <a:satOff val="0"/>
+                <a:lumOff val="0"/>
+                <a:alphaOff val="0"/>
+              </a:schemeClr>
+            </a:effectRef>
+            <a:fontRef idx="minor">
+              <a:schemeClr val="lt1"/>
+            </a:fontRef>
+          </p:style>
+        </p:sp>
+        <p:sp>
+          <p:nvSpPr>
+            <p:cNvPr id="12" name="Rounded Rectangle 4"/>
+            <p:cNvSpPr/>
+            <p:nvPr/>
+          </p:nvSpPr>
+          <p:spPr>
+            <a:xfrm>
+              <a:off x="1283719" y="1483307"/>
+              <a:ext cx="2129507" cy="1225625"/>
+            </a:xfrm>
+            <a:prstGeom prst="rect">
+              <a:avLst/>
+            </a:prstGeom>
+            <a:sp3d/>
+          </p:spPr>
+          <p:style>
+            <a:lnRef idx="0">
+              <a:scrgbClr r="0" g="0" b="0"/>
+            </a:lnRef>
+            <a:fillRef idx="0">
+              <a:scrgbClr r="0" g="0" b="0"/>
+            </a:fillRef>
+            <a:effectRef idx="0">
+              <a:scrgbClr r="0" g="0" b="0"/>
+            </a:effectRef>
+            <a:fontRef idx="minor">
+              <a:schemeClr val="lt1"/>
+            </a:fontRef>
+          </p:style>
+          <p:txBody>
+            <a:bodyPr spcFirstLastPara="0" vert="horz" wrap="square" lIns="45720" tIns="45720" rIns="45720" bIns="45720" numCol="1" spcCol="1270" anchor="ctr" anchorCtr="0">
+              <a:noAutofit/>
+            </a:bodyPr>
+            <a:lstStyle/>
+            <a:p>
+              <a:pPr lvl="0" algn="ctr" defTabSz="533400">
+                <a:lnSpc>
+                  <a:spcPct val="90000"/>
+                </a:lnSpc>
+                <a:spcBef>
+                  <a:spcPct val="0"/>
+                </a:spcBef>
+                <a:spcAft>
+                  <a:spcPct val="35000"/>
+                </a:spcAft>
+              </a:pPr>
+              <a:r>
+                <a:rPr lang="en-US" sz="2400" kern="1200" dirty="0" smtClean="0"/>
+                <a:t>S#.Data</a:t>
+              </a:r>
+              <a:endParaRPr lang="ru-RU" sz="2400" kern="1200" dirty="0"/>
+            </a:p>
+          </p:txBody>
+        </p:sp>
+      </p:grpSp>
+      <p:grpSp>
+        <p:nvGrpSpPr>
+          <p:cNvPr id="13" name="Group 12"/>
+          <p:cNvGrpSpPr/>
+          <p:nvPr/>
+        </p:nvGrpSpPr>
+        <p:grpSpPr>
+          <a:xfrm>
+            <a:off x="6689339" y="1844822"/>
+            <a:ext cx="1987118" cy="1301887"/>
+            <a:chOff x="1245588" y="1445176"/>
+            <a:chExt cx="2205769" cy="1301887"/>
+          </a:xfrm>
+          <a:scene3d>
+            <a:camera prst="orthographicFront">
+              <a:rot lat="0" lon="0" rev="0"/>
+            </a:camera>
+            <a:lightRig rig="contrasting" dir="t">
+              <a:rot lat="0" lon="0" rev="1200000"/>
+            </a:lightRig>
+          </a:scene3d>
+        </p:grpSpPr>
+        <p:sp>
+          <p:nvSpPr>
+            <p:cNvPr id="14" name="Rounded Rectangle 13"/>
+            <p:cNvSpPr/>
+            <p:nvPr/>
+          </p:nvSpPr>
+          <p:spPr>
+            <a:xfrm>
+              <a:off x="1245588" y="1445176"/>
+              <a:ext cx="2205769" cy="1301887"/>
+            </a:xfrm>
+            <a:prstGeom prst="roundRect">
+              <a:avLst>
+                <a:gd name="adj" fmla="val 10000"/>
+              </a:avLst>
+            </a:prstGeom>
+            <a:sp3d contourW="19050" prstMaterial="metal">
+              <a:bevelT w="88900" h="203200"/>
+              <a:bevelB w="165100" h="254000"/>
+            </a:sp3d>
+          </p:spPr>
+          <p:style>
+            <a:lnRef idx="0">
+              <a:schemeClr val="lt1">
+                <a:hueOff val="0"/>
+                <a:satOff val="0"/>
+                <a:lumOff val="0"/>
+                <a:alphaOff val="0"/>
+              </a:schemeClr>
+            </a:lnRef>
+            <a:fillRef idx="1">
+              <a:schemeClr val="accent1">
+                <a:hueOff val="0"/>
+                <a:satOff val="0"/>
+                <a:lumOff val="0"/>
+                <a:alphaOff val="0"/>
+              </a:schemeClr>
+            </a:fillRef>
+            <a:effectRef idx="1">
+              <a:schemeClr val="accent1">
+                <a:hueOff val="0"/>
+                <a:satOff val="0"/>
+                <a:lumOff val="0"/>
+                <a:alphaOff val="0"/>
+              </a:schemeClr>
+            </a:effectRef>
+            <a:fontRef idx="minor">
+              <a:schemeClr val="lt1"/>
+            </a:fontRef>
+          </p:style>
+        </p:sp>
+        <p:sp>
+          <p:nvSpPr>
+            <p:cNvPr id="15" name="Rounded Rectangle 4"/>
+            <p:cNvSpPr/>
+            <p:nvPr/>
+          </p:nvSpPr>
+          <p:spPr>
+            <a:xfrm>
+              <a:off x="1283719" y="1483307"/>
+              <a:ext cx="2129507" cy="1225625"/>
+            </a:xfrm>
+            <a:prstGeom prst="rect">
+              <a:avLst/>
+            </a:prstGeom>
+            <a:sp3d/>
+          </p:spPr>
+          <p:style>
+            <a:lnRef idx="0">
+              <a:scrgbClr r="0" g="0" b="0"/>
+            </a:lnRef>
+            <a:fillRef idx="0">
+              <a:scrgbClr r="0" g="0" b="0"/>
+            </a:fillRef>
+            <a:effectRef idx="0">
+              <a:scrgbClr r="0" g="0" b="0"/>
+            </a:effectRef>
+            <a:fontRef idx="minor">
+              <a:schemeClr val="lt1"/>
+            </a:fontRef>
+          </p:style>
+          <p:txBody>
+            <a:bodyPr spcFirstLastPara="0" vert="horz" wrap="square" lIns="45720" tIns="45720" rIns="45720" bIns="45720" numCol="1" spcCol="1270" anchor="ctr" anchorCtr="0">
+              <a:noAutofit/>
+            </a:bodyPr>
+            <a:lstStyle/>
+            <a:p>
+              <a:pPr lvl="0" algn="ctr" defTabSz="533400">
+                <a:lnSpc>
+                  <a:spcPct val="90000"/>
+                </a:lnSpc>
+                <a:spcBef>
+                  <a:spcPct val="0"/>
+                </a:spcBef>
+                <a:spcAft>
+                  <a:spcPct val="35000"/>
+                </a:spcAft>
+              </a:pPr>
+              <a:r>
+                <a:rPr lang="en-US" sz="2400" kern="1200" dirty="0" err="1" smtClean="0"/>
+                <a:t>S#.</a:t>
+              </a:r>
+              <a:r>
+                <a:rPr lang="en-US" sz="2400" dirty="0" err="1" smtClean="0"/>
+                <a:t>MatLab</a:t>
+              </a:r>
+              <a:endParaRPr lang="ru-RU" sz="2400" kern="1200" dirty="0"/>
+            </a:p>
+          </p:txBody>
+        </p:sp>
+      </p:grpSp>
+      <p:grpSp>
+        <p:nvGrpSpPr>
+          <p:cNvPr id="16" name="Group 15"/>
+          <p:cNvGrpSpPr/>
+          <p:nvPr/>
+        </p:nvGrpSpPr>
+        <p:grpSpPr>
+          <a:xfrm>
+            <a:off x="4673115" y="1844824"/>
+            <a:ext cx="1987117" cy="1301887"/>
+            <a:chOff x="1245588" y="1445176"/>
+            <a:chExt cx="2205769" cy="1301887"/>
+          </a:xfrm>
+          <a:scene3d>
+            <a:camera prst="orthographicFront">
+              <a:rot lat="0" lon="0" rev="0"/>
+            </a:camera>
+            <a:lightRig rig="contrasting" dir="t">
+              <a:rot lat="0" lon="0" rev="1200000"/>
+            </a:lightRig>
+          </a:scene3d>
+        </p:grpSpPr>
+        <p:sp>
+          <p:nvSpPr>
+            <p:cNvPr id="17" name="Rounded Rectangle 16"/>
+            <p:cNvSpPr/>
+            <p:nvPr/>
+          </p:nvSpPr>
+          <p:spPr>
+            <a:xfrm>
+              <a:off x="1245588" y="1445176"/>
+              <a:ext cx="2205769" cy="1301887"/>
+            </a:xfrm>
+            <a:prstGeom prst="roundRect">
+              <a:avLst>
+                <a:gd name="adj" fmla="val 10000"/>
+              </a:avLst>
+            </a:prstGeom>
+            <a:sp3d contourW="19050" prstMaterial="metal">
+              <a:bevelT w="88900" h="203200"/>
+              <a:bevelB w="165100" h="254000"/>
+            </a:sp3d>
+          </p:spPr>
+          <p:style>
+            <a:lnRef idx="0">
+              <a:schemeClr val="lt1">
+                <a:hueOff val="0"/>
+                <a:satOff val="0"/>
+                <a:lumOff val="0"/>
+                <a:alphaOff val="0"/>
+              </a:schemeClr>
+            </a:lnRef>
+            <a:fillRef idx="1">
+              <a:schemeClr val="accent1">
+                <a:hueOff val="0"/>
+                <a:satOff val="0"/>
+                <a:lumOff val="0"/>
+                <a:alphaOff val="0"/>
+              </a:schemeClr>
+            </a:fillRef>
+            <a:effectRef idx="1">
+              <a:schemeClr val="accent1">
+                <a:hueOff val="0"/>
+                <a:satOff val="0"/>
+                <a:lumOff val="0"/>
+                <a:alphaOff val="0"/>
+              </a:schemeClr>
+            </a:effectRef>
+            <a:fontRef idx="minor">
+              <a:schemeClr val="lt1"/>
+            </a:fontRef>
+          </p:style>
+        </p:sp>
+        <p:sp>
+          <p:nvSpPr>
+            <p:cNvPr id="18" name="Rounded Rectangle 4"/>
+            <p:cNvSpPr/>
+            <p:nvPr/>
+          </p:nvSpPr>
+          <p:spPr>
+            <a:xfrm>
+              <a:off x="1283719" y="1483307"/>
+              <a:ext cx="2129507" cy="1225625"/>
+            </a:xfrm>
+            <a:prstGeom prst="rect">
+              <a:avLst/>
+            </a:prstGeom>
+            <a:sp3d/>
+          </p:spPr>
+          <p:style>
+            <a:lnRef idx="0">
+              <a:scrgbClr r="0" g="0" b="0"/>
+            </a:lnRef>
+            <a:fillRef idx="0">
+              <a:scrgbClr r="0" g="0" b="0"/>
+            </a:fillRef>
+            <a:effectRef idx="0">
+              <a:scrgbClr r="0" g="0" b="0"/>
+            </a:effectRef>
+            <a:fontRef idx="minor">
+              <a:schemeClr val="lt1"/>
+            </a:fontRef>
+          </p:style>
+          <p:txBody>
+            <a:bodyPr spcFirstLastPara="0" vert="horz" wrap="square" lIns="45720" tIns="45720" rIns="45720" bIns="45720" numCol="1" spcCol="1270" anchor="ctr" anchorCtr="0">
+              <a:noAutofit/>
+            </a:bodyPr>
+            <a:lstStyle/>
+            <a:p>
+              <a:pPr lvl="0" algn="ctr" defTabSz="533400">
+                <a:lnSpc>
+                  <a:spcPct val="90000"/>
+                </a:lnSpc>
+                <a:spcBef>
+                  <a:spcPct val="0"/>
+                </a:spcBef>
+                <a:spcAft>
+                  <a:spcPct val="35000"/>
+                </a:spcAft>
+              </a:pPr>
+              <a:r>
+                <a:rPr lang="en-US" sz="2400" kern="1200" dirty="0" err="1" smtClean="0"/>
+                <a:t>S#.Server</a:t>
+              </a:r>
+              <a:endParaRPr lang="ru-RU" sz="2400" kern="1200" dirty="0"/>
+            </a:p>
+          </p:txBody>
+        </p:sp>
+      </p:grpSp>
+    </p:spTree>
+    <p:extLst>
+      <p:ext uri="{BB962C8B-B14F-4D97-AF65-F5344CB8AC3E}">
+        <p14:creationId xmlns:p14="http://schemas.microsoft.com/office/powerpoint/2010/main" val="1181690181"/>
+      </p:ext>
+    </p:extLst>
+  </p:cSld>
+  <p:clrMapOvr>
+    <a:masterClrMapping/>
+  </p:clrMapOvr>
+</p:sld>
+</file>
+
 <file path=ppt/slides/slide2.xml><?xml version="1.0" encoding="utf-8"?>
 <p:sld xmlns:a="http://schemas.openxmlformats.org/drawingml/2006/main" xmlns:r="http://schemas.openxmlformats.org/officeDocument/2006/relationships" xmlns:p="http://schemas.openxmlformats.org/presentationml/2006/main">
   <p:cSld>
